--- a/Presentation/PPT/Presentation.pptx
+++ b/Presentation/PPT/Presentation.pptx
@@ -4,17 +4,17 @@
   <p:sldMasterIdLst>
     <p:sldMasterId id="2147483648" r:id="rId1"/>
   </p:sldMasterIdLst>
+  <p:notesMasterIdLst>
+    <p:notesMasterId r:id="rId9"/>
+  </p:notesMasterIdLst>
   <p:sldIdLst>
     <p:sldId id="256" r:id="rId2"/>
-    <p:sldId id="257" r:id="rId3"/>
-    <p:sldId id="258" r:id="rId4"/>
-    <p:sldId id="259" r:id="rId5"/>
-    <p:sldId id="260" r:id="rId6"/>
-    <p:sldId id="261" r:id="rId7"/>
-    <p:sldId id="262" r:id="rId8"/>
-    <p:sldId id="263" r:id="rId9"/>
-    <p:sldId id="264" r:id="rId10"/>
-    <p:sldId id="265" r:id="rId11"/>
+    <p:sldId id="258" r:id="rId3"/>
+    <p:sldId id="266" r:id="rId4"/>
+    <p:sldId id="262" r:id="rId5"/>
+    <p:sldId id="263" r:id="rId6"/>
+    <p:sldId id="264" r:id="rId7"/>
+    <p:sldId id="265" r:id="rId8"/>
   </p:sldIdLst>
   <p:sldSz cx="12192000" cy="6858000"/>
   <p:notesSz cx="6858000" cy="9144000"/>
@@ -134,6 +134,355 @@
 
 <file path=ppt/revisionInfo.xml><?xml version="1.0" encoding="utf-8"?>
 <p1510:revInfo xmlns:a="http://schemas.openxmlformats.org/drawingml/2006/main" xmlns:r="http://schemas.openxmlformats.org/officeDocument/2006/relationships" xmlns:p1510="http://schemas.microsoft.com/office/powerpoint/2015/10/main"/>
+</file>
+
+<file path=ppt/notesMasters/notesMaster1.xml><?xml version="1.0" encoding="utf-8"?>
+<p:notesMaster xmlns:a="http://schemas.openxmlformats.org/drawingml/2006/main" xmlns:r="http://schemas.openxmlformats.org/officeDocument/2006/relationships" xmlns:p="http://schemas.openxmlformats.org/presentationml/2006/main">
+  <p:cSld>
+    <p:bg>
+      <p:bgRef idx="1001">
+        <a:schemeClr val="bg1"/>
+      </p:bgRef>
+    </p:bg>
+    <p:spTree>
+      <p:nvGrpSpPr>
+        <p:cNvPr id="1" name=""/>
+        <p:cNvGrpSpPr/>
+        <p:nvPr/>
+      </p:nvGrpSpPr>
+      <p:grpSpPr>
+        <a:xfrm>
+          <a:off x="0" y="0"/>
+          <a:ext cx="0" cy="0"/>
+          <a:chOff x="0" y="0"/>
+          <a:chExt cx="0" cy="0"/>
+        </a:xfrm>
+      </p:grpSpPr>
+      <p:sp>
+        <p:nvSpPr>
+          <p:cNvPr id="2" name="Header Placeholder 1"/>
+          <p:cNvSpPr>
+            <a:spLocks noGrp="1"/>
+          </p:cNvSpPr>
+          <p:nvPr>
+            <p:ph type="hdr" sz="quarter"/>
+          </p:nvPr>
+        </p:nvSpPr>
+        <p:spPr>
+          <a:xfrm>
+            <a:off x="0" y="0"/>
+            <a:ext cx="2971800" cy="458788"/>
+          </a:xfrm>
+          <a:prstGeom prst="rect">
+            <a:avLst/>
+          </a:prstGeom>
+        </p:spPr>
+        <p:txBody>
+          <a:bodyPr vert="horz" lIns="91440" tIns="45720" rIns="91440" bIns="45720" rtlCol="0"/>
+          <a:lstStyle>
+            <a:lvl1pPr algn="l">
+              <a:defRPr sz="1200"/>
+            </a:lvl1pPr>
+          </a:lstStyle>
+          <a:p>
+            <a:endParaRPr lang="en-US"/>
+          </a:p>
+        </p:txBody>
+      </p:sp>
+      <p:sp>
+        <p:nvSpPr>
+          <p:cNvPr id="3" name="Date Placeholder 2"/>
+          <p:cNvSpPr>
+            <a:spLocks noGrp="1"/>
+          </p:cNvSpPr>
+          <p:nvPr>
+            <p:ph type="dt" idx="1"/>
+          </p:nvPr>
+        </p:nvSpPr>
+        <p:spPr>
+          <a:xfrm>
+            <a:off x="3884613" y="0"/>
+            <a:ext cx="2971800" cy="458788"/>
+          </a:xfrm>
+          <a:prstGeom prst="rect">
+            <a:avLst/>
+          </a:prstGeom>
+        </p:spPr>
+        <p:txBody>
+          <a:bodyPr vert="horz" lIns="91440" tIns="45720" rIns="91440" bIns="45720" rtlCol="0"/>
+          <a:lstStyle>
+            <a:lvl1pPr algn="r">
+              <a:defRPr sz="1200"/>
+            </a:lvl1pPr>
+          </a:lstStyle>
+          <a:p>
+            <a:fld id="{6E99377F-B8E8-4100-8EDF-10862603B3BB}" type="datetimeFigureOut">
+              <a:rPr lang="en-US" smtClean="0"/>
+              <a:t>11/29/2017</a:t>
+            </a:fld>
+            <a:endParaRPr lang="en-US"/>
+          </a:p>
+        </p:txBody>
+      </p:sp>
+      <p:sp>
+        <p:nvSpPr>
+          <p:cNvPr id="4" name="Slide Image Placeholder 3"/>
+          <p:cNvSpPr>
+            <a:spLocks noGrp="1" noRot="1" noChangeAspect="1"/>
+          </p:cNvSpPr>
+          <p:nvPr>
+            <p:ph type="sldImg" idx="2"/>
+          </p:nvPr>
+        </p:nvSpPr>
+        <p:spPr>
+          <a:xfrm>
+            <a:off x="685800" y="1143000"/>
+            <a:ext cx="5486400" cy="3086100"/>
+          </a:xfrm>
+          <a:prstGeom prst="rect">
+            <a:avLst/>
+          </a:prstGeom>
+          <a:noFill/>
+          <a:ln w="12700">
+            <a:solidFill>
+              <a:prstClr val="black"/>
+            </a:solidFill>
+          </a:ln>
+        </p:spPr>
+        <p:txBody>
+          <a:bodyPr vert="horz" lIns="91440" tIns="45720" rIns="91440" bIns="45720" rtlCol="0" anchor="ctr"/>
+          <a:lstStyle/>
+          <a:p>
+            <a:endParaRPr lang="en-US"/>
+          </a:p>
+        </p:txBody>
+      </p:sp>
+      <p:sp>
+        <p:nvSpPr>
+          <p:cNvPr id="5" name="Notes Placeholder 4"/>
+          <p:cNvSpPr>
+            <a:spLocks noGrp="1"/>
+          </p:cNvSpPr>
+          <p:nvPr>
+            <p:ph type="body" sz="quarter" idx="3"/>
+          </p:nvPr>
+        </p:nvSpPr>
+        <p:spPr>
+          <a:xfrm>
+            <a:off x="685800" y="4400550"/>
+            <a:ext cx="5486400" cy="3600450"/>
+          </a:xfrm>
+          <a:prstGeom prst="rect">
+            <a:avLst/>
+          </a:prstGeom>
+        </p:spPr>
+        <p:txBody>
+          <a:bodyPr vert="horz" lIns="91440" tIns="45720" rIns="91440" bIns="45720" rtlCol="0"/>
+          <a:lstStyle/>
+          <a:p>
+            <a:pPr lvl="0"/>
+            <a:r>
+              <a:rPr lang="en-US"/>
+              <a:t>Edit Master text styles</a:t>
+            </a:r>
+          </a:p>
+          <a:p>
+            <a:pPr lvl="1"/>
+            <a:r>
+              <a:rPr lang="en-US"/>
+              <a:t>Second level</a:t>
+            </a:r>
+          </a:p>
+          <a:p>
+            <a:pPr lvl="2"/>
+            <a:r>
+              <a:rPr lang="en-US"/>
+              <a:t>Third level</a:t>
+            </a:r>
+          </a:p>
+          <a:p>
+            <a:pPr lvl="3"/>
+            <a:r>
+              <a:rPr lang="en-US"/>
+              <a:t>Fourth level</a:t>
+            </a:r>
+          </a:p>
+          <a:p>
+            <a:pPr lvl="4"/>
+            <a:r>
+              <a:rPr lang="en-US"/>
+              <a:t>Fifth level</a:t>
+            </a:r>
+          </a:p>
+        </p:txBody>
+      </p:sp>
+      <p:sp>
+        <p:nvSpPr>
+          <p:cNvPr id="6" name="Footer Placeholder 5"/>
+          <p:cNvSpPr>
+            <a:spLocks noGrp="1"/>
+          </p:cNvSpPr>
+          <p:nvPr>
+            <p:ph type="ftr" sz="quarter" idx="4"/>
+          </p:nvPr>
+        </p:nvSpPr>
+        <p:spPr>
+          <a:xfrm>
+            <a:off x="0" y="8685213"/>
+            <a:ext cx="2971800" cy="458787"/>
+          </a:xfrm>
+          <a:prstGeom prst="rect">
+            <a:avLst/>
+          </a:prstGeom>
+        </p:spPr>
+        <p:txBody>
+          <a:bodyPr vert="horz" lIns="91440" tIns="45720" rIns="91440" bIns="45720" rtlCol="0" anchor="b"/>
+          <a:lstStyle>
+            <a:lvl1pPr algn="l">
+              <a:defRPr sz="1200"/>
+            </a:lvl1pPr>
+          </a:lstStyle>
+          <a:p>
+            <a:endParaRPr lang="en-US"/>
+          </a:p>
+        </p:txBody>
+      </p:sp>
+      <p:sp>
+        <p:nvSpPr>
+          <p:cNvPr id="7" name="Slide Number Placeholder 6"/>
+          <p:cNvSpPr>
+            <a:spLocks noGrp="1"/>
+          </p:cNvSpPr>
+          <p:nvPr>
+            <p:ph type="sldNum" sz="quarter" idx="5"/>
+          </p:nvPr>
+        </p:nvSpPr>
+        <p:spPr>
+          <a:xfrm>
+            <a:off x="3884613" y="8685213"/>
+            <a:ext cx="2971800" cy="458787"/>
+          </a:xfrm>
+          <a:prstGeom prst="rect">
+            <a:avLst/>
+          </a:prstGeom>
+        </p:spPr>
+        <p:txBody>
+          <a:bodyPr vert="horz" lIns="91440" tIns="45720" rIns="91440" bIns="45720" rtlCol="0" anchor="b"/>
+          <a:lstStyle>
+            <a:lvl1pPr algn="r">
+              <a:defRPr sz="1200"/>
+            </a:lvl1pPr>
+          </a:lstStyle>
+          <a:p>
+            <a:fld id="{E914D83A-83D5-4E6B-9B97-CA659FF62AD2}" type="slidenum">
+              <a:rPr lang="en-US" smtClean="0"/>
+              <a:t>‹#›</a:t>
+            </a:fld>
+            <a:endParaRPr lang="en-US"/>
+          </a:p>
+        </p:txBody>
+      </p:sp>
+    </p:spTree>
+    <p:extLst>
+      <p:ext uri="{BB962C8B-B14F-4D97-AF65-F5344CB8AC3E}">
+        <p14:creationId xmlns:p14="http://schemas.microsoft.com/office/powerpoint/2010/main" val="3355141235"/>
+      </p:ext>
+    </p:extLst>
+  </p:cSld>
+  <p:clrMap bg1="lt1" tx1="dk1" bg2="lt2" tx2="dk2" accent1="accent1" accent2="accent2" accent3="accent3" accent4="accent4" accent5="accent5" accent6="accent6" hlink="hlink" folHlink="folHlink"/>
+  <p:notesStyle>
+    <a:lvl1pPr marL="0" algn="l" defTabSz="914400" rtl="0" eaLnBrk="1" latinLnBrk="0" hangingPunct="1">
+      <a:defRPr sz="1200" kern="1200">
+        <a:solidFill>
+          <a:schemeClr val="tx1"/>
+        </a:solidFill>
+        <a:latin typeface="+mn-lt"/>
+        <a:ea typeface="+mn-ea"/>
+        <a:cs typeface="+mn-cs"/>
+      </a:defRPr>
+    </a:lvl1pPr>
+    <a:lvl2pPr marL="457200" algn="l" defTabSz="914400" rtl="0" eaLnBrk="1" latinLnBrk="0" hangingPunct="1">
+      <a:defRPr sz="1200" kern="1200">
+        <a:solidFill>
+          <a:schemeClr val="tx1"/>
+        </a:solidFill>
+        <a:latin typeface="+mn-lt"/>
+        <a:ea typeface="+mn-ea"/>
+        <a:cs typeface="+mn-cs"/>
+      </a:defRPr>
+    </a:lvl2pPr>
+    <a:lvl3pPr marL="914400" algn="l" defTabSz="914400" rtl="0" eaLnBrk="1" latinLnBrk="0" hangingPunct="1">
+      <a:defRPr sz="1200" kern="1200">
+        <a:solidFill>
+          <a:schemeClr val="tx1"/>
+        </a:solidFill>
+        <a:latin typeface="+mn-lt"/>
+        <a:ea typeface="+mn-ea"/>
+        <a:cs typeface="+mn-cs"/>
+      </a:defRPr>
+    </a:lvl3pPr>
+    <a:lvl4pPr marL="1371600" algn="l" defTabSz="914400" rtl="0" eaLnBrk="1" latinLnBrk="0" hangingPunct="1">
+      <a:defRPr sz="1200" kern="1200">
+        <a:solidFill>
+          <a:schemeClr val="tx1"/>
+        </a:solidFill>
+        <a:latin typeface="+mn-lt"/>
+        <a:ea typeface="+mn-ea"/>
+        <a:cs typeface="+mn-cs"/>
+      </a:defRPr>
+    </a:lvl4pPr>
+    <a:lvl5pPr marL="1828800" algn="l" defTabSz="914400" rtl="0" eaLnBrk="1" latinLnBrk="0" hangingPunct="1">
+      <a:defRPr sz="1200" kern="1200">
+        <a:solidFill>
+          <a:schemeClr val="tx1"/>
+        </a:solidFill>
+        <a:latin typeface="+mn-lt"/>
+        <a:ea typeface="+mn-ea"/>
+        <a:cs typeface="+mn-cs"/>
+      </a:defRPr>
+    </a:lvl5pPr>
+    <a:lvl6pPr marL="2286000" algn="l" defTabSz="914400" rtl="0" eaLnBrk="1" latinLnBrk="0" hangingPunct="1">
+      <a:defRPr sz="1200" kern="1200">
+        <a:solidFill>
+          <a:schemeClr val="tx1"/>
+        </a:solidFill>
+        <a:latin typeface="+mn-lt"/>
+        <a:ea typeface="+mn-ea"/>
+        <a:cs typeface="+mn-cs"/>
+      </a:defRPr>
+    </a:lvl6pPr>
+    <a:lvl7pPr marL="2743200" algn="l" defTabSz="914400" rtl="0" eaLnBrk="1" latinLnBrk="0" hangingPunct="1">
+      <a:defRPr sz="1200" kern="1200">
+        <a:solidFill>
+          <a:schemeClr val="tx1"/>
+        </a:solidFill>
+        <a:latin typeface="+mn-lt"/>
+        <a:ea typeface="+mn-ea"/>
+        <a:cs typeface="+mn-cs"/>
+      </a:defRPr>
+    </a:lvl7pPr>
+    <a:lvl8pPr marL="3200400" algn="l" defTabSz="914400" rtl="0" eaLnBrk="1" latinLnBrk="0" hangingPunct="1">
+      <a:defRPr sz="1200" kern="1200">
+        <a:solidFill>
+          <a:schemeClr val="tx1"/>
+        </a:solidFill>
+        <a:latin typeface="+mn-lt"/>
+        <a:ea typeface="+mn-ea"/>
+        <a:cs typeface="+mn-cs"/>
+      </a:defRPr>
+    </a:lvl8pPr>
+    <a:lvl9pPr marL="3657600" algn="l" defTabSz="914400" rtl="0" eaLnBrk="1" latinLnBrk="0" hangingPunct="1">
+      <a:defRPr sz="1200" kern="1200">
+        <a:solidFill>
+          <a:schemeClr val="tx1"/>
+        </a:solidFill>
+        <a:latin typeface="+mn-lt"/>
+        <a:ea typeface="+mn-ea"/>
+        <a:cs typeface="+mn-cs"/>
+      </a:defRPr>
+    </a:lvl9pPr>
+  </p:notesStyle>
+</p:notesMaster>
 </file>
 
 <file path=ppt/slideLayouts/slideLayout1.xml><?xml version="1.0" encoding="utf-8"?>
@@ -3350,40 +3699,394 @@
           <a:chExt cx="0" cy="0"/>
         </a:xfrm>
       </p:grpSpPr>
+      <p:sp>
+        <p:nvSpPr>
+          <p:cNvPr id="2" name="文本框 4">
+            <a:extLst>
+              <a:ext uri="{FF2B5EF4-FFF2-40B4-BE49-F238E27FC236}">
+                <a16:creationId xmlns:a16="http://schemas.microsoft.com/office/drawing/2014/main" id="{7CB848FC-59FF-4EDD-8E4B-7CE2E5913637}"/>
+              </a:ext>
+            </a:extLst>
+          </p:cNvPr>
+          <p:cNvSpPr txBox="1">
+            <a:spLocks noChangeArrowheads="1"/>
+          </p:cNvSpPr>
+          <p:nvPr/>
+        </p:nvSpPr>
+        <p:spPr bwMode="auto">
+          <a:xfrm>
+            <a:off x="3756590" y="2526884"/>
+            <a:ext cx="4867081" cy="1015663"/>
+          </a:xfrm>
+          <a:prstGeom prst="rect">
+            <a:avLst/>
+          </a:prstGeom>
+          <a:noFill/>
+          <a:ln>
+            <a:noFill/>
+          </a:ln>
+          <a:extLst>
+            <a:ext uri="{909E8E84-426E-40DD-AFC4-6F175D3DCCD1}">
+              <a14:hiddenFill xmlns:a14="http://schemas.microsoft.com/office/drawing/2010/main">
+                <a:solidFill>
+                  <a:srgbClr val="FFFFFF"/>
+                </a:solidFill>
+              </a14:hiddenFill>
+            </a:ext>
+            <a:ext uri="{91240B29-F687-4F45-9708-019B960494DF}">
+              <a14:hiddenLine xmlns:a14="http://schemas.microsoft.com/office/drawing/2010/main" w="9525">
+                <a:solidFill>
+                  <a:srgbClr val="000000"/>
+                </a:solidFill>
+                <a:miter lim="800000"/>
+                <a:headEnd/>
+                <a:tailEnd/>
+              </a14:hiddenLine>
+            </a:ext>
+          </a:extLst>
+        </p:spPr>
+        <p:txBody>
+          <a:bodyPr wrap="square">
+            <a:spAutoFit/>
+          </a:bodyPr>
+          <a:lstStyle>
+            <a:defPPr>
+              <a:defRPr lang="zh-CN"/>
+            </a:defPPr>
+            <a:lvl1pPr algn="l" rtl="0" eaLnBrk="0" fontAlgn="base" hangingPunct="0">
+              <a:spcBef>
+                <a:spcPct val="0"/>
+              </a:spcBef>
+              <a:spcAft>
+                <a:spcPct val="0"/>
+              </a:spcAft>
+              <a:defRPr kern="1200">
+                <a:solidFill>
+                  <a:schemeClr val="tx1"/>
+                </a:solidFill>
+                <a:latin typeface="Calibri" panose="020F0502020204030204" pitchFamily="34" charset="0"/>
+                <a:ea typeface="宋体" panose="02010600030101010101" pitchFamily="2" charset="-122"/>
+                <a:cs typeface="+mn-cs"/>
+              </a:defRPr>
+            </a:lvl1pPr>
+            <a:lvl2pPr marL="457200" algn="l" rtl="0" eaLnBrk="0" fontAlgn="base" hangingPunct="0">
+              <a:spcBef>
+                <a:spcPct val="0"/>
+              </a:spcBef>
+              <a:spcAft>
+                <a:spcPct val="0"/>
+              </a:spcAft>
+              <a:defRPr kern="1200">
+                <a:solidFill>
+                  <a:schemeClr val="tx1"/>
+                </a:solidFill>
+                <a:latin typeface="Calibri" panose="020F0502020204030204" pitchFamily="34" charset="0"/>
+                <a:ea typeface="宋体" panose="02010600030101010101" pitchFamily="2" charset="-122"/>
+                <a:cs typeface="+mn-cs"/>
+              </a:defRPr>
+            </a:lvl2pPr>
+            <a:lvl3pPr marL="914400" algn="l" rtl="0" eaLnBrk="0" fontAlgn="base" hangingPunct="0">
+              <a:spcBef>
+                <a:spcPct val="0"/>
+              </a:spcBef>
+              <a:spcAft>
+                <a:spcPct val="0"/>
+              </a:spcAft>
+              <a:defRPr kern="1200">
+                <a:solidFill>
+                  <a:schemeClr val="tx1"/>
+                </a:solidFill>
+                <a:latin typeface="Calibri" panose="020F0502020204030204" pitchFamily="34" charset="0"/>
+                <a:ea typeface="宋体" panose="02010600030101010101" pitchFamily="2" charset="-122"/>
+                <a:cs typeface="+mn-cs"/>
+              </a:defRPr>
+            </a:lvl3pPr>
+            <a:lvl4pPr marL="1371600" algn="l" rtl="0" eaLnBrk="0" fontAlgn="base" hangingPunct="0">
+              <a:spcBef>
+                <a:spcPct val="0"/>
+              </a:spcBef>
+              <a:spcAft>
+                <a:spcPct val="0"/>
+              </a:spcAft>
+              <a:defRPr kern="1200">
+                <a:solidFill>
+                  <a:schemeClr val="tx1"/>
+                </a:solidFill>
+                <a:latin typeface="Calibri" panose="020F0502020204030204" pitchFamily="34" charset="0"/>
+                <a:ea typeface="宋体" panose="02010600030101010101" pitchFamily="2" charset="-122"/>
+                <a:cs typeface="+mn-cs"/>
+              </a:defRPr>
+            </a:lvl4pPr>
+            <a:lvl5pPr marL="1828800" algn="l" rtl="0" eaLnBrk="0" fontAlgn="base" hangingPunct="0">
+              <a:spcBef>
+                <a:spcPct val="0"/>
+              </a:spcBef>
+              <a:spcAft>
+                <a:spcPct val="0"/>
+              </a:spcAft>
+              <a:defRPr kern="1200">
+                <a:solidFill>
+                  <a:schemeClr val="tx1"/>
+                </a:solidFill>
+                <a:latin typeface="Calibri" panose="020F0502020204030204" pitchFamily="34" charset="0"/>
+                <a:ea typeface="宋体" panose="02010600030101010101" pitchFamily="2" charset="-122"/>
+                <a:cs typeface="+mn-cs"/>
+              </a:defRPr>
+            </a:lvl5pPr>
+            <a:lvl6pPr marL="2286000" algn="l" defTabSz="914400" rtl="0" eaLnBrk="1" latinLnBrk="0" hangingPunct="1">
+              <a:defRPr kern="1200">
+                <a:solidFill>
+                  <a:schemeClr val="tx1"/>
+                </a:solidFill>
+                <a:latin typeface="Calibri" panose="020F0502020204030204" pitchFamily="34" charset="0"/>
+                <a:ea typeface="宋体" panose="02010600030101010101" pitchFamily="2" charset="-122"/>
+                <a:cs typeface="+mn-cs"/>
+              </a:defRPr>
+            </a:lvl6pPr>
+            <a:lvl7pPr marL="2743200" algn="l" defTabSz="914400" rtl="0" eaLnBrk="1" latinLnBrk="0" hangingPunct="1">
+              <a:defRPr kern="1200">
+                <a:solidFill>
+                  <a:schemeClr val="tx1"/>
+                </a:solidFill>
+                <a:latin typeface="Calibri" panose="020F0502020204030204" pitchFamily="34" charset="0"/>
+                <a:ea typeface="宋体" panose="02010600030101010101" pitchFamily="2" charset="-122"/>
+                <a:cs typeface="+mn-cs"/>
+              </a:defRPr>
+            </a:lvl7pPr>
+            <a:lvl8pPr marL="3200400" algn="l" defTabSz="914400" rtl="0" eaLnBrk="1" latinLnBrk="0" hangingPunct="1">
+              <a:defRPr kern="1200">
+                <a:solidFill>
+                  <a:schemeClr val="tx1"/>
+                </a:solidFill>
+                <a:latin typeface="Calibri" panose="020F0502020204030204" pitchFamily="34" charset="0"/>
+                <a:ea typeface="宋体" panose="02010600030101010101" pitchFamily="2" charset="-122"/>
+                <a:cs typeface="+mn-cs"/>
+              </a:defRPr>
+            </a:lvl8pPr>
+            <a:lvl9pPr marL="3657600" algn="l" defTabSz="914400" rtl="0" eaLnBrk="1" latinLnBrk="0" hangingPunct="1">
+              <a:defRPr kern="1200">
+                <a:solidFill>
+                  <a:schemeClr val="tx1"/>
+                </a:solidFill>
+                <a:latin typeface="Calibri" panose="020F0502020204030204" pitchFamily="34" charset="0"/>
+                <a:ea typeface="宋体" panose="02010600030101010101" pitchFamily="2" charset="-122"/>
+                <a:cs typeface="+mn-cs"/>
+              </a:defRPr>
+            </a:lvl9pPr>
+          </a:lstStyle>
+          <a:p>
+            <a:pPr algn="ctr" eaLnBrk="1" hangingPunct="1"/>
+            <a:r>
+              <a:rPr lang="en-US" altLang="zh-CN" sz="6000" dirty="0">
+                <a:latin typeface="Tw Cen MT Condensed" panose="020B0606020104020203" pitchFamily="34" charset="0"/>
+                <a:ea typeface="华文楷体" pitchFamily="2" charset="-122"/>
+                <a:cs typeface="Times New Roman" panose="02020603050405020304" pitchFamily="18" charset="0"/>
+              </a:rPr>
+              <a:t>DevOps Pipeline</a:t>
+            </a:r>
+            <a:endParaRPr lang="zh-CN" altLang="en-US" sz="4800" dirty="0">
+              <a:latin typeface="Tw Cen MT Condensed" panose="020B0606020104020203" pitchFamily="34" charset="0"/>
+              <a:ea typeface="华文楷体" pitchFamily="2" charset="-122"/>
+              <a:cs typeface="Times New Roman" panose="02020603050405020304" pitchFamily="18" charset="0"/>
+            </a:endParaRPr>
+          </a:p>
+        </p:txBody>
+      </p:sp>
+      <p:sp>
+        <p:nvSpPr>
+          <p:cNvPr id="3" name="文本框 7">
+            <a:extLst>
+              <a:ext uri="{FF2B5EF4-FFF2-40B4-BE49-F238E27FC236}">
+                <a16:creationId xmlns:a16="http://schemas.microsoft.com/office/drawing/2014/main" id="{B316ADFA-F770-41F0-AE34-D74FA54026BD}"/>
+              </a:ext>
+            </a:extLst>
+          </p:cNvPr>
+          <p:cNvSpPr txBox="1">
+            <a:spLocks noChangeArrowheads="1"/>
+          </p:cNvSpPr>
+          <p:nvPr/>
+        </p:nvSpPr>
+        <p:spPr bwMode="auto">
+          <a:xfrm>
+            <a:off x="4302881" y="3429000"/>
+            <a:ext cx="3586238" cy="523220"/>
+          </a:xfrm>
+          <a:prstGeom prst="rect">
+            <a:avLst/>
+          </a:prstGeom>
+          <a:noFill/>
+          <a:ln>
+            <a:noFill/>
+          </a:ln>
+          <a:extLst>
+            <a:ext uri="{909E8E84-426E-40DD-AFC4-6F175D3DCCD1}">
+              <a14:hiddenFill xmlns:a14="http://schemas.microsoft.com/office/drawing/2010/main">
+                <a:solidFill>
+                  <a:srgbClr val="FFFFFF"/>
+                </a:solidFill>
+              </a14:hiddenFill>
+            </a:ext>
+            <a:ext uri="{91240B29-F687-4F45-9708-019B960494DF}">
+              <a14:hiddenLine xmlns:a14="http://schemas.microsoft.com/office/drawing/2010/main" w="9525">
+                <a:solidFill>
+                  <a:srgbClr val="000000"/>
+                </a:solidFill>
+                <a:miter lim="800000"/>
+                <a:headEnd/>
+                <a:tailEnd/>
+              </a14:hiddenLine>
+            </a:ext>
+          </a:extLst>
+        </p:spPr>
+        <p:txBody>
+          <a:bodyPr wrap="none">
+            <a:spAutoFit/>
+          </a:bodyPr>
+          <a:lstStyle>
+            <a:defPPr>
+              <a:defRPr lang="zh-CN"/>
+            </a:defPPr>
+            <a:lvl1pPr algn="l" rtl="0" eaLnBrk="0" fontAlgn="base" hangingPunct="0">
+              <a:spcBef>
+                <a:spcPct val="0"/>
+              </a:spcBef>
+              <a:spcAft>
+                <a:spcPct val="0"/>
+              </a:spcAft>
+              <a:defRPr kern="1200">
+                <a:solidFill>
+                  <a:schemeClr val="tx1"/>
+                </a:solidFill>
+                <a:latin typeface="Calibri" panose="020F0502020204030204" pitchFamily="34" charset="0"/>
+                <a:ea typeface="宋体" panose="02010600030101010101" pitchFamily="2" charset="-122"/>
+                <a:cs typeface="+mn-cs"/>
+              </a:defRPr>
+            </a:lvl1pPr>
+            <a:lvl2pPr marL="457200" algn="l" rtl="0" eaLnBrk="0" fontAlgn="base" hangingPunct="0">
+              <a:spcBef>
+                <a:spcPct val="0"/>
+              </a:spcBef>
+              <a:spcAft>
+                <a:spcPct val="0"/>
+              </a:spcAft>
+              <a:defRPr kern="1200">
+                <a:solidFill>
+                  <a:schemeClr val="tx1"/>
+                </a:solidFill>
+                <a:latin typeface="Calibri" panose="020F0502020204030204" pitchFamily="34" charset="0"/>
+                <a:ea typeface="宋体" panose="02010600030101010101" pitchFamily="2" charset="-122"/>
+                <a:cs typeface="+mn-cs"/>
+              </a:defRPr>
+            </a:lvl2pPr>
+            <a:lvl3pPr marL="914400" algn="l" rtl="0" eaLnBrk="0" fontAlgn="base" hangingPunct="0">
+              <a:spcBef>
+                <a:spcPct val="0"/>
+              </a:spcBef>
+              <a:spcAft>
+                <a:spcPct val="0"/>
+              </a:spcAft>
+              <a:defRPr kern="1200">
+                <a:solidFill>
+                  <a:schemeClr val="tx1"/>
+                </a:solidFill>
+                <a:latin typeface="Calibri" panose="020F0502020204030204" pitchFamily="34" charset="0"/>
+                <a:ea typeface="宋体" panose="02010600030101010101" pitchFamily="2" charset="-122"/>
+                <a:cs typeface="+mn-cs"/>
+              </a:defRPr>
+            </a:lvl3pPr>
+            <a:lvl4pPr marL="1371600" algn="l" rtl="0" eaLnBrk="0" fontAlgn="base" hangingPunct="0">
+              <a:spcBef>
+                <a:spcPct val="0"/>
+              </a:spcBef>
+              <a:spcAft>
+                <a:spcPct val="0"/>
+              </a:spcAft>
+              <a:defRPr kern="1200">
+                <a:solidFill>
+                  <a:schemeClr val="tx1"/>
+                </a:solidFill>
+                <a:latin typeface="Calibri" panose="020F0502020204030204" pitchFamily="34" charset="0"/>
+                <a:ea typeface="宋体" panose="02010600030101010101" pitchFamily="2" charset="-122"/>
+                <a:cs typeface="+mn-cs"/>
+              </a:defRPr>
+            </a:lvl4pPr>
+            <a:lvl5pPr marL="1828800" algn="l" rtl="0" eaLnBrk="0" fontAlgn="base" hangingPunct="0">
+              <a:spcBef>
+                <a:spcPct val="0"/>
+              </a:spcBef>
+              <a:spcAft>
+                <a:spcPct val="0"/>
+              </a:spcAft>
+              <a:defRPr kern="1200">
+                <a:solidFill>
+                  <a:schemeClr val="tx1"/>
+                </a:solidFill>
+                <a:latin typeface="Calibri" panose="020F0502020204030204" pitchFamily="34" charset="0"/>
+                <a:ea typeface="宋体" panose="02010600030101010101" pitchFamily="2" charset="-122"/>
+                <a:cs typeface="+mn-cs"/>
+              </a:defRPr>
+            </a:lvl5pPr>
+            <a:lvl6pPr marL="2286000" algn="l" defTabSz="914400" rtl="0" eaLnBrk="1" latinLnBrk="0" hangingPunct="1">
+              <a:defRPr kern="1200">
+                <a:solidFill>
+                  <a:schemeClr val="tx1"/>
+                </a:solidFill>
+                <a:latin typeface="Calibri" panose="020F0502020204030204" pitchFamily="34" charset="0"/>
+                <a:ea typeface="宋体" panose="02010600030101010101" pitchFamily="2" charset="-122"/>
+                <a:cs typeface="+mn-cs"/>
+              </a:defRPr>
+            </a:lvl6pPr>
+            <a:lvl7pPr marL="2743200" algn="l" defTabSz="914400" rtl="0" eaLnBrk="1" latinLnBrk="0" hangingPunct="1">
+              <a:defRPr kern="1200">
+                <a:solidFill>
+                  <a:schemeClr val="tx1"/>
+                </a:solidFill>
+                <a:latin typeface="Calibri" panose="020F0502020204030204" pitchFamily="34" charset="0"/>
+                <a:ea typeface="宋体" panose="02010600030101010101" pitchFamily="2" charset="-122"/>
+                <a:cs typeface="+mn-cs"/>
+              </a:defRPr>
+            </a:lvl7pPr>
+            <a:lvl8pPr marL="3200400" algn="l" defTabSz="914400" rtl="0" eaLnBrk="1" latinLnBrk="0" hangingPunct="1">
+              <a:defRPr kern="1200">
+                <a:solidFill>
+                  <a:schemeClr val="tx1"/>
+                </a:solidFill>
+                <a:latin typeface="Calibri" panose="020F0502020204030204" pitchFamily="34" charset="0"/>
+                <a:ea typeface="宋体" panose="02010600030101010101" pitchFamily="2" charset="-122"/>
+                <a:cs typeface="+mn-cs"/>
+              </a:defRPr>
+            </a:lvl8pPr>
+            <a:lvl9pPr marL="3657600" algn="l" defTabSz="914400" rtl="0" eaLnBrk="1" latinLnBrk="0" hangingPunct="1">
+              <a:defRPr kern="1200">
+                <a:solidFill>
+                  <a:schemeClr val="tx1"/>
+                </a:solidFill>
+                <a:latin typeface="Calibri" panose="020F0502020204030204" pitchFamily="34" charset="0"/>
+                <a:ea typeface="宋体" panose="02010600030101010101" pitchFamily="2" charset="-122"/>
+                <a:cs typeface="+mn-cs"/>
+              </a:defRPr>
+            </a:lvl9pPr>
+          </a:lstStyle>
+          <a:p>
+            <a:pPr eaLnBrk="1" hangingPunct="1"/>
+            <a:r>
+              <a:rPr lang="en-US" altLang="zh-CN" sz="2800" dirty="0">
+                <a:latin typeface="Tw Cen MT Condensed" panose="020B0606020104020203" pitchFamily="34" charset="0"/>
+                <a:ea typeface="老報宋" pitchFamily="2" charset="-122"/>
+              </a:rPr>
+              <a:t>——【11/30/2017】——</a:t>
+            </a:r>
+            <a:endParaRPr lang="zh-CN" altLang="en-US" sz="2800" dirty="0">
+              <a:latin typeface="Tw Cen MT Condensed" panose="020B0606020104020203" pitchFamily="34" charset="0"/>
+              <a:ea typeface="老報宋" pitchFamily="2" charset="-122"/>
+            </a:endParaRPr>
+          </a:p>
+        </p:txBody>
+      </p:sp>
     </p:spTree>
     <p:extLst>
       <p:ext uri="{BB962C8B-B14F-4D97-AF65-F5344CB8AC3E}">
         <p14:creationId xmlns:p14="http://schemas.microsoft.com/office/powerpoint/2010/main" val="3998652845"/>
-      </p:ext>
-    </p:extLst>
-  </p:cSld>
-  <p:clrMapOvr>
-    <a:masterClrMapping/>
-  </p:clrMapOvr>
-</p:sld>
-</file>
-
-<file path=ppt/slides/slide10.xml><?xml version="1.0" encoding="utf-8"?>
-<p:sld xmlns:a="http://schemas.openxmlformats.org/drawingml/2006/main" xmlns:r="http://schemas.openxmlformats.org/officeDocument/2006/relationships" xmlns:p="http://schemas.openxmlformats.org/presentationml/2006/main">
-  <p:cSld>
-    <p:spTree>
-      <p:nvGrpSpPr>
-        <p:cNvPr id="1" name=""/>
-        <p:cNvGrpSpPr/>
-        <p:nvPr/>
-      </p:nvGrpSpPr>
-      <p:grpSpPr>
-        <a:xfrm>
-          <a:off x="0" y="0"/>
-          <a:ext cx="0" cy="0"/>
-          <a:chOff x="0" y="0"/>
-          <a:chExt cx="0" cy="0"/>
-        </a:xfrm>
-      </p:grpSpPr>
-    </p:spTree>
-    <p:extLst>
-      <p:ext uri="{BB962C8B-B14F-4D97-AF65-F5344CB8AC3E}">
-        <p14:creationId xmlns:p14="http://schemas.microsoft.com/office/powerpoint/2010/main" val="1936639752"/>
       </p:ext>
     </p:extLst>
   </p:cSld>
@@ -3410,10 +4113,2191 @@
           <a:chExt cx="0" cy="0"/>
         </a:xfrm>
       </p:grpSpPr>
+      <p:pic>
+        <p:nvPicPr>
+          <p:cNvPr id="2" name="Graphic 1">
+            <a:extLst>
+              <a:ext uri="{FF2B5EF4-FFF2-40B4-BE49-F238E27FC236}">
+                <a16:creationId xmlns:a16="http://schemas.microsoft.com/office/drawing/2014/main" id="{4975B59B-3EC9-4750-8894-DCF477A1D948}"/>
+              </a:ext>
+            </a:extLst>
+          </p:cNvPr>
+          <p:cNvPicPr>
+            <a:picLocks noChangeAspect="1"/>
+          </p:cNvPicPr>
+          <p:nvPr/>
+        </p:nvPicPr>
+        <p:blipFill>
+          <a:blip r:embed="rId2">
+            <a:extLst>
+              <a:ext uri="{96DAC541-7B7A-43D3-8B79-37D633B846F1}">
+                <asvg:svgBlip xmlns:asvg="http://schemas.microsoft.com/office/drawing/2016/SVG/main" r:embed="rId3"/>
+              </a:ext>
+            </a:extLst>
+          </a:blip>
+          <a:stretch>
+            <a:fillRect/>
+          </a:stretch>
+        </p:blipFill>
+        <p:spPr>
+          <a:xfrm>
+            <a:off x="2047826" y="2930594"/>
+            <a:ext cx="915265" cy="915265"/>
+          </a:xfrm>
+          <a:prstGeom prst="rect">
+            <a:avLst/>
+          </a:prstGeom>
+        </p:spPr>
+      </p:pic>
+      <p:pic>
+        <p:nvPicPr>
+          <p:cNvPr id="3" name="Graphic 2">
+            <a:extLst>
+              <a:ext uri="{FF2B5EF4-FFF2-40B4-BE49-F238E27FC236}">
+                <a16:creationId xmlns:a16="http://schemas.microsoft.com/office/drawing/2014/main" id="{61F1B444-4A6C-44CD-8028-586D418AA16A}"/>
+              </a:ext>
+            </a:extLst>
+          </p:cNvPr>
+          <p:cNvPicPr>
+            <a:picLocks noChangeAspect="1"/>
+          </p:cNvPicPr>
+          <p:nvPr/>
+        </p:nvPicPr>
+        <p:blipFill>
+          <a:blip r:embed="rId4">
+            <a:extLst>
+              <a:ext uri="{96DAC541-7B7A-43D3-8B79-37D633B846F1}">
+                <asvg:svgBlip xmlns:asvg="http://schemas.microsoft.com/office/drawing/2016/SVG/main" r:embed="rId5"/>
+              </a:ext>
+            </a:extLst>
+          </a:blip>
+          <a:stretch>
+            <a:fillRect/>
+          </a:stretch>
+        </p:blipFill>
+        <p:spPr>
+          <a:xfrm>
+            <a:off x="4090706" y="2760569"/>
+            <a:ext cx="2005294" cy="1336862"/>
+          </a:xfrm>
+          <a:prstGeom prst="rect">
+            <a:avLst/>
+          </a:prstGeom>
+        </p:spPr>
+      </p:pic>
+      <p:sp>
+        <p:nvSpPr>
+          <p:cNvPr id="4" name="文本框 2">
+            <a:extLst>
+              <a:ext uri="{FF2B5EF4-FFF2-40B4-BE49-F238E27FC236}">
+                <a16:creationId xmlns:a16="http://schemas.microsoft.com/office/drawing/2014/main" id="{6017A0FA-A95D-4891-A4A9-BCB72A9D8696}"/>
+              </a:ext>
+            </a:extLst>
+          </p:cNvPr>
+          <p:cNvSpPr txBox="1">
+            <a:spLocks noChangeArrowheads="1"/>
+          </p:cNvSpPr>
+          <p:nvPr/>
+        </p:nvSpPr>
+        <p:spPr bwMode="auto">
+          <a:xfrm>
+            <a:off x="462279" y="5740415"/>
+            <a:ext cx="2127505" cy="769441"/>
+          </a:xfrm>
+          <a:prstGeom prst="rect">
+            <a:avLst/>
+          </a:prstGeom>
+          <a:noFill/>
+          <a:ln>
+            <a:noFill/>
+          </a:ln>
+          <a:extLst>
+            <a:ext uri="{909E8E84-426E-40DD-AFC4-6F175D3DCCD1}">
+              <a14:hiddenFill xmlns:a14="http://schemas.microsoft.com/office/drawing/2010/main">
+                <a:solidFill>
+                  <a:srgbClr val="FFFFFF"/>
+                </a:solidFill>
+              </a14:hiddenFill>
+            </a:ext>
+            <a:ext uri="{91240B29-F687-4F45-9708-019B960494DF}">
+              <a14:hiddenLine xmlns:a14="http://schemas.microsoft.com/office/drawing/2010/main" w="9525">
+                <a:solidFill>
+                  <a:srgbClr val="000000"/>
+                </a:solidFill>
+                <a:miter lim="800000"/>
+                <a:headEnd/>
+                <a:tailEnd/>
+              </a14:hiddenLine>
+            </a:ext>
+          </a:extLst>
+        </p:spPr>
+        <p:txBody>
+          <a:bodyPr wrap="none">
+            <a:spAutoFit/>
+          </a:bodyPr>
+          <a:lstStyle>
+            <a:defPPr>
+              <a:defRPr lang="zh-CN"/>
+            </a:defPPr>
+            <a:lvl1pPr algn="l" rtl="0" eaLnBrk="0" fontAlgn="base" hangingPunct="0">
+              <a:spcBef>
+                <a:spcPct val="0"/>
+              </a:spcBef>
+              <a:spcAft>
+                <a:spcPct val="0"/>
+              </a:spcAft>
+              <a:defRPr kern="1200">
+                <a:solidFill>
+                  <a:schemeClr val="tx1"/>
+                </a:solidFill>
+                <a:latin typeface="Calibri" panose="020F0502020204030204" pitchFamily="34" charset="0"/>
+                <a:ea typeface="宋体" panose="02010600030101010101" pitchFamily="2" charset="-122"/>
+                <a:cs typeface="+mn-cs"/>
+              </a:defRPr>
+            </a:lvl1pPr>
+            <a:lvl2pPr marL="457200" algn="l" rtl="0" eaLnBrk="0" fontAlgn="base" hangingPunct="0">
+              <a:spcBef>
+                <a:spcPct val="0"/>
+              </a:spcBef>
+              <a:spcAft>
+                <a:spcPct val="0"/>
+              </a:spcAft>
+              <a:defRPr kern="1200">
+                <a:solidFill>
+                  <a:schemeClr val="tx1"/>
+                </a:solidFill>
+                <a:latin typeface="Calibri" panose="020F0502020204030204" pitchFamily="34" charset="0"/>
+                <a:ea typeface="宋体" panose="02010600030101010101" pitchFamily="2" charset="-122"/>
+                <a:cs typeface="+mn-cs"/>
+              </a:defRPr>
+            </a:lvl2pPr>
+            <a:lvl3pPr marL="914400" algn="l" rtl="0" eaLnBrk="0" fontAlgn="base" hangingPunct="0">
+              <a:spcBef>
+                <a:spcPct val="0"/>
+              </a:spcBef>
+              <a:spcAft>
+                <a:spcPct val="0"/>
+              </a:spcAft>
+              <a:defRPr kern="1200">
+                <a:solidFill>
+                  <a:schemeClr val="tx1"/>
+                </a:solidFill>
+                <a:latin typeface="Calibri" panose="020F0502020204030204" pitchFamily="34" charset="0"/>
+                <a:ea typeface="宋体" panose="02010600030101010101" pitchFamily="2" charset="-122"/>
+                <a:cs typeface="+mn-cs"/>
+              </a:defRPr>
+            </a:lvl3pPr>
+            <a:lvl4pPr marL="1371600" algn="l" rtl="0" eaLnBrk="0" fontAlgn="base" hangingPunct="0">
+              <a:spcBef>
+                <a:spcPct val="0"/>
+              </a:spcBef>
+              <a:spcAft>
+                <a:spcPct val="0"/>
+              </a:spcAft>
+              <a:defRPr kern="1200">
+                <a:solidFill>
+                  <a:schemeClr val="tx1"/>
+                </a:solidFill>
+                <a:latin typeface="Calibri" panose="020F0502020204030204" pitchFamily="34" charset="0"/>
+                <a:ea typeface="宋体" panose="02010600030101010101" pitchFamily="2" charset="-122"/>
+                <a:cs typeface="+mn-cs"/>
+              </a:defRPr>
+            </a:lvl4pPr>
+            <a:lvl5pPr marL="1828800" algn="l" rtl="0" eaLnBrk="0" fontAlgn="base" hangingPunct="0">
+              <a:spcBef>
+                <a:spcPct val="0"/>
+              </a:spcBef>
+              <a:spcAft>
+                <a:spcPct val="0"/>
+              </a:spcAft>
+              <a:defRPr kern="1200">
+                <a:solidFill>
+                  <a:schemeClr val="tx1"/>
+                </a:solidFill>
+                <a:latin typeface="Calibri" panose="020F0502020204030204" pitchFamily="34" charset="0"/>
+                <a:ea typeface="宋体" panose="02010600030101010101" pitchFamily="2" charset="-122"/>
+                <a:cs typeface="+mn-cs"/>
+              </a:defRPr>
+            </a:lvl5pPr>
+            <a:lvl6pPr marL="2286000" algn="l" defTabSz="914400" rtl="0" eaLnBrk="1" latinLnBrk="0" hangingPunct="1">
+              <a:defRPr kern="1200">
+                <a:solidFill>
+                  <a:schemeClr val="tx1"/>
+                </a:solidFill>
+                <a:latin typeface="Calibri" panose="020F0502020204030204" pitchFamily="34" charset="0"/>
+                <a:ea typeface="宋体" panose="02010600030101010101" pitchFamily="2" charset="-122"/>
+                <a:cs typeface="+mn-cs"/>
+              </a:defRPr>
+            </a:lvl6pPr>
+            <a:lvl7pPr marL="2743200" algn="l" defTabSz="914400" rtl="0" eaLnBrk="1" latinLnBrk="0" hangingPunct="1">
+              <a:defRPr kern="1200">
+                <a:solidFill>
+                  <a:schemeClr val="tx1"/>
+                </a:solidFill>
+                <a:latin typeface="Calibri" panose="020F0502020204030204" pitchFamily="34" charset="0"/>
+                <a:ea typeface="宋体" panose="02010600030101010101" pitchFamily="2" charset="-122"/>
+                <a:cs typeface="+mn-cs"/>
+              </a:defRPr>
+            </a:lvl7pPr>
+            <a:lvl8pPr marL="3200400" algn="l" defTabSz="914400" rtl="0" eaLnBrk="1" latinLnBrk="0" hangingPunct="1">
+              <a:defRPr kern="1200">
+                <a:solidFill>
+                  <a:schemeClr val="tx1"/>
+                </a:solidFill>
+                <a:latin typeface="Calibri" panose="020F0502020204030204" pitchFamily="34" charset="0"/>
+                <a:ea typeface="宋体" panose="02010600030101010101" pitchFamily="2" charset="-122"/>
+                <a:cs typeface="+mn-cs"/>
+              </a:defRPr>
+            </a:lvl8pPr>
+            <a:lvl9pPr marL="3657600" algn="l" defTabSz="914400" rtl="0" eaLnBrk="1" latinLnBrk="0" hangingPunct="1">
+              <a:defRPr kern="1200">
+                <a:solidFill>
+                  <a:schemeClr val="tx1"/>
+                </a:solidFill>
+                <a:latin typeface="Calibri" panose="020F0502020204030204" pitchFamily="34" charset="0"/>
+                <a:ea typeface="宋体" panose="02010600030101010101" pitchFamily="2" charset="-122"/>
+                <a:cs typeface="+mn-cs"/>
+              </a:defRPr>
+            </a:lvl9pPr>
+          </a:lstStyle>
+          <a:p>
+            <a:pPr lvl="0">
+              <a:defRPr/>
+            </a:pPr>
+            <a:r>
+              <a:rPr kumimoji="0" lang="en-US" altLang="zh-CN" sz="4400" b="0" i="0" u="none" strike="noStrike" kern="1200" cap="none" spc="0" normalizeH="0" baseline="0" noProof="0" dirty="0">
+                <a:ln>
+                  <a:noFill/>
+                </a:ln>
+                <a:effectLst/>
+                <a:uLnTx/>
+                <a:uFillTx/>
+                <a:latin typeface="Tw Cen MT Condensed" panose="020B0606020104020203" pitchFamily="34" charset="0"/>
+                <a:ea typeface="老報宋" pitchFamily="2" charset="-122"/>
+              </a:rPr>
+              <a:t>Milestone 1</a:t>
+            </a:r>
+            <a:endParaRPr kumimoji="0" lang="zh-CN" altLang="en-US" sz="4400" b="0" i="0" u="none" strike="noStrike" kern="1200" cap="none" spc="0" normalizeH="0" baseline="0" noProof="0" dirty="0">
+              <a:ln>
+                <a:noFill/>
+              </a:ln>
+              <a:effectLst/>
+              <a:uLnTx/>
+              <a:uFillTx/>
+              <a:latin typeface="Tw Cen MT Condensed" panose="020B0606020104020203" pitchFamily="34" charset="0"/>
+              <a:ea typeface="老報宋" pitchFamily="2" charset="-122"/>
+            </a:endParaRPr>
+          </a:p>
+        </p:txBody>
+      </p:sp>
+      <p:sp>
+        <p:nvSpPr>
+          <p:cNvPr id="5" name="文本框 2">
+            <a:extLst>
+              <a:ext uri="{FF2B5EF4-FFF2-40B4-BE49-F238E27FC236}">
+                <a16:creationId xmlns:a16="http://schemas.microsoft.com/office/drawing/2014/main" id="{3F6B1B0B-C373-4864-A4CE-1C2883C702D3}"/>
+              </a:ext>
+            </a:extLst>
+          </p:cNvPr>
+          <p:cNvSpPr txBox="1">
+            <a:spLocks noChangeArrowheads="1"/>
+          </p:cNvSpPr>
+          <p:nvPr/>
+        </p:nvSpPr>
+        <p:spPr bwMode="auto">
+          <a:xfrm>
+            <a:off x="1747395" y="3845859"/>
+            <a:ext cx="1516125" cy="400110"/>
+          </a:xfrm>
+          <a:prstGeom prst="rect">
+            <a:avLst/>
+          </a:prstGeom>
+          <a:noFill/>
+          <a:ln>
+            <a:noFill/>
+          </a:ln>
+          <a:extLst>
+            <a:ext uri="{909E8E84-426E-40DD-AFC4-6F175D3DCCD1}">
+              <a14:hiddenFill xmlns:a14="http://schemas.microsoft.com/office/drawing/2010/main">
+                <a:solidFill>
+                  <a:srgbClr val="FFFFFF"/>
+                </a:solidFill>
+              </a14:hiddenFill>
+            </a:ext>
+            <a:ext uri="{91240B29-F687-4F45-9708-019B960494DF}">
+              <a14:hiddenLine xmlns:a14="http://schemas.microsoft.com/office/drawing/2010/main" w="9525">
+                <a:solidFill>
+                  <a:srgbClr val="000000"/>
+                </a:solidFill>
+                <a:miter lim="800000"/>
+                <a:headEnd/>
+                <a:tailEnd/>
+              </a14:hiddenLine>
+            </a:ext>
+          </a:extLst>
+        </p:spPr>
+        <p:txBody>
+          <a:bodyPr wrap="square">
+            <a:spAutoFit/>
+          </a:bodyPr>
+          <a:lstStyle>
+            <a:defPPr>
+              <a:defRPr lang="zh-CN"/>
+            </a:defPPr>
+            <a:lvl1pPr algn="l" rtl="0" eaLnBrk="0" fontAlgn="base" hangingPunct="0">
+              <a:spcBef>
+                <a:spcPct val="0"/>
+              </a:spcBef>
+              <a:spcAft>
+                <a:spcPct val="0"/>
+              </a:spcAft>
+              <a:defRPr kern="1200">
+                <a:solidFill>
+                  <a:schemeClr val="tx1"/>
+                </a:solidFill>
+                <a:latin typeface="Calibri" panose="020F0502020204030204" pitchFamily="34" charset="0"/>
+                <a:ea typeface="宋体" panose="02010600030101010101" pitchFamily="2" charset="-122"/>
+                <a:cs typeface="+mn-cs"/>
+              </a:defRPr>
+            </a:lvl1pPr>
+            <a:lvl2pPr marL="457200" algn="l" rtl="0" eaLnBrk="0" fontAlgn="base" hangingPunct="0">
+              <a:spcBef>
+                <a:spcPct val="0"/>
+              </a:spcBef>
+              <a:spcAft>
+                <a:spcPct val="0"/>
+              </a:spcAft>
+              <a:defRPr kern="1200">
+                <a:solidFill>
+                  <a:schemeClr val="tx1"/>
+                </a:solidFill>
+                <a:latin typeface="Calibri" panose="020F0502020204030204" pitchFamily="34" charset="0"/>
+                <a:ea typeface="宋体" panose="02010600030101010101" pitchFamily="2" charset="-122"/>
+                <a:cs typeface="+mn-cs"/>
+              </a:defRPr>
+            </a:lvl2pPr>
+            <a:lvl3pPr marL="914400" algn="l" rtl="0" eaLnBrk="0" fontAlgn="base" hangingPunct="0">
+              <a:spcBef>
+                <a:spcPct val="0"/>
+              </a:spcBef>
+              <a:spcAft>
+                <a:spcPct val="0"/>
+              </a:spcAft>
+              <a:defRPr kern="1200">
+                <a:solidFill>
+                  <a:schemeClr val="tx1"/>
+                </a:solidFill>
+                <a:latin typeface="Calibri" panose="020F0502020204030204" pitchFamily="34" charset="0"/>
+                <a:ea typeface="宋体" panose="02010600030101010101" pitchFamily="2" charset="-122"/>
+                <a:cs typeface="+mn-cs"/>
+              </a:defRPr>
+            </a:lvl3pPr>
+            <a:lvl4pPr marL="1371600" algn="l" rtl="0" eaLnBrk="0" fontAlgn="base" hangingPunct="0">
+              <a:spcBef>
+                <a:spcPct val="0"/>
+              </a:spcBef>
+              <a:spcAft>
+                <a:spcPct val="0"/>
+              </a:spcAft>
+              <a:defRPr kern="1200">
+                <a:solidFill>
+                  <a:schemeClr val="tx1"/>
+                </a:solidFill>
+                <a:latin typeface="Calibri" panose="020F0502020204030204" pitchFamily="34" charset="0"/>
+                <a:ea typeface="宋体" panose="02010600030101010101" pitchFamily="2" charset="-122"/>
+                <a:cs typeface="+mn-cs"/>
+              </a:defRPr>
+            </a:lvl4pPr>
+            <a:lvl5pPr marL="1828800" algn="l" rtl="0" eaLnBrk="0" fontAlgn="base" hangingPunct="0">
+              <a:spcBef>
+                <a:spcPct val="0"/>
+              </a:spcBef>
+              <a:spcAft>
+                <a:spcPct val="0"/>
+              </a:spcAft>
+              <a:defRPr kern="1200">
+                <a:solidFill>
+                  <a:schemeClr val="tx1"/>
+                </a:solidFill>
+                <a:latin typeface="Calibri" panose="020F0502020204030204" pitchFamily="34" charset="0"/>
+                <a:ea typeface="宋体" panose="02010600030101010101" pitchFamily="2" charset="-122"/>
+                <a:cs typeface="+mn-cs"/>
+              </a:defRPr>
+            </a:lvl5pPr>
+            <a:lvl6pPr marL="2286000" algn="l" defTabSz="914400" rtl="0" eaLnBrk="1" latinLnBrk="0" hangingPunct="1">
+              <a:defRPr kern="1200">
+                <a:solidFill>
+                  <a:schemeClr val="tx1"/>
+                </a:solidFill>
+                <a:latin typeface="Calibri" panose="020F0502020204030204" pitchFamily="34" charset="0"/>
+                <a:ea typeface="宋体" panose="02010600030101010101" pitchFamily="2" charset="-122"/>
+                <a:cs typeface="+mn-cs"/>
+              </a:defRPr>
+            </a:lvl6pPr>
+            <a:lvl7pPr marL="2743200" algn="l" defTabSz="914400" rtl="0" eaLnBrk="1" latinLnBrk="0" hangingPunct="1">
+              <a:defRPr kern="1200">
+                <a:solidFill>
+                  <a:schemeClr val="tx1"/>
+                </a:solidFill>
+                <a:latin typeface="Calibri" panose="020F0502020204030204" pitchFamily="34" charset="0"/>
+                <a:ea typeface="宋体" panose="02010600030101010101" pitchFamily="2" charset="-122"/>
+                <a:cs typeface="+mn-cs"/>
+              </a:defRPr>
+            </a:lvl7pPr>
+            <a:lvl8pPr marL="3200400" algn="l" defTabSz="914400" rtl="0" eaLnBrk="1" latinLnBrk="0" hangingPunct="1">
+              <a:defRPr kern="1200">
+                <a:solidFill>
+                  <a:schemeClr val="tx1"/>
+                </a:solidFill>
+                <a:latin typeface="Calibri" panose="020F0502020204030204" pitchFamily="34" charset="0"/>
+                <a:ea typeface="宋体" panose="02010600030101010101" pitchFamily="2" charset="-122"/>
+                <a:cs typeface="+mn-cs"/>
+              </a:defRPr>
+            </a:lvl8pPr>
+            <a:lvl9pPr marL="3657600" algn="l" defTabSz="914400" rtl="0" eaLnBrk="1" latinLnBrk="0" hangingPunct="1">
+              <a:defRPr kern="1200">
+                <a:solidFill>
+                  <a:schemeClr val="tx1"/>
+                </a:solidFill>
+                <a:latin typeface="Calibri" panose="020F0502020204030204" pitchFamily="34" charset="0"/>
+                <a:ea typeface="宋体" panose="02010600030101010101" pitchFamily="2" charset="-122"/>
+                <a:cs typeface="+mn-cs"/>
+              </a:defRPr>
+            </a:lvl9pPr>
+          </a:lstStyle>
+          <a:p>
+            <a:pPr lvl="0" algn="ctr">
+              <a:defRPr/>
+            </a:pPr>
+            <a:r>
+              <a:rPr kumimoji="0" lang="en-US" altLang="zh-CN" sz="2000" b="0" i="0" u="none" strike="noStrike" kern="1200" cap="none" spc="0" normalizeH="0" baseline="0" noProof="0" dirty="0">
+                <a:ln>
+                  <a:noFill/>
+                </a:ln>
+                <a:effectLst/>
+                <a:uLnTx/>
+                <a:uFillTx/>
+                <a:latin typeface="Tw Cen MT Condensed" panose="020B0606020104020203" pitchFamily="34" charset="0"/>
+                <a:ea typeface="老報宋" pitchFamily="2" charset="-122"/>
+              </a:rPr>
+              <a:t>Ansible Script</a:t>
+            </a:r>
+            <a:endParaRPr kumimoji="0" lang="zh-CN" altLang="en-US" sz="2000" b="0" i="0" u="none" strike="noStrike" kern="1200" cap="none" spc="0" normalizeH="0" baseline="0" noProof="0" dirty="0">
+              <a:ln>
+                <a:noFill/>
+              </a:ln>
+              <a:effectLst/>
+              <a:uLnTx/>
+              <a:uFillTx/>
+              <a:latin typeface="Tw Cen MT Condensed" panose="020B0606020104020203" pitchFamily="34" charset="0"/>
+              <a:ea typeface="老報宋" pitchFamily="2" charset="-122"/>
+            </a:endParaRPr>
+          </a:p>
+        </p:txBody>
+      </p:sp>
+      <p:sp>
+        <p:nvSpPr>
+          <p:cNvPr id="6" name="文本框 2">
+            <a:extLst>
+              <a:ext uri="{FF2B5EF4-FFF2-40B4-BE49-F238E27FC236}">
+                <a16:creationId xmlns:a16="http://schemas.microsoft.com/office/drawing/2014/main" id="{EE640D60-44FE-4E25-99B8-D273D14938ED}"/>
+              </a:ext>
+            </a:extLst>
+          </p:cNvPr>
+          <p:cNvSpPr txBox="1">
+            <a:spLocks noChangeArrowheads="1"/>
+          </p:cNvSpPr>
+          <p:nvPr/>
+        </p:nvSpPr>
+        <p:spPr bwMode="auto">
+          <a:xfrm>
+            <a:off x="4286648" y="4151219"/>
+            <a:ext cx="1516125" cy="400110"/>
+          </a:xfrm>
+          <a:prstGeom prst="rect">
+            <a:avLst/>
+          </a:prstGeom>
+          <a:noFill/>
+          <a:ln>
+            <a:noFill/>
+          </a:ln>
+          <a:extLst>
+            <a:ext uri="{909E8E84-426E-40DD-AFC4-6F175D3DCCD1}">
+              <a14:hiddenFill xmlns:a14="http://schemas.microsoft.com/office/drawing/2010/main">
+                <a:solidFill>
+                  <a:srgbClr val="FFFFFF"/>
+                </a:solidFill>
+              </a14:hiddenFill>
+            </a:ext>
+            <a:ext uri="{91240B29-F687-4F45-9708-019B960494DF}">
+              <a14:hiddenLine xmlns:a14="http://schemas.microsoft.com/office/drawing/2010/main" w="9525">
+                <a:solidFill>
+                  <a:srgbClr val="000000"/>
+                </a:solidFill>
+                <a:miter lim="800000"/>
+                <a:headEnd/>
+                <a:tailEnd/>
+              </a14:hiddenLine>
+            </a:ext>
+          </a:extLst>
+        </p:spPr>
+        <p:txBody>
+          <a:bodyPr wrap="square">
+            <a:spAutoFit/>
+          </a:bodyPr>
+          <a:lstStyle>
+            <a:defPPr>
+              <a:defRPr lang="zh-CN"/>
+            </a:defPPr>
+            <a:lvl1pPr algn="l" rtl="0" eaLnBrk="0" fontAlgn="base" hangingPunct="0">
+              <a:spcBef>
+                <a:spcPct val="0"/>
+              </a:spcBef>
+              <a:spcAft>
+                <a:spcPct val="0"/>
+              </a:spcAft>
+              <a:defRPr kern="1200">
+                <a:solidFill>
+                  <a:schemeClr val="tx1"/>
+                </a:solidFill>
+                <a:latin typeface="Calibri" panose="020F0502020204030204" pitchFamily="34" charset="0"/>
+                <a:ea typeface="宋体" panose="02010600030101010101" pitchFamily="2" charset="-122"/>
+                <a:cs typeface="+mn-cs"/>
+              </a:defRPr>
+            </a:lvl1pPr>
+            <a:lvl2pPr marL="457200" algn="l" rtl="0" eaLnBrk="0" fontAlgn="base" hangingPunct="0">
+              <a:spcBef>
+                <a:spcPct val="0"/>
+              </a:spcBef>
+              <a:spcAft>
+                <a:spcPct val="0"/>
+              </a:spcAft>
+              <a:defRPr kern="1200">
+                <a:solidFill>
+                  <a:schemeClr val="tx1"/>
+                </a:solidFill>
+                <a:latin typeface="Calibri" panose="020F0502020204030204" pitchFamily="34" charset="0"/>
+                <a:ea typeface="宋体" panose="02010600030101010101" pitchFamily="2" charset="-122"/>
+                <a:cs typeface="+mn-cs"/>
+              </a:defRPr>
+            </a:lvl2pPr>
+            <a:lvl3pPr marL="914400" algn="l" rtl="0" eaLnBrk="0" fontAlgn="base" hangingPunct="0">
+              <a:spcBef>
+                <a:spcPct val="0"/>
+              </a:spcBef>
+              <a:spcAft>
+                <a:spcPct val="0"/>
+              </a:spcAft>
+              <a:defRPr kern="1200">
+                <a:solidFill>
+                  <a:schemeClr val="tx1"/>
+                </a:solidFill>
+                <a:latin typeface="Calibri" panose="020F0502020204030204" pitchFamily="34" charset="0"/>
+                <a:ea typeface="宋体" panose="02010600030101010101" pitchFamily="2" charset="-122"/>
+                <a:cs typeface="+mn-cs"/>
+              </a:defRPr>
+            </a:lvl3pPr>
+            <a:lvl4pPr marL="1371600" algn="l" rtl="0" eaLnBrk="0" fontAlgn="base" hangingPunct="0">
+              <a:spcBef>
+                <a:spcPct val="0"/>
+              </a:spcBef>
+              <a:spcAft>
+                <a:spcPct val="0"/>
+              </a:spcAft>
+              <a:defRPr kern="1200">
+                <a:solidFill>
+                  <a:schemeClr val="tx1"/>
+                </a:solidFill>
+                <a:latin typeface="Calibri" panose="020F0502020204030204" pitchFamily="34" charset="0"/>
+                <a:ea typeface="宋体" panose="02010600030101010101" pitchFamily="2" charset="-122"/>
+                <a:cs typeface="+mn-cs"/>
+              </a:defRPr>
+            </a:lvl4pPr>
+            <a:lvl5pPr marL="1828800" algn="l" rtl="0" eaLnBrk="0" fontAlgn="base" hangingPunct="0">
+              <a:spcBef>
+                <a:spcPct val="0"/>
+              </a:spcBef>
+              <a:spcAft>
+                <a:spcPct val="0"/>
+              </a:spcAft>
+              <a:defRPr kern="1200">
+                <a:solidFill>
+                  <a:schemeClr val="tx1"/>
+                </a:solidFill>
+                <a:latin typeface="Calibri" panose="020F0502020204030204" pitchFamily="34" charset="0"/>
+                <a:ea typeface="宋体" panose="02010600030101010101" pitchFamily="2" charset="-122"/>
+                <a:cs typeface="+mn-cs"/>
+              </a:defRPr>
+            </a:lvl5pPr>
+            <a:lvl6pPr marL="2286000" algn="l" defTabSz="914400" rtl="0" eaLnBrk="1" latinLnBrk="0" hangingPunct="1">
+              <a:defRPr kern="1200">
+                <a:solidFill>
+                  <a:schemeClr val="tx1"/>
+                </a:solidFill>
+                <a:latin typeface="Calibri" panose="020F0502020204030204" pitchFamily="34" charset="0"/>
+                <a:ea typeface="宋体" panose="02010600030101010101" pitchFamily="2" charset="-122"/>
+                <a:cs typeface="+mn-cs"/>
+              </a:defRPr>
+            </a:lvl6pPr>
+            <a:lvl7pPr marL="2743200" algn="l" defTabSz="914400" rtl="0" eaLnBrk="1" latinLnBrk="0" hangingPunct="1">
+              <a:defRPr kern="1200">
+                <a:solidFill>
+                  <a:schemeClr val="tx1"/>
+                </a:solidFill>
+                <a:latin typeface="Calibri" panose="020F0502020204030204" pitchFamily="34" charset="0"/>
+                <a:ea typeface="宋体" panose="02010600030101010101" pitchFamily="2" charset="-122"/>
+                <a:cs typeface="+mn-cs"/>
+              </a:defRPr>
+            </a:lvl7pPr>
+            <a:lvl8pPr marL="3200400" algn="l" defTabSz="914400" rtl="0" eaLnBrk="1" latinLnBrk="0" hangingPunct="1">
+              <a:defRPr kern="1200">
+                <a:solidFill>
+                  <a:schemeClr val="tx1"/>
+                </a:solidFill>
+                <a:latin typeface="Calibri" panose="020F0502020204030204" pitchFamily="34" charset="0"/>
+                <a:ea typeface="宋体" panose="02010600030101010101" pitchFamily="2" charset="-122"/>
+                <a:cs typeface="+mn-cs"/>
+              </a:defRPr>
+            </a:lvl8pPr>
+            <a:lvl9pPr marL="3657600" algn="l" defTabSz="914400" rtl="0" eaLnBrk="1" latinLnBrk="0" hangingPunct="1">
+              <a:defRPr kern="1200">
+                <a:solidFill>
+                  <a:schemeClr val="tx1"/>
+                </a:solidFill>
+                <a:latin typeface="Calibri" panose="020F0502020204030204" pitchFamily="34" charset="0"/>
+                <a:ea typeface="宋体" panose="02010600030101010101" pitchFamily="2" charset="-122"/>
+                <a:cs typeface="+mn-cs"/>
+              </a:defRPr>
+            </a:lvl9pPr>
+          </a:lstStyle>
+          <a:p>
+            <a:pPr lvl="0" algn="ctr">
+              <a:defRPr/>
+            </a:pPr>
+            <a:r>
+              <a:rPr kumimoji="0" lang="en-US" altLang="zh-CN" sz="2000" b="0" i="0" u="none" strike="noStrike" kern="1200" cap="none" spc="0" normalizeH="0" baseline="0" noProof="0" dirty="0">
+                <a:ln>
+                  <a:noFill/>
+                </a:ln>
+                <a:effectLst/>
+                <a:uLnTx/>
+                <a:uFillTx/>
+                <a:latin typeface="Tw Cen MT Condensed" panose="020B0606020104020203" pitchFamily="34" charset="0"/>
+                <a:ea typeface="老報宋" pitchFamily="2" charset="-122"/>
+              </a:rPr>
+              <a:t>Jenkins Server</a:t>
+            </a:r>
+            <a:endParaRPr kumimoji="0" lang="zh-CN" altLang="en-US" sz="2000" b="0" i="0" u="none" strike="noStrike" kern="1200" cap="none" spc="0" normalizeH="0" baseline="0" noProof="0" dirty="0">
+              <a:ln>
+                <a:noFill/>
+              </a:ln>
+              <a:effectLst/>
+              <a:uLnTx/>
+              <a:uFillTx/>
+              <a:latin typeface="Tw Cen MT Condensed" panose="020B0606020104020203" pitchFamily="34" charset="0"/>
+              <a:ea typeface="老報宋" pitchFamily="2" charset="-122"/>
+            </a:endParaRPr>
+          </a:p>
+        </p:txBody>
+      </p:sp>
+      <p:pic>
+        <p:nvPicPr>
+          <p:cNvPr id="8" name="Graphic 7">
+            <a:extLst>
+              <a:ext uri="{FF2B5EF4-FFF2-40B4-BE49-F238E27FC236}">
+                <a16:creationId xmlns:a16="http://schemas.microsoft.com/office/drawing/2014/main" id="{A860A553-B22B-4FE1-9F3B-21CF333FD923}"/>
+              </a:ext>
+            </a:extLst>
+          </p:cNvPr>
+          <p:cNvPicPr>
+            <a:picLocks noChangeAspect="1"/>
+          </p:cNvPicPr>
+          <p:nvPr/>
+        </p:nvPicPr>
+        <p:blipFill>
+          <a:blip r:embed="rId6">
+            <a:extLst>
+              <a:ext uri="{96DAC541-7B7A-43D3-8B79-37D633B846F1}">
+                <asvg:svgBlip xmlns:asvg="http://schemas.microsoft.com/office/drawing/2016/SVG/main" r:embed="rId7"/>
+              </a:ext>
+            </a:extLst>
+          </a:blip>
+          <a:stretch>
+            <a:fillRect/>
+          </a:stretch>
+        </p:blipFill>
+        <p:spPr>
+          <a:xfrm>
+            <a:off x="8243043" y="854169"/>
+            <a:ext cx="1699933" cy="991628"/>
+          </a:xfrm>
+          <a:prstGeom prst="rect">
+            <a:avLst/>
+          </a:prstGeom>
+        </p:spPr>
+      </p:pic>
+      <p:cxnSp>
+        <p:nvCxnSpPr>
+          <p:cNvPr id="10" name="Straight Arrow Connector 9">
+            <a:extLst>
+              <a:ext uri="{FF2B5EF4-FFF2-40B4-BE49-F238E27FC236}">
+                <a16:creationId xmlns:a16="http://schemas.microsoft.com/office/drawing/2014/main" id="{59B66D70-3994-43C9-9C78-A2000DA23E3C}"/>
+              </a:ext>
+            </a:extLst>
+          </p:cNvPr>
+          <p:cNvCxnSpPr>
+            <a:cxnSpLocks/>
+          </p:cNvCxnSpPr>
+          <p:nvPr/>
+        </p:nvCxnSpPr>
+        <p:spPr>
+          <a:xfrm>
+            <a:off x="3132041" y="3429000"/>
+            <a:ext cx="854178" cy="0"/>
+          </a:xfrm>
+          <a:prstGeom prst="straightConnector1">
+            <a:avLst/>
+          </a:prstGeom>
+          <a:ln w="28575">
+            <a:solidFill>
+              <a:schemeClr val="tx1">
+                <a:lumMod val="95000"/>
+                <a:lumOff val="5000"/>
+              </a:schemeClr>
+            </a:solidFill>
+            <a:prstDash val="sysDash"/>
+            <a:tailEnd type="triangle"/>
+          </a:ln>
+        </p:spPr>
+        <p:style>
+          <a:lnRef idx="1">
+            <a:schemeClr val="accent1"/>
+          </a:lnRef>
+          <a:fillRef idx="0">
+            <a:schemeClr val="accent1"/>
+          </a:fillRef>
+          <a:effectRef idx="0">
+            <a:schemeClr val="accent1"/>
+          </a:effectRef>
+          <a:fontRef idx="minor">
+            <a:schemeClr val="tx1"/>
+          </a:fontRef>
+        </p:style>
+      </p:cxnSp>
+      <p:cxnSp>
+        <p:nvCxnSpPr>
+          <p:cNvPr id="13" name="Straight Arrow Connector 12">
+            <a:extLst>
+              <a:ext uri="{FF2B5EF4-FFF2-40B4-BE49-F238E27FC236}">
+                <a16:creationId xmlns:a16="http://schemas.microsoft.com/office/drawing/2014/main" id="{66FCF3BD-F102-4044-BB48-B494401645B4}"/>
+              </a:ext>
+            </a:extLst>
+          </p:cNvPr>
+          <p:cNvCxnSpPr>
+            <a:cxnSpLocks/>
+          </p:cNvCxnSpPr>
+          <p:nvPr/>
+        </p:nvCxnSpPr>
+        <p:spPr>
+          <a:xfrm flipV="1">
+            <a:off x="6258483" y="1845797"/>
+            <a:ext cx="1775011" cy="1152897"/>
+          </a:xfrm>
+          <a:prstGeom prst="straightConnector1">
+            <a:avLst/>
+          </a:prstGeom>
+          <a:ln w="28575">
+            <a:solidFill>
+              <a:schemeClr val="tx1">
+                <a:lumMod val="95000"/>
+                <a:lumOff val="5000"/>
+              </a:schemeClr>
+            </a:solidFill>
+            <a:prstDash val="sysDash"/>
+            <a:tailEnd type="triangle"/>
+          </a:ln>
+        </p:spPr>
+        <p:style>
+          <a:lnRef idx="1">
+            <a:schemeClr val="accent1"/>
+          </a:lnRef>
+          <a:fillRef idx="0">
+            <a:schemeClr val="accent1"/>
+          </a:fillRef>
+          <a:effectRef idx="0">
+            <a:schemeClr val="accent1"/>
+          </a:effectRef>
+          <a:fontRef idx="minor">
+            <a:schemeClr val="tx1"/>
+          </a:fontRef>
+        </p:style>
+      </p:cxnSp>
+      <p:sp>
+        <p:nvSpPr>
+          <p:cNvPr id="16" name="文本框 2">
+            <a:extLst>
+              <a:ext uri="{FF2B5EF4-FFF2-40B4-BE49-F238E27FC236}">
+                <a16:creationId xmlns:a16="http://schemas.microsoft.com/office/drawing/2014/main" id="{88FE238E-7801-4265-AAB2-BF785F7C8D3D}"/>
+              </a:ext>
+            </a:extLst>
+          </p:cNvPr>
+          <p:cNvSpPr txBox="1">
+            <a:spLocks noChangeArrowheads="1"/>
+          </p:cNvSpPr>
+          <p:nvPr/>
+        </p:nvSpPr>
+        <p:spPr bwMode="auto">
+          <a:xfrm>
+            <a:off x="8334946" y="1923490"/>
+            <a:ext cx="1516125" cy="400110"/>
+          </a:xfrm>
+          <a:prstGeom prst="rect">
+            <a:avLst/>
+          </a:prstGeom>
+          <a:noFill/>
+          <a:ln>
+            <a:noFill/>
+          </a:ln>
+          <a:extLst>
+            <a:ext uri="{909E8E84-426E-40DD-AFC4-6F175D3DCCD1}">
+              <a14:hiddenFill xmlns:a14="http://schemas.microsoft.com/office/drawing/2010/main">
+                <a:solidFill>
+                  <a:srgbClr val="FFFFFF"/>
+                </a:solidFill>
+              </a14:hiddenFill>
+            </a:ext>
+            <a:ext uri="{91240B29-F687-4F45-9708-019B960494DF}">
+              <a14:hiddenLine xmlns:a14="http://schemas.microsoft.com/office/drawing/2010/main" w="9525">
+                <a:solidFill>
+                  <a:srgbClr val="000000"/>
+                </a:solidFill>
+                <a:miter lim="800000"/>
+                <a:headEnd/>
+                <a:tailEnd/>
+              </a14:hiddenLine>
+            </a:ext>
+          </a:extLst>
+        </p:spPr>
+        <p:txBody>
+          <a:bodyPr wrap="square">
+            <a:spAutoFit/>
+          </a:bodyPr>
+          <a:lstStyle>
+            <a:defPPr>
+              <a:defRPr lang="zh-CN"/>
+            </a:defPPr>
+            <a:lvl1pPr algn="l" rtl="0" eaLnBrk="0" fontAlgn="base" hangingPunct="0">
+              <a:spcBef>
+                <a:spcPct val="0"/>
+              </a:spcBef>
+              <a:spcAft>
+                <a:spcPct val="0"/>
+              </a:spcAft>
+              <a:defRPr kern="1200">
+                <a:solidFill>
+                  <a:schemeClr val="tx1"/>
+                </a:solidFill>
+                <a:latin typeface="Calibri" panose="020F0502020204030204" pitchFamily="34" charset="0"/>
+                <a:ea typeface="宋体" panose="02010600030101010101" pitchFamily="2" charset="-122"/>
+                <a:cs typeface="+mn-cs"/>
+              </a:defRPr>
+            </a:lvl1pPr>
+            <a:lvl2pPr marL="457200" algn="l" rtl="0" eaLnBrk="0" fontAlgn="base" hangingPunct="0">
+              <a:spcBef>
+                <a:spcPct val="0"/>
+              </a:spcBef>
+              <a:spcAft>
+                <a:spcPct val="0"/>
+              </a:spcAft>
+              <a:defRPr kern="1200">
+                <a:solidFill>
+                  <a:schemeClr val="tx1"/>
+                </a:solidFill>
+                <a:latin typeface="Calibri" panose="020F0502020204030204" pitchFamily="34" charset="0"/>
+                <a:ea typeface="宋体" panose="02010600030101010101" pitchFamily="2" charset="-122"/>
+                <a:cs typeface="+mn-cs"/>
+              </a:defRPr>
+            </a:lvl2pPr>
+            <a:lvl3pPr marL="914400" algn="l" rtl="0" eaLnBrk="0" fontAlgn="base" hangingPunct="0">
+              <a:spcBef>
+                <a:spcPct val="0"/>
+              </a:spcBef>
+              <a:spcAft>
+                <a:spcPct val="0"/>
+              </a:spcAft>
+              <a:defRPr kern="1200">
+                <a:solidFill>
+                  <a:schemeClr val="tx1"/>
+                </a:solidFill>
+                <a:latin typeface="Calibri" panose="020F0502020204030204" pitchFamily="34" charset="0"/>
+                <a:ea typeface="宋体" panose="02010600030101010101" pitchFamily="2" charset="-122"/>
+                <a:cs typeface="+mn-cs"/>
+              </a:defRPr>
+            </a:lvl3pPr>
+            <a:lvl4pPr marL="1371600" algn="l" rtl="0" eaLnBrk="0" fontAlgn="base" hangingPunct="0">
+              <a:spcBef>
+                <a:spcPct val="0"/>
+              </a:spcBef>
+              <a:spcAft>
+                <a:spcPct val="0"/>
+              </a:spcAft>
+              <a:defRPr kern="1200">
+                <a:solidFill>
+                  <a:schemeClr val="tx1"/>
+                </a:solidFill>
+                <a:latin typeface="Calibri" panose="020F0502020204030204" pitchFamily="34" charset="0"/>
+                <a:ea typeface="宋体" panose="02010600030101010101" pitchFamily="2" charset="-122"/>
+                <a:cs typeface="+mn-cs"/>
+              </a:defRPr>
+            </a:lvl4pPr>
+            <a:lvl5pPr marL="1828800" algn="l" rtl="0" eaLnBrk="0" fontAlgn="base" hangingPunct="0">
+              <a:spcBef>
+                <a:spcPct val="0"/>
+              </a:spcBef>
+              <a:spcAft>
+                <a:spcPct val="0"/>
+              </a:spcAft>
+              <a:defRPr kern="1200">
+                <a:solidFill>
+                  <a:schemeClr val="tx1"/>
+                </a:solidFill>
+                <a:latin typeface="Calibri" panose="020F0502020204030204" pitchFamily="34" charset="0"/>
+                <a:ea typeface="宋体" panose="02010600030101010101" pitchFamily="2" charset="-122"/>
+                <a:cs typeface="+mn-cs"/>
+              </a:defRPr>
+            </a:lvl5pPr>
+            <a:lvl6pPr marL="2286000" algn="l" defTabSz="914400" rtl="0" eaLnBrk="1" latinLnBrk="0" hangingPunct="1">
+              <a:defRPr kern="1200">
+                <a:solidFill>
+                  <a:schemeClr val="tx1"/>
+                </a:solidFill>
+                <a:latin typeface="Calibri" panose="020F0502020204030204" pitchFamily="34" charset="0"/>
+                <a:ea typeface="宋体" panose="02010600030101010101" pitchFamily="2" charset="-122"/>
+                <a:cs typeface="+mn-cs"/>
+              </a:defRPr>
+            </a:lvl6pPr>
+            <a:lvl7pPr marL="2743200" algn="l" defTabSz="914400" rtl="0" eaLnBrk="1" latinLnBrk="0" hangingPunct="1">
+              <a:defRPr kern="1200">
+                <a:solidFill>
+                  <a:schemeClr val="tx1"/>
+                </a:solidFill>
+                <a:latin typeface="Calibri" panose="020F0502020204030204" pitchFamily="34" charset="0"/>
+                <a:ea typeface="宋体" panose="02010600030101010101" pitchFamily="2" charset="-122"/>
+                <a:cs typeface="+mn-cs"/>
+              </a:defRPr>
+            </a:lvl7pPr>
+            <a:lvl8pPr marL="3200400" algn="l" defTabSz="914400" rtl="0" eaLnBrk="1" latinLnBrk="0" hangingPunct="1">
+              <a:defRPr kern="1200">
+                <a:solidFill>
+                  <a:schemeClr val="tx1"/>
+                </a:solidFill>
+                <a:latin typeface="Calibri" panose="020F0502020204030204" pitchFamily="34" charset="0"/>
+                <a:ea typeface="宋体" panose="02010600030101010101" pitchFamily="2" charset="-122"/>
+                <a:cs typeface="+mn-cs"/>
+              </a:defRPr>
+            </a:lvl8pPr>
+            <a:lvl9pPr marL="3657600" algn="l" defTabSz="914400" rtl="0" eaLnBrk="1" latinLnBrk="0" hangingPunct="1">
+              <a:defRPr kern="1200">
+                <a:solidFill>
+                  <a:schemeClr val="tx1"/>
+                </a:solidFill>
+                <a:latin typeface="Calibri" panose="020F0502020204030204" pitchFamily="34" charset="0"/>
+                <a:ea typeface="宋体" panose="02010600030101010101" pitchFamily="2" charset="-122"/>
+                <a:cs typeface="+mn-cs"/>
+              </a:defRPr>
+            </a:lvl9pPr>
+          </a:lstStyle>
+          <a:p>
+            <a:pPr lvl="0" algn="ctr">
+              <a:defRPr/>
+            </a:pPr>
+            <a:r>
+              <a:rPr kumimoji="0" lang="en-US" altLang="zh-CN" sz="2000" b="0" i="0" u="none" strike="noStrike" kern="1200" cap="none" spc="0" normalizeH="0" baseline="0" noProof="0" dirty="0">
+                <a:ln>
+                  <a:noFill/>
+                </a:ln>
+                <a:effectLst/>
+                <a:uLnTx/>
+                <a:uFillTx/>
+                <a:latin typeface="Tw Cen MT Condensed" panose="020B0606020104020203" pitchFamily="34" charset="0"/>
+                <a:ea typeface="老報宋" pitchFamily="2" charset="-122"/>
+              </a:rPr>
+              <a:t>AWS</a:t>
+            </a:r>
+            <a:endParaRPr kumimoji="0" lang="zh-CN" altLang="en-US" sz="2000" b="0" i="0" u="none" strike="noStrike" kern="1200" cap="none" spc="0" normalizeH="0" baseline="0" noProof="0" dirty="0">
+              <a:ln>
+                <a:noFill/>
+              </a:ln>
+              <a:effectLst/>
+              <a:uLnTx/>
+              <a:uFillTx/>
+              <a:latin typeface="Tw Cen MT Condensed" panose="020B0606020104020203" pitchFamily="34" charset="0"/>
+              <a:ea typeface="老報宋" pitchFamily="2" charset="-122"/>
+            </a:endParaRPr>
+          </a:p>
+        </p:txBody>
+      </p:sp>
+      <p:sp>
+        <p:nvSpPr>
+          <p:cNvPr id="17" name="文本框 2">
+            <a:extLst>
+              <a:ext uri="{FF2B5EF4-FFF2-40B4-BE49-F238E27FC236}">
+                <a16:creationId xmlns:a16="http://schemas.microsoft.com/office/drawing/2014/main" id="{0BF7AA1D-9DED-4591-9A4B-92E47CA9F29A}"/>
+              </a:ext>
+            </a:extLst>
+          </p:cNvPr>
+          <p:cNvSpPr txBox="1">
+            <a:spLocks noChangeArrowheads="1"/>
+          </p:cNvSpPr>
+          <p:nvPr/>
+        </p:nvSpPr>
+        <p:spPr bwMode="auto">
+          <a:xfrm rot="19603972">
+            <a:off x="6165123" y="2126286"/>
+            <a:ext cx="1516125" cy="400110"/>
+          </a:xfrm>
+          <a:prstGeom prst="rect">
+            <a:avLst/>
+          </a:prstGeom>
+          <a:noFill/>
+          <a:ln>
+            <a:noFill/>
+          </a:ln>
+          <a:extLst>
+            <a:ext uri="{909E8E84-426E-40DD-AFC4-6F175D3DCCD1}">
+              <a14:hiddenFill xmlns:a14="http://schemas.microsoft.com/office/drawing/2010/main">
+                <a:solidFill>
+                  <a:srgbClr val="FFFFFF"/>
+                </a:solidFill>
+              </a14:hiddenFill>
+            </a:ext>
+            <a:ext uri="{91240B29-F687-4F45-9708-019B960494DF}">
+              <a14:hiddenLine xmlns:a14="http://schemas.microsoft.com/office/drawing/2010/main" w="9525">
+                <a:solidFill>
+                  <a:srgbClr val="000000"/>
+                </a:solidFill>
+                <a:miter lim="800000"/>
+                <a:headEnd/>
+                <a:tailEnd/>
+              </a14:hiddenLine>
+            </a:ext>
+          </a:extLst>
+        </p:spPr>
+        <p:txBody>
+          <a:bodyPr wrap="square">
+            <a:spAutoFit/>
+          </a:bodyPr>
+          <a:lstStyle>
+            <a:defPPr>
+              <a:defRPr lang="zh-CN"/>
+            </a:defPPr>
+            <a:lvl1pPr algn="l" rtl="0" eaLnBrk="0" fontAlgn="base" hangingPunct="0">
+              <a:spcBef>
+                <a:spcPct val="0"/>
+              </a:spcBef>
+              <a:spcAft>
+                <a:spcPct val="0"/>
+              </a:spcAft>
+              <a:defRPr kern="1200">
+                <a:solidFill>
+                  <a:schemeClr val="tx1"/>
+                </a:solidFill>
+                <a:latin typeface="Calibri" panose="020F0502020204030204" pitchFamily="34" charset="0"/>
+                <a:ea typeface="宋体" panose="02010600030101010101" pitchFamily="2" charset="-122"/>
+                <a:cs typeface="+mn-cs"/>
+              </a:defRPr>
+            </a:lvl1pPr>
+            <a:lvl2pPr marL="457200" algn="l" rtl="0" eaLnBrk="0" fontAlgn="base" hangingPunct="0">
+              <a:spcBef>
+                <a:spcPct val="0"/>
+              </a:spcBef>
+              <a:spcAft>
+                <a:spcPct val="0"/>
+              </a:spcAft>
+              <a:defRPr kern="1200">
+                <a:solidFill>
+                  <a:schemeClr val="tx1"/>
+                </a:solidFill>
+                <a:latin typeface="Calibri" panose="020F0502020204030204" pitchFamily="34" charset="0"/>
+                <a:ea typeface="宋体" panose="02010600030101010101" pitchFamily="2" charset="-122"/>
+                <a:cs typeface="+mn-cs"/>
+              </a:defRPr>
+            </a:lvl2pPr>
+            <a:lvl3pPr marL="914400" algn="l" rtl="0" eaLnBrk="0" fontAlgn="base" hangingPunct="0">
+              <a:spcBef>
+                <a:spcPct val="0"/>
+              </a:spcBef>
+              <a:spcAft>
+                <a:spcPct val="0"/>
+              </a:spcAft>
+              <a:defRPr kern="1200">
+                <a:solidFill>
+                  <a:schemeClr val="tx1"/>
+                </a:solidFill>
+                <a:latin typeface="Calibri" panose="020F0502020204030204" pitchFamily="34" charset="0"/>
+                <a:ea typeface="宋体" panose="02010600030101010101" pitchFamily="2" charset="-122"/>
+                <a:cs typeface="+mn-cs"/>
+              </a:defRPr>
+            </a:lvl3pPr>
+            <a:lvl4pPr marL="1371600" algn="l" rtl="0" eaLnBrk="0" fontAlgn="base" hangingPunct="0">
+              <a:spcBef>
+                <a:spcPct val="0"/>
+              </a:spcBef>
+              <a:spcAft>
+                <a:spcPct val="0"/>
+              </a:spcAft>
+              <a:defRPr kern="1200">
+                <a:solidFill>
+                  <a:schemeClr val="tx1"/>
+                </a:solidFill>
+                <a:latin typeface="Calibri" panose="020F0502020204030204" pitchFamily="34" charset="0"/>
+                <a:ea typeface="宋体" panose="02010600030101010101" pitchFamily="2" charset="-122"/>
+                <a:cs typeface="+mn-cs"/>
+              </a:defRPr>
+            </a:lvl4pPr>
+            <a:lvl5pPr marL="1828800" algn="l" rtl="0" eaLnBrk="0" fontAlgn="base" hangingPunct="0">
+              <a:spcBef>
+                <a:spcPct val="0"/>
+              </a:spcBef>
+              <a:spcAft>
+                <a:spcPct val="0"/>
+              </a:spcAft>
+              <a:defRPr kern="1200">
+                <a:solidFill>
+                  <a:schemeClr val="tx1"/>
+                </a:solidFill>
+                <a:latin typeface="Calibri" panose="020F0502020204030204" pitchFamily="34" charset="0"/>
+                <a:ea typeface="宋体" panose="02010600030101010101" pitchFamily="2" charset="-122"/>
+                <a:cs typeface="+mn-cs"/>
+              </a:defRPr>
+            </a:lvl5pPr>
+            <a:lvl6pPr marL="2286000" algn="l" defTabSz="914400" rtl="0" eaLnBrk="1" latinLnBrk="0" hangingPunct="1">
+              <a:defRPr kern="1200">
+                <a:solidFill>
+                  <a:schemeClr val="tx1"/>
+                </a:solidFill>
+                <a:latin typeface="Calibri" panose="020F0502020204030204" pitchFamily="34" charset="0"/>
+                <a:ea typeface="宋体" panose="02010600030101010101" pitchFamily="2" charset="-122"/>
+                <a:cs typeface="+mn-cs"/>
+              </a:defRPr>
+            </a:lvl6pPr>
+            <a:lvl7pPr marL="2743200" algn="l" defTabSz="914400" rtl="0" eaLnBrk="1" latinLnBrk="0" hangingPunct="1">
+              <a:defRPr kern="1200">
+                <a:solidFill>
+                  <a:schemeClr val="tx1"/>
+                </a:solidFill>
+                <a:latin typeface="Calibri" panose="020F0502020204030204" pitchFamily="34" charset="0"/>
+                <a:ea typeface="宋体" panose="02010600030101010101" pitchFamily="2" charset="-122"/>
+                <a:cs typeface="+mn-cs"/>
+              </a:defRPr>
+            </a:lvl7pPr>
+            <a:lvl8pPr marL="3200400" algn="l" defTabSz="914400" rtl="0" eaLnBrk="1" latinLnBrk="0" hangingPunct="1">
+              <a:defRPr kern="1200">
+                <a:solidFill>
+                  <a:schemeClr val="tx1"/>
+                </a:solidFill>
+                <a:latin typeface="Calibri" panose="020F0502020204030204" pitchFamily="34" charset="0"/>
+                <a:ea typeface="宋体" panose="02010600030101010101" pitchFamily="2" charset="-122"/>
+                <a:cs typeface="+mn-cs"/>
+              </a:defRPr>
+            </a:lvl8pPr>
+            <a:lvl9pPr marL="3657600" algn="l" defTabSz="914400" rtl="0" eaLnBrk="1" latinLnBrk="0" hangingPunct="1">
+              <a:defRPr kern="1200">
+                <a:solidFill>
+                  <a:schemeClr val="tx1"/>
+                </a:solidFill>
+                <a:latin typeface="Calibri" panose="020F0502020204030204" pitchFamily="34" charset="0"/>
+                <a:ea typeface="宋体" panose="02010600030101010101" pitchFamily="2" charset="-122"/>
+                <a:cs typeface="+mn-cs"/>
+              </a:defRPr>
+            </a:lvl9pPr>
+          </a:lstStyle>
+          <a:p>
+            <a:pPr lvl="0" algn="ctr">
+              <a:defRPr/>
+            </a:pPr>
+            <a:r>
+              <a:rPr kumimoji="0" lang="en-US" altLang="zh-CN" sz="2000" b="0" i="0" u="none" strike="noStrike" kern="1200" cap="none" spc="0" normalizeH="0" baseline="0" noProof="0" dirty="0">
+                <a:ln>
+                  <a:noFill/>
+                </a:ln>
+                <a:effectLst/>
+                <a:uLnTx/>
+                <a:uFillTx/>
+                <a:latin typeface="Tw Cen MT Condensed" panose="020B0606020104020203" pitchFamily="34" charset="0"/>
+                <a:ea typeface="老報宋" pitchFamily="2" charset="-122"/>
+              </a:rPr>
+              <a:t>Post-Build</a:t>
+            </a:r>
+            <a:endParaRPr kumimoji="0" lang="zh-CN" altLang="en-US" sz="2000" b="0" i="0" u="none" strike="noStrike" kern="1200" cap="none" spc="0" normalizeH="0" baseline="0" noProof="0" dirty="0">
+              <a:ln>
+                <a:noFill/>
+              </a:ln>
+              <a:effectLst/>
+              <a:uLnTx/>
+              <a:uFillTx/>
+              <a:latin typeface="Tw Cen MT Condensed" panose="020B0606020104020203" pitchFamily="34" charset="0"/>
+              <a:ea typeface="老報宋" pitchFamily="2" charset="-122"/>
+            </a:endParaRPr>
+          </a:p>
+        </p:txBody>
+      </p:sp>
+      <p:cxnSp>
+        <p:nvCxnSpPr>
+          <p:cNvPr id="18" name="Straight Arrow Connector 17">
+            <a:extLst>
+              <a:ext uri="{FF2B5EF4-FFF2-40B4-BE49-F238E27FC236}">
+                <a16:creationId xmlns:a16="http://schemas.microsoft.com/office/drawing/2014/main" id="{40D4B272-3BE9-42EC-8500-D6DBA1D4F0DD}"/>
+              </a:ext>
+            </a:extLst>
+          </p:cNvPr>
+          <p:cNvCxnSpPr>
+            <a:cxnSpLocks/>
+          </p:cNvCxnSpPr>
+          <p:nvPr/>
+        </p:nvCxnSpPr>
+        <p:spPr>
+          <a:xfrm flipV="1">
+            <a:off x="6258484" y="3388226"/>
+            <a:ext cx="1775009" cy="2058"/>
+          </a:xfrm>
+          <a:prstGeom prst="straightConnector1">
+            <a:avLst/>
+          </a:prstGeom>
+          <a:ln w="28575">
+            <a:solidFill>
+              <a:schemeClr val="tx1">
+                <a:lumMod val="95000"/>
+                <a:lumOff val="5000"/>
+              </a:schemeClr>
+            </a:solidFill>
+            <a:prstDash val="sysDash"/>
+            <a:tailEnd type="triangle"/>
+          </a:ln>
+        </p:spPr>
+        <p:style>
+          <a:lnRef idx="1">
+            <a:schemeClr val="accent1"/>
+          </a:lnRef>
+          <a:fillRef idx="0">
+            <a:schemeClr val="accent1"/>
+          </a:fillRef>
+          <a:effectRef idx="0">
+            <a:schemeClr val="accent1"/>
+          </a:effectRef>
+          <a:fontRef idx="minor">
+            <a:schemeClr val="tx1"/>
+          </a:fontRef>
+        </p:style>
+      </p:cxnSp>
+      <p:sp>
+        <p:nvSpPr>
+          <p:cNvPr id="19" name="文本框 2">
+            <a:extLst>
+              <a:ext uri="{FF2B5EF4-FFF2-40B4-BE49-F238E27FC236}">
+                <a16:creationId xmlns:a16="http://schemas.microsoft.com/office/drawing/2014/main" id="{80CA8583-269D-40D4-B54F-8C5E93357989}"/>
+              </a:ext>
+            </a:extLst>
+          </p:cNvPr>
+          <p:cNvSpPr txBox="1">
+            <a:spLocks noChangeArrowheads="1"/>
+          </p:cNvSpPr>
+          <p:nvPr/>
+        </p:nvSpPr>
+        <p:spPr bwMode="auto">
+          <a:xfrm rot="21556831">
+            <a:off x="6387925" y="3019387"/>
+            <a:ext cx="1516125" cy="400110"/>
+          </a:xfrm>
+          <a:prstGeom prst="rect">
+            <a:avLst/>
+          </a:prstGeom>
+          <a:noFill/>
+          <a:ln>
+            <a:noFill/>
+          </a:ln>
+          <a:extLst>
+            <a:ext uri="{909E8E84-426E-40DD-AFC4-6F175D3DCCD1}">
+              <a14:hiddenFill xmlns:a14="http://schemas.microsoft.com/office/drawing/2010/main">
+                <a:solidFill>
+                  <a:srgbClr val="FFFFFF"/>
+                </a:solidFill>
+              </a14:hiddenFill>
+            </a:ext>
+            <a:ext uri="{91240B29-F687-4F45-9708-019B960494DF}">
+              <a14:hiddenLine xmlns:a14="http://schemas.microsoft.com/office/drawing/2010/main" w="9525">
+                <a:solidFill>
+                  <a:srgbClr val="000000"/>
+                </a:solidFill>
+                <a:miter lim="800000"/>
+                <a:headEnd/>
+                <a:tailEnd/>
+              </a14:hiddenLine>
+            </a:ext>
+          </a:extLst>
+        </p:spPr>
+        <p:txBody>
+          <a:bodyPr wrap="square">
+            <a:spAutoFit/>
+          </a:bodyPr>
+          <a:lstStyle>
+            <a:defPPr>
+              <a:defRPr lang="zh-CN"/>
+            </a:defPPr>
+            <a:lvl1pPr algn="l" rtl="0" eaLnBrk="0" fontAlgn="base" hangingPunct="0">
+              <a:spcBef>
+                <a:spcPct val="0"/>
+              </a:spcBef>
+              <a:spcAft>
+                <a:spcPct val="0"/>
+              </a:spcAft>
+              <a:defRPr kern="1200">
+                <a:solidFill>
+                  <a:schemeClr val="tx1"/>
+                </a:solidFill>
+                <a:latin typeface="Calibri" panose="020F0502020204030204" pitchFamily="34" charset="0"/>
+                <a:ea typeface="宋体" panose="02010600030101010101" pitchFamily="2" charset="-122"/>
+                <a:cs typeface="+mn-cs"/>
+              </a:defRPr>
+            </a:lvl1pPr>
+            <a:lvl2pPr marL="457200" algn="l" rtl="0" eaLnBrk="0" fontAlgn="base" hangingPunct="0">
+              <a:spcBef>
+                <a:spcPct val="0"/>
+              </a:spcBef>
+              <a:spcAft>
+                <a:spcPct val="0"/>
+              </a:spcAft>
+              <a:defRPr kern="1200">
+                <a:solidFill>
+                  <a:schemeClr val="tx1"/>
+                </a:solidFill>
+                <a:latin typeface="Calibri" panose="020F0502020204030204" pitchFamily="34" charset="0"/>
+                <a:ea typeface="宋体" panose="02010600030101010101" pitchFamily="2" charset="-122"/>
+                <a:cs typeface="+mn-cs"/>
+              </a:defRPr>
+            </a:lvl2pPr>
+            <a:lvl3pPr marL="914400" algn="l" rtl="0" eaLnBrk="0" fontAlgn="base" hangingPunct="0">
+              <a:spcBef>
+                <a:spcPct val="0"/>
+              </a:spcBef>
+              <a:spcAft>
+                <a:spcPct val="0"/>
+              </a:spcAft>
+              <a:defRPr kern="1200">
+                <a:solidFill>
+                  <a:schemeClr val="tx1"/>
+                </a:solidFill>
+                <a:latin typeface="Calibri" panose="020F0502020204030204" pitchFamily="34" charset="0"/>
+                <a:ea typeface="宋体" panose="02010600030101010101" pitchFamily="2" charset="-122"/>
+                <a:cs typeface="+mn-cs"/>
+              </a:defRPr>
+            </a:lvl3pPr>
+            <a:lvl4pPr marL="1371600" algn="l" rtl="0" eaLnBrk="0" fontAlgn="base" hangingPunct="0">
+              <a:spcBef>
+                <a:spcPct val="0"/>
+              </a:spcBef>
+              <a:spcAft>
+                <a:spcPct val="0"/>
+              </a:spcAft>
+              <a:defRPr kern="1200">
+                <a:solidFill>
+                  <a:schemeClr val="tx1"/>
+                </a:solidFill>
+                <a:latin typeface="Calibri" panose="020F0502020204030204" pitchFamily="34" charset="0"/>
+                <a:ea typeface="宋体" panose="02010600030101010101" pitchFamily="2" charset="-122"/>
+                <a:cs typeface="+mn-cs"/>
+              </a:defRPr>
+            </a:lvl4pPr>
+            <a:lvl5pPr marL="1828800" algn="l" rtl="0" eaLnBrk="0" fontAlgn="base" hangingPunct="0">
+              <a:spcBef>
+                <a:spcPct val="0"/>
+              </a:spcBef>
+              <a:spcAft>
+                <a:spcPct val="0"/>
+              </a:spcAft>
+              <a:defRPr kern="1200">
+                <a:solidFill>
+                  <a:schemeClr val="tx1"/>
+                </a:solidFill>
+                <a:latin typeface="Calibri" panose="020F0502020204030204" pitchFamily="34" charset="0"/>
+                <a:ea typeface="宋体" panose="02010600030101010101" pitchFamily="2" charset="-122"/>
+                <a:cs typeface="+mn-cs"/>
+              </a:defRPr>
+            </a:lvl5pPr>
+            <a:lvl6pPr marL="2286000" algn="l" defTabSz="914400" rtl="0" eaLnBrk="1" latinLnBrk="0" hangingPunct="1">
+              <a:defRPr kern="1200">
+                <a:solidFill>
+                  <a:schemeClr val="tx1"/>
+                </a:solidFill>
+                <a:latin typeface="Calibri" panose="020F0502020204030204" pitchFamily="34" charset="0"/>
+                <a:ea typeface="宋体" panose="02010600030101010101" pitchFamily="2" charset="-122"/>
+                <a:cs typeface="+mn-cs"/>
+              </a:defRPr>
+            </a:lvl6pPr>
+            <a:lvl7pPr marL="2743200" algn="l" defTabSz="914400" rtl="0" eaLnBrk="1" latinLnBrk="0" hangingPunct="1">
+              <a:defRPr kern="1200">
+                <a:solidFill>
+                  <a:schemeClr val="tx1"/>
+                </a:solidFill>
+                <a:latin typeface="Calibri" panose="020F0502020204030204" pitchFamily="34" charset="0"/>
+                <a:ea typeface="宋体" panose="02010600030101010101" pitchFamily="2" charset="-122"/>
+                <a:cs typeface="+mn-cs"/>
+              </a:defRPr>
+            </a:lvl7pPr>
+            <a:lvl8pPr marL="3200400" algn="l" defTabSz="914400" rtl="0" eaLnBrk="1" latinLnBrk="0" hangingPunct="1">
+              <a:defRPr kern="1200">
+                <a:solidFill>
+                  <a:schemeClr val="tx1"/>
+                </a:solidFill>
+                <a:latin typeface="Calibri" panose="020F0502020204030204" pitchFamily="34" charset="0"/>
+                <a:ea typeface="宋体" panose="02010600030101010101" pitchFamily="2" charset="-122"/>
+                <a:cs typeface="+mn-cs"/>
+              </a:defRPr>
+            </a:lvl8pPr>
+            <a:lvl9pPr marL="3657600" algn="l" defTabSz="914400" rtl="0" eaLnBrk="1" latinLnBrk="0" hangingPunct="1">
+              <a:defRPr kern="1200">
+                <a:solidFill>
+                  <a:schemeClr val="tx1"/>
+                </a:solidFill>
+                <a:latin typeface="Calibri" panose="020F0502020204030204" pitchFamily="34" charset="0"/>
+                <a:ea typeface="宋体" panose="02010600030101010101" pitchFamily="2" charset="-122"/>
+                <a:cs typeface="+mn-cs"/>
+              </a:defRPr>
+            </a:lvl9pPr>
+          </a:lstStyle>
+          <a:p>
+            <a:pPr lvl="0" algn="ctr">
+              <a:defRPr/>
+            </a:pPr>
+            <a:r>
+              <a:rPr kumimoji="0" lang="en-US" altLang="zh-CN" sz="2000" b="0" i="0" u="none" strike="noStrike" kern="1200" cap="none" spc="0" normalizeH="0" baseline="0" noProof="0" dirty="0">
+                <a:ln>
+                  <a:noFill/>
+                </a:ln>
+                <a:effectLst/>
+                <a:uLnTx/>
+                <a:uFillTx/>
+                <a:latin typeface="Tw Cen MT Condensed" panose="020B0606020104020203" pitchFamily="34" charset="0"/>
+                <a:ea typeface="老報宋" pitchFamily="2" charset="-122"/>
+              </a:rPr>
+              <a:t>Post-Build</a:t>
+            </a:r>
+            <a:endParaRPr kumimoji="0" lang="zh-CN" altLang="en-US" sz="2000" b="0" i="0" u="none" strike="noStrike" kern="1200" cap="none" spc="0" normalizeH="0" baseline="0" noProof="0" dirty="0">
+              <a:ln>
+                <a:noFill/>
+              </a:ln>
+              <a:effectLst/>
+              <a:uLnTx/>
+              <a:uFillTx/>
+              <a:latin typeface="Tw Cen MT Condensed" panose="020B0606020104020203" pitchFamily="34" charset="0"/>
+              <a:ea typeface="老報宋" pitchFamily="2" charset="-122"/>
+            </a:endParaRPr>
+          </a:p>
+        </p:txBody>
+      </p:sp>
+      <p:pic>
+        <p:nvPicPr>
+          <p:cNvPr id="25" name="Graphic 24">
+            <a:extLst>
+              <a:ext uri="{FF2B5EF4-FFF2-40B4-BE49-F238E27FC236}">
+                <a16:creationId xmlns:a16="http://schemas.microsoft.com/office/drawing/2014/main" id="{D1BB2AC3-23BF-4739-9F78-1F75D3080399}"/>
+              </a:ext>
+            </a:extLst>
+          </p:cNvPr>
+          <p:cNvPicPr>
+            <a:picLocks noChangeAspect="1"/>
+          </p:cNvPicPr>
+          <p:nvPr/>
+        </p:nvPicPr>
+        <p:blipFill>
+          <a:blip r:embed="rId6">
+            <a:extLst>
+              <a:ext uri="{96DAC541-7B7A-43D3-8B79-37D633B846F1}">
+                <asvg:svgBlip xmlns:asvg="http://schemas.microsoft.com/office/drawing/2016/SVG/main" r:embed="rId7"/>
+              </a:ext>
+            </a:extLst>
+          </a:blip>
+          <a:stretch>
+            <a:fillRect/>
+          </a:stretch>
+        </p:blipFill>
+        <p:spPr>
+          <a:xfrm>
+            <a:off x="8243043" y="2681788"/>
+            <a:ext cx="1699933" cy="991628"/>
+          </a:xfrm>
+          <a:prstGeom prst="rect">
+            <a:avLst/>
+          </a:prstGeom>
+        </p:spPr>
+      </p:pic>
+      <p:sp>
+        <p:nvSpPr>
+          <p:cNvPr id="26" name="文本框 2">
+            <a:extLst>
+              <a:ext uri="{FF2B5EF4-FFF2-40B4-BE49-F238E27FC236}">
+                <a16:creationId xmlns:a16="http://schemas.microsoft.com/office/drawing/2014/main" id="{D3A84899-C2C1-4CDC-9F3E-C60C3059795C}"/>
+              </a:ext>
+            </a:extLst>
+          </p:cNvPr>
+          <p:cNvSpPr txBox="1">
+            <a:spLocks noChangeArrowheads="1"/>
+          </p:cNvSpPr>
+          <p:nvPr/>
+        </p:nvSpPr>
+        <p:spPr bwMode="auto">
+          <a:xfrm>
+            <a:off x="8334946" y="3751109"/>
+            <a:ext cx="1516125" cy="400110"/>
+          </a:xfrm>
+          <a:prstGeom prst="rect">
+            <a:avLst/>
+          </a:prstGeom>
+          <a:noFill/>
+          <a:ln>
+            <a:noFill/>
+          </a:ln>
+          <a:extLst>
+            <a:ext uri="{909E8E84-426E-40DD-AFC4-6F175D3DCCD1}">
+              <a14:hiddenFill xmlns:a14="http://schemas.microsoft.com/office/drawing/2010/main">
+                <a:solidFill>
+                  <a:srgbClr val="FFFFFF"/>
+                </a:solidFill>
+              </a14:hiddenFill>
+            </a:ext>
+            <a:ext uri="{91240B29-F687-4F45-9708-019B960494DF}">
+              <a14:hiddenLine xmlns:a14="http://schemas.microsoft.com/office/drawing/2010/main" w="9525">
+                <a:solidFill>
+                  <a:srgbClr val="000000"/>
+                </a:solidFill>
+                <a:miter lim="800000"/>
+                <a:headEnd/>
+                <a:tailEnd/>
+              </a14:hiddenLine>
+            </a:ext>
+          </a:extLst>
+        </p:spPr>
+        <p:txBody>
+          <a:bodyPr wrap="square">
+            <a:spAutoFit/>
+          </a:bodyPr>
+          <a:lstStyle>
+            <a:defPPr>
+              <a:defRPr lang="zh-CN"/>
+            </a:defPPr>
+            <a:lvl1pPr algn="l" rtl="0" eaLnBrk="0" fontAlgn="base" hangingPunct="0">
+              <a:spcBef>
+                <a:spcPct val="0"/>
+              </a:spcBef>
+              <a:spcAft>
+                <a:spcPct val="0"/>
+              </a:spcAft>
+              <a:defRPr kern="1200">
+                <a:solidFill>
+                  <a:schemeClr val="tx1"/>
+                </a:solidFill>
+                <a:latin typeface="Calibri" panose="020F0502020204030204" pitchFamily="34" charset="0"/>
+                <a:ea typeface="宋体" panose="02010600030101010101" pitchFamily="2" charset="-122"/>
+                <a:cs typeface="+mn-cs"/>
+              </a:defRPr>
+            </a:lvl1pPr>
+            <a:lvl2pPr marL="457200" algn="l" rtl="0" eaLnBrk="0" fontAlgn="base" hangingPunct="0">
+              <a:spcBef>
+                <a:spcPct val="0"/>
+              </a:spcBef>
+              <a:spcAft>
+                <a:spcPct val="0"/>
+              </a:spcAft>
+              <a:defRPr kern="1200">
+                <a:solidFill>
+                  <a:schemeClr val="tx1"/>
+                </a:solidFill>
+                <a:latin typeface="Calibri" panose="020F0502020204030204" pitchFamily="34" charset="0"/>
+                <a:ea typeface="宋体" panose="02010600030101010101" pitchFamily="2" charset="-122"/>
+                <a:cs typeface="+mn-cs"/>
+              </a:defRPr>
+            </a:lvl2pPr>
+            <a:lvl3pPr marL="914400" algn="l" rtl="0" eaLnBrk="0" fontAlgn="base" hangingPunct="0">
+              <a:spcBef>
+                <a:spcPct val="0"/>
+              </a:spcBef>
+              <a:spcAft>
+                <a:spcPct val="0"/>
+              </a:spcAft>
+              <a:defRPr kern="1200">
+                <a:solidFill>
+                  <a:schemeClr val="tx1"/>
+                </a:solidFill>
+                <a:latin typeface="Calibri" panose="020F0502020204030204" pitchFamily="34" charset="0"/>
+                <a:ea typeface="宋体" panose="02010600030101010101" pitchFamily="2" charset="-122"/>
+                <a:cs typeface="+mn-cs"/>
+              </a:defRPr>
+            </a:lvl3pPr>
+            <a:lvl4pPr marL="1371600" algn="l" rtl="0" eaLnBrk="0" fontAlgn="base" hangingPunct="0">
+              <a:spcBef>
+                <a:spcPct val="0"/>
+              </a:spcBef>
+              <a:spcAft>
+                <a:spcPct val="0"/>
+              </a:spcAft>
+              <a:defRPr kern="1200">
+                <a:solidFill>
+                  <a:schemeClr val="tx1"/>
+                </a:solidFill>
+                <a:latin typeface="Calibri" panose="020F0502020204030204" pitchFamily="34" charset="0"/>
+                <a:ea typeface="宋体" panose="02010600030101010101" pitchFamily="2" charset="-122"/>
+                <a:cs typeface="+mn-cs"/>
+              </a:defRPr>
+            </a:lvl4pPr>
+            <a:lvl5pPr marL="1828800" algn="l" rtl="0" eaLnBrk="0" fontAlgn="base" hangingPunct="0">
+              <a:spcBef>
+                <a:spcPct val="0"/>
+              </a:spcBef>
+              <a:spcAft>
+                <a:spcPct val="0"/>
+              </a:spcAft>
+              <a:defRPr kern="1200">
+                <a:solidFill>
+                  <a:schemeClr val="tx1"/>
+                </a:solidFill>
+                <a:latin typeface="Calibri" panose="020F0502020204030204" pitchFamily="34" charset="0"/>
+                <a:ea typeface="宋体" panose="02010600030101010101" pitchFamily="2" charset="-122"/>
+                <a:cs typeface="+mn-cs"/>
+              </a:defRPr>
+            </a:lvl5pPr>
+            <a:lvl6pPr marL="2286000" algn="l" defTabSz="914400" rtl="0" eaLnBrk="1" latinLnBrk="0" hangingPunct="1">
+              <a:defRPr kern="1200">
+                <a:solidFill>
+                  <a:schemeClr val="tx1"/>
+                </a:solidFill>
+                <a:latin typeface="Calibri" panose="020F0502020204030204" pitchFamily="34" charset="0"/>
+                <a:ea typeface="宋体" panose="02010600030101010101" pitchFamily="2" charset="-122"/>
+                <a:cs typeface="+mn-cs"/>
+              </a:defRPr>
+            </a:lvl6pPr>
+            <a:lvl7pPr marL="2743200" algn="l" defTabSz="914400" rtl="0" eaLnBrk="1" latinLnBrk="0" hangingPunct="1">
+              <a:defRPr kern="1200">
+                <a:solidFill>
+                  <a:schemeClr val="tx1"/>
+                </a:solidFill>
+                <a:latin typeface="Calibri" panose="020F0502020204030204" pitchFamily="34" charset="0"/>
+                <a:ea typeface="宋体" panose="02010600030101010101" pitchFamily="2" charset="-122"/>
+                <a:cs typeface="+mn-cs"/>
+              </a:defRPr>
+            </a:lvl7pPr>
+            <a:lvl8pPr marL="3200400" algn="l" defTabSz="914400" rtl="0" eaLnBrk="1" latinLnBrk="0" hangingPunct="1">
+              <a:defRPr kern="1200">
+                <a:solidFill>
+                  <a:schemeClr val="tx1"/>
+                </a:solidFill>
+                <a:latin typeface="Calibri" panose="020F0502020204030204" pitchFamily="34" charset="0"/>
+                <a:ea typeface="宋体" panose="02010600030101010101" pitchFamily="2" charset="-122"/>
+                <a:cs typeface="+mn-cs"/>
+              </a:defRPr>
+            </a:lvl8pPr>
+            <a:lvl9pPr marL="3657600" algn="l" defTabSz="914400" rtl="0" eaLnBrk="1" latinLnBrk="0" hangingPunct="1">
+              <a:defRPr kern="1200">
+                <a:solidFill>
+                  <a:schemeClr val="tx1"/>
+                </a:solidFill>
+                <a:latin typeface="Calibri" panose="020F0502020204030204" pitchFamily="34" charset="0"/>
+                <a:ea typeface="宋体" panose="02010600030101010101" pitchFamily="2" charset="-122"/>
+                <a:cs typeface="+mn-cs"/>
+              </a:defRPr>
+            </a:lvl9pPr>
+          </a:lstStyle>
+          <a:p>
+            <a:pPr lvl="0" algn="ctr">
+              <a:defRPr/>
+            </a:pPr>
+            <a:r>
+              <a:rPr kumimoji="0" lang="en-US" altLang="zh-CN" sz="2000" b="0" i="0" u="none" strike="noStrike" kern="1200" cap="none" spc="0" normalizeH="0" baseline="0" noProof="0" dirty="0">
+                <a:ln>
+                  <a:noFill/>
+                </a:ln>
+                <a:effectLst/>
+                <a:uLnTx/>
+                <a:uFillTx/>
+                <a:latin typeface="Tw Cen MT Condensed" panose="020B0606020104020203" pitchFamily="34" charset="0"/>
+                <a:ea typeface="老報宋" pitchFamily="2" charset="-122"/>
+              </a:rPr>
+              <a:t>AWS</a:t>
+            </a:r>
+            <a:endParaRPr kumimoji="0" lang="zh-CN" altLang="en-US" sz="2000" b="0" i="0" u="none" strike="noStrike" kern="1200" cap="none" spc="0" normalizeH="0" baseline="0" noProof="0" dirty="0">
+              <a:ln>
+                <a:noFill/>
+              </a:ln>
+              <a:effectLst/>
+              <a:uLnTx/>
+              <a:uFillTx/>
+              <a:latin typeface="Tw Cen MT Condensed" panose="020B0606020104020203" pitchFamily="34" charset="0"/>
+              <a:ea typeface="老報宋" pitchFamily="2" charset="-122"/>
+            </a:endParaRPr>
+          </a:p>
+        </p:txBody>
+      </p:sp>
+      <p:cxnSp>
+        <p:nvCxnSpPr>
+          <p:cNvPr id="27" name="Straight Arrow Connector 26">
+            <a:extLst>
+              <a:ext uri="{FF2B5EF4-FFF2-40B4-BE49-F238E27FC236}">
+                <a16:creationId xmlns:a16="http://schemas.microsoft.com/office/drawing/2014/main" id="{4C8D7A91-5826-4856-BDBC-F992532CF43A}"/>
+              </a:ext>
+            </a:extLst>
+          </p:cNvPr>
+          <p:cNvCxnSpPr>
+            <a:cxnSpLocks/>
+          </p:cNvCxnSpPr>
+          <p:nvPr/>
+        </p:nvCxnSpPr>
+        <p:spPr>
+          <a:xfrm>
+            <a:off x="6258483" y="3845859"/>
+            <a:ext cx="1721223" cy="1270747"/>
+          </a:xfrm>
+          <a:prstGeom prst="straightConnector1">
+            <a:avLst/>
+          </a:prstGeom>
+          <a:ln w="28575">
+            <a:solidFill>
+              <a:schemeClr val="tx1">
+                <a:lumMod val="95000"/>
+                <a:lumOff val="5000"/>
+              </a:schemeClr>
+            </a:solidFill>
+            <a:prstDash val="sysDash"/>
+            <a:tailEnd type="triangle"/>
+          </a:ln>
+        </p:spPr>
+        <p:style>
+          <a:lnRef idx="1">
+            <a:schemeClr val="accent1"/>
+          </a:lnRef>
+          <a:fillRef idx="0">
+            <a:schemeClr val="accent1"/>
+          </a:fillRef>
+          <a:effectRef idx="0">
+            <a:schemeClr val="accent1"/>
+          </a:effectRef>
+          <a:fontRef idx="minor">
+            <a:schemeClr val="tx1"/>
+          </a:fontRef>
+        </p:style>
+      </p:cxnSp>
+      <p:sp>
+        <p:nvSpPr>
+          <p:cNvPr id="28" name="文本框 2">
+            <a:extLst>
+              <a:ext uri="{FF2B5EF4-FFF2-40B4-BE49-F238E27FC236}">
+                <a16:creationId xmlns:a16="http://schemas.microsoft.com/office/drawing/2014/main" id="{750D2B74-066B-4CBB-BC58-62DEF9F1DADB}"/>
+              </a:ext>
+            </a:extLst>
+          </p:cNvPr>
+          <p:cNvSpPr txBox="1">
+            <a:spLocks noChangeArrowheads="1"/>
+          </p:cNvSpPr>
+          <p:nvPr/>
+        </p:nvSpPr>
+        <p:spPr bwMode="auto">
+          <a:xfrm rot="2314195">
+            <a:off x="6442655" y="4124198"/>
+            <a:ext cx="1516125" cy="400110"/>
+          </a:xfrm>
+          <a:prstGeom prst="rect">
+            <a:avLst/>
+          </a:prstGeom>
+          <a:noFill/>
+          <a:ln>
+            <a:noFill/>
+          </a:ln>
+          <a:extLst>
+            <a:ext uri="{909E8E84-426E-40DD-AFC4-6F175D3DCCD1}">
+              <a14:hiddenFill xmlns:a14="http://schemas.microsoft.com/office/drawing/2010/main">
+                <a:solidFill>
+                  <a:srgbClr val="FFFFFF"/>
+                </a:solidFill>
+              </a14:hiddenFill>
+            </a:ext>
+            <a:ext uri="{91240B29-F687-4F45-9708-019B960494DF}">
+              <a14:hiddenLine xmlns:a14="http://schemas.microsoft.com/office/drawing/2010/main" w="9525">
+                <a:solidFill>
+                  <a:srgbClr val="000000"/>
+                </a:solidFill>
+                <a:miter lim="800000"/>
+                <a:headEnd/>
+                <a:tailEnd/>
+              </a14:hiddenLine>
+            </a:ext>
+          </a:extLst>
+        </p:spPr>
+        <p:txBody>
+          <a:bodyPr wrap="square">
+            <a:spAutoFit/>
+          </a:bodyPr>
+          <a:lstStyle>
+            <a:defPPr>
+              <a:defRPr lang="zh-CN"/>
+            </a:defPPr>
+            <a:lvl1pPr algn="l" rtl="0" eaLnBrk="0" fontAlgn="base" hangingPunct="0">
+              <a:spcBef>
+                <a:spcPct val="0"/>
+              </a:spcBef>
+              <a:spcAft>
+                <a:spcPct val="0"/>
+              </a:spcAft>
+              <a:defRPr kern="1200">
+                <a:solidFill>
+                  <a:schemeClr val="tx1"/>
+                </a:solidFill>
+                <a:latin typeface="Calibri" panose="020F0502020204030204" pitchFamily="34" charset="0"/>
+                <a:ea typeface="宋体" panose="02010600030101010101" pitchFamily="2" charset="-122"/>
+                <a:cs typeface="+mn-cs"/>
+              </a:defRPr>
+            </a:lvl1pPr>
+            <a:lvl2pPr marL="457200" algn="l" rtl="0" eaLnBrk="0" fontAlgn="base" hangingPunct="0">
+              <a:spcBef>
+                <a:spcPct val="0"/>
+              </a:spcBef>
+              <a:spcAft>
+                <a:spcPct val="0"/>
+              </a:spcAft>
+              <a:defRPr kern="1200">
+                <a:solidFill>
+                  <a:schemeClr val="tx1"/>
+                </a:solidFill>
+                <a:latin typeface="Calibri" panose="020F0502020204030204" pitchFamily="34" charset="0"/>
+                <a:ea typeface="宋体" panose="02010600030101010101" pitchFamily="2" charset="-122"/>
+                <a:cs typeface="+mn-cs"/>
+              </a:defRPr>
+            </a:lvl2pPr>
+            <a:lvl3pPr marL="914400" algn="l" rtl="0" eaLnBrk="0" fontAlgn="base" hangingPunct="0">
+              <a:spcBef>
+                <a:spcPct val="0"/>
+              </a:spcBef>
+              <a:spcAft>
+                <a:spcPct val="0"/>
+              </a:spcAft>
+              <a:defRPr kern="1200">
+                <a:solidFill>
+                  <a:schemeClr val="tx1"/>
+                </a:solidFill>
+                <a:latin typeface="Calibri" panose="020F0502020204030204" pitchFamily="34" charset="0"/>
+                <a:ea typeface="宋体" panose="02010600030101010101" pitchFamily="2" charset="-122"/>
+                <a:cs typeface="+mn-cs"/>
+              </a:defRPr>
+            </a:lvl3pPr>
+            <a:lvl4pPr marL="1371600" algn="l" rtl="0" eaLnBrk="0" fontAlgn="base" hangingPunct="0">
+              <a:spcBef>
+                <a:spcPct val="0"/>
+              </a:spcBef>
+              <a:spcAft>
+                <a:spcPct val="0"/>
+              </a:spcAft>
+              <a:defRPr kern="1200">
+                <a:solidFill>
+                  <a:schemeClr val="tx1"/>
+                </a:solidFill>
+                <a:latin typeface="Calibri" panose="020F0502020204030204" pitchFamily="34" charset="0"/>
+                <a:ea typeface="宋体" panose="02010600030101010101" pitchFamily="2" charset="-122"/>
+                <a:cs typeface="+mn-cs"/>
+              </a:defRPr>
+            </a:lvl4pPr>
+            <a:lvl5pPr marL="1828800" algn="l" rtl="0" eaLnBrk="0" fontAlgn="base" hangingPunct="0">
+              <a:spcBef>
+                <a:spcPct val="0"/>
+              </a:spcBef>
+              <a:spcAft>
+                <a:spcPct val="0"/>
+              </a:spcAft>
+              <a:defRPr kern="1200">
+                <a:solidFill>
+                  <a:schemeClr val="tx1"/>
+                </a:solidFill>
+                <a:latin typeface="Calibri" panose="020F0502020204030204" pitchFamily="34" charset="0"/>
+                <a:ea typeface="宋体" panose="02010600030101010101" pitchFamily="2" charset="-122"/>
+                <a:cs typeface="+mn-cs"/>
+              </a:defRPr>
+            </a:lvl5pPr>
+            <a:lvl6pPr marL="2286000" algn="l" defTabSz="914400" rtl="0" eaLnBrk="1" latinLnBrk="0" hangingPunct="1">
+              <a:defRPr kern="1200">
+                <a:solidFill>
+                  <a:schemeClr val="tx1"/>
+                </a:solidFill>
+                <a:latin typeface="Calibri" panose="020F0502020204030204" pitchFamily="34" charset="0"/>
+                <a:ea typeface="宋体" panose="02010600030101010101" pitchFamily="2" charset="-122"/>
+                <a:cs typeface="+mn-cs"/>
+              </a:defRPr>
+            </a:lvl6pPr>
+            <a:lvl7pPr marL="2743200" algn="l" defTabSz="914400" rtl="0" eaLnBrk="1" latinLnBrk="0" hangingPunct="1">
+              <a:defRPr kern="1200">
+                <a:solidFill>
+                  <a:schemeClr val="tx1"/>
+                </a:solidFill>
+                <a:latin typeface="Calibri" panose="020F0502020204030204" pitchFamily="34" charset="0"/>
+                <a:ea typeface="宋体" panose="02010600030101010101" pitchFamily="2" charset="-122"/>
+                <a:cs typeface="+mn-cs"/>
+              </a:defRPr>
+            </a:lvl7pPr>
+            <a:lvl8pPr marL="3200400" algn="l" defTabSz="914400" rtl="0" eaLnBrk="1" latinLnBrk="0" hangingPunct="1">
+              <a:defRPr kern="1200">
+                <a:solidFill>
+                  <a:schemeClr val="tx1"/>
+                </a:solidFill>
+                <a:latin typeface="Calibri" panose="020F0502020204030204" pitchFamily="34" charset="0"/>
+                <a:ea typeface="宋体" panose="02010600030101010101" pitchFamily="2" charset="-122"/>
+                <a:cs typeface="+mn-cs"/>
+              </a:defRPr>
+            </a:lvl8pPr>
+            <a:lvl9pPr marL="3657600" algn="l" defTabSz="914400" rtl="0" eaLnBrk="1" latinLnBrk="0" hangingPunct="1">
+              <a:defRPr kern="1200">
+                <a:solidFill>
+                  <a:schemeClr val="tx1"/>
+                </a:solidFill>
+                <a:latin typeface="Calibri" panose="020F0502020204030204" pitchFamily="34" charset="0"/>
+                <a:ea typeface="宋体" panose="02010600030101010101" pitchFamily="2" charset="-122"/>
+                <a:cs typeface="+mn-cs"/>
+              </a:defRPr>
+            </a:lvl9pPr>
+          </a:lstStyle>
+          <a:p>
+            <a:pPr lvl="0" algn="ctr">
+              <a:defRPr/>
+            </a:pPr>
+            <a:r>
+              <a:rPr kumimoji="0" lang="en-US" altLang="zh-CN" sz="2000" b="0" i="0" u="none" strike="noStrike" kern="1200" cap="none" spc="0" normalizeH="0" baseline="0" noProof="0" dirty="0">
+                <a:ln>
+                  <a:noFill/>
+                </a:ln>
+                <a:effectLst/>
+                <a:uLnTx/>
+                <a:uFillTx/>
+                <a:latin typeface="Tw Cen MT Condensed" panose="020B0606020104020203" pitchFamily="34" charset="0"/>
+                <a:ea typeface="老報宋" pitchFamily="2" charset="-122"/>
+              </a:rPr>
+              <a:t>Post-Build</a:t>
+            </a:r>
+            <a:endParaRPr kumimoji="0" lang="zh-CN" altLang="en-US" sz="2000" b="0" i="0" u="none" strike="noStrike" kern="1200" cap="none" spc="0" normalizeH="0" baseline="0" noProof="0" dirty="0">
+              <a:ln>
+                <a:noFill/>
+              </a:ln>
+              <a:effectLst/>
+              <a:uLnTx/>
+              <a:uFillTx/>
+              <a:latin typeface="Tw Cen MT Condensed" panose="020B0606020104020203" pitchFamily="34" charset="0"/>
+              <a:ea typeface="老報宋" pitchFamily="2" charset="-122"/>
+            </a:endParaRPr>
+          </a:p>
+        </p:txBody>
+      </p:sp>
+      <p:sp>
+        <p:nvSpPr>
+          <p:cNvPr id="32" name="文本框 2">
+            <a:extLst>
+              <a:ext uri="{FF2B5EF4-FFF2-40B4-BE49-F238E27FC236}">
+                <a16:creationId xmlns:a16="http://schemas.microsoft.com/office/drawing/2014/main" id="{4C11EA6A-73FE-44ED-AFC1-CD8A8E438910}"/>
+              </a:ext>
+            </a:extLst>
+          </p:cNvPr>
+          <p:cNvSpPr txBox="1">
+            <a:spLocks noChangeArrowheads="1"/>
+          </p:cNvSpPr>
+          <p:nvPr/>
+        </p:nvSpPr>
+        <p:spPr bwMode="auto">
+          <a:xfrm>
+            <a:off x="8293802" y="4859292"/>
+            <a:ext cx="1516125" cy="400110"/>
+          </a:xfrm>
+          <a:prstGeom prst="rect">
+            <a:avLst/>
+          </a:prstGeom>
+          <a:noFill/>
+          <a:ln>
+            <a:noFill/>
+          </a:ln>
+          <a:extLst>
+            <a:ext uri="{909E8E84-426E-40DD-AFC4-6F175D3DCCD1}">
+              <a14:hiddenFill xmlns:a14="http://schemas.microsoft.com/office/drawing/2010/main">
+                <a:solidFill>
+                  <a:srgbClr val="FFFFFF"/>
+                </a:solidFill>
+              </a14:hiddenFill>
+            </a:ext>
+            <a:ext uri="{91240B29-F687-4F45-9708-019B960494DF}">
+              <a14:hiddenLine xmlns:a14="http://schemas.microsoft.com/office/drawing/2010/main" w="9525">
+                <a:solidFill>
+                  <a:srgbClr val="000000"/>
+                </a:solidFill>
+                <a:miter lim="800000"/>
+                <a:headEnd/>
+                <a:tailEnd/>
+              </a14:hiddenLine>
+            </a:ext>
+          </a:extLst>
+        </p:spPr>
+        <p:txBody>
+          <a:bodyPr wrap="square">
+            <a:spAutoFit/>
+          </a:bodyPr>
+          <a:lstStyle>
+            <a:defPPr>
+              <a:defRPr lang="zh-CN"/>
+            </a:defPPr>
+            <a:lvl1pPr algn="l" rtl="0" eaLnBrk="0" fontAlgn="base" hangingPunct="0">
+              <a:spcBef>
+                <a:spcPct val="0"/>
+              </a:spcBef>
+              <a:spcAft>
+                <a:spcPct val="0"/>
+              </a:spcAft>
+              <a:defRPr kern="1200">
+                <a:solidFill>
+                  <a:schemeClr val="tx1"/>
+                </a:solidFill>
+                <a:latin typeface="Calibri" panose="020F0502020204030204" pitchFamily="34" charset="0"/>
+                <a:ea typeface="宋体" panose="02010600030101010101" pitchFamily="2" charset="-122"/>
+                <a:cs typeface="+mn-cs"/>
+              </a:defRPr>
+            </a:lvl1pPr>
+            <a:lvl2pPr marL="457200" algn="l" rtl="0" eaLnBrk="0" fontAlgn="base" hangingPunct="0">
+              <a:spcBef>
+                <a:spcPct val="0"/>
+              </a:spcBef>
+              <a:spcAft>
+                <a:spcPct val="0"/>
+              </a:spcAft>
+              <a:defRPr kern="1200">
+                <a:solidFill>
+                  <a:schemeClr val="tx1"/>
+                </a:solidFill>
+                <a:latin typeface="Calibri" panose="020F0502020204030204" pitchFamily="34" charset="0"/>
+                <a:ea typeface="宋体" panose="02010600030101010101" pitchFamily="2" charset="-122"/>
+                <a:cs typeface="+mn-cs"/>
+              </a:defRPr>
+            </a:lvl2pPr>
+            <a:lvl3pPr marL="914400" algn="l" rtl="0" eaLnBrk="0" fontAlgn="base" hangingPunct="0">
+              <a:spcBef>
+                <a:spcPct val="0"/>
+              </a:spcBef>
+              <a:spcAft>
+                <a:spcPct val="0"/>
+              </a:spcAft>
+              <a:defRPr kern="1200">
+                <a:solidFill>
+                  <a:schemeClr val="tx1"/>
+                </a:solidFill>
+                <a:latin typeface="Calibri" panose="020F0502020204030204" pitchFamily="34" charset="0"/>
+                <a:ea typeface="宋体" panose="02010600030101010101" pitchFamily="2" charset="-122"/>
+                <a:cs typeface="+mn-cs"/>
+              </a:defRPr>
+            </a:lvl3pPr>
+            <a:lvl4pPr marL="1371600" algn="l" rtl="0" eaLnBrk="0" fontAlgn="base" hangingPunct="0">
+              <a:spcBef>
+                <a:spcPct val="0"/>
+              </a:spcBef>
+              <a:spcAft>
+                <a:spcPct val="0"/>
+              </a:spcAft>
+              <a:defRPr kern="1200">
+                <a:solidFill>
+                  <a:schemeClr val="tx1"/>
+                </a:solidFill>
+                <a:latin typeface="Calibri" panose="020F0502020204030204" pitchFamily="34" charset="0"/>
+                <a:ea typeface="宋体" panose="02010600030101010101" pitchFamily="2" charset="-122"/>
+                <a:cs typeface="+mn-cs"/>
+              </a:defRPr>
+            </a:lvl4pPr>
+            <a:lvl5pPr marL="1828800" algn="l" rtl="0" eaLnBrk="0" fontAlgn="base" hangingPunct="0">
+              <a:spcBef>
+                <a:spcPct val="0"/>
+              </a:spcBef>
+              <a:spcAft>
+                <a:spcPct val="0"/>
+              </a:spcAft>
+              <a:defRPr kern="1200">
+                <a:solidFill>
+                  <a:schemeClr val="tx1"/>
+                </a:solidFill>
+                <a:latin typeface="Calibri" panose="020F0502020204030204" pitchFamily="34" charset="0"/>
+                <a:ea typeface="宋体" panose="02010600030101010101" pitchFamily="2" charset="-122"/>
+                <a:cs typeface="+mn-cs"/>
+              </a:defRPr>
+            </a:lvl5pPr>
+            <a:lvl6pPr marL="2286000" algn="l" defTabSz="914400" rtl="0" eaLnBrk="1" latinLnBrk="0" hangingPunct="1">
+              <a:defRPr kern="1200">
+                <a:solidFill>
+                  <a:schemeClr val="tx1"/>
+                </a:solidFill>
+                <a:latin typeface="Calibri" panose="020F0502020204030204" pitchFamily="34" charset="0"/>
+                <a:ea typeface="宋体" panose="02010600030101010101" pitchFamily="2" charset="-122"/>
+                <a:cs typeface="+mn-cs"/>
+              </a:defRPr>
+            </a:lvl6pPr>
+            <a:lvl7pPr marL="2743200" algn="l" defTabSz="914400" rtl="0" eaLnBrk="1" latinLnBrk="0" hangingPunct="1">
+              <a:defRPr kern="1200">
+                <a:solidFill>
+                  <a:schemeClr val="tx1"/>
+                </a:solidFill>
+                <a:latin typeface="Calibri" panose="020F0502020204030204" pitchFamily="34" charset="0"/>
+                <a:ea typeface="宋体" panose="02010600030101010101" pitchFamily="2" charset="-122"/>
+                <a:cs typeface="+mn-cs"/>
+              </a:defRPr>
+            </a:lvl7pPr>
+            <a:lvl8pPr marL="3200400" algn="l" defTabSz="914400" rtl="0" eaLnBrk="1" latinLnBrk="0" hangingPunct="1">
+              <a:defRPr kern="1200">
+                <a:solidFill>
+                  <a:schemeClr val="tx1"/>
+                </a:solidFill>
+                <a:latin typeface="Calibri" panose="020F0502020204030204" pitchFamily="34" charset="0"/>
+                <a:ea typeface="宋体" panose="02010600030101010101" pitchFamily="2" charset="-122"/>
+                <a:cs typeface="+mn-cs"/>
+              </a:defRPr>
+            </a:lvl8pPr>
+            <a:lvl9pPr marL="3657600" algn="l" defTabSz="914400" rtl="0" eaLnBrk="1" latinLnBrk="0" hangingPunct="1">
+              <a:defRPr kern="1200">
+                <a:solidFill>
+                  <a:schemeClr val="tx1"/>
+                </a:solidFill>
+                <a:latin typeface="Calibri" panose="020F0502020204030204" pitchFamily="34" charset="0"/>
+                <a:ea typeface="宋体" panose="02010600030101010101" pitchFamily="2" charset="-122"/>
+                <a:cs typeface="+mn-cs"/>
+              </a:defRPr>
+            </a:lvl9pPr>
+          </a:lstStyle>
+          <a:p>
+            <a:pPr lvl="0" algn="ctr">
+              <a:defRPr/>
+            </a:pPr>
+            <a:r>
+              <a:rPr kumimoji="0" lang="en-US" altLang="zh-CN" sz="2000" b="0" i="0" u="none" strike="noStrike" kern="1200" cap="none" spc="0" normalizeH="0" baseline="0" noProof="0" dirty="0">
+                <a:ln>
+                  <a:noFill/>
+                </a:ln>
+                <a:effectLst/>
+                <a:uLnTx/>
+                <a:uFillTx/>
+                <a:latin typeface="Tw Cen MT Condensed" panose="020B0606020104020203" pitchFamily="34" charset="0"/>
+                <a:ea typeface="老報宋" pitchFamily="2" charset="-122"/>
+              </a:rPr>
+              <a:t>…</a:t>
+            </a:r>
+            <a:endParaRPr kumimoji="0" lang="zh-CN" altLang="en-US" sz="2000" b="0" i="0" u="none" strike="noStrike" kern="1200" cap="none" spc="0" normalizeH="0" baseline="0" noProof="0" dirty="0">
+              <a:ln>
+                <a:noFill/>
+              </a:ln>
+              <a:effectLst/>
+              <a:uLnTx/>
+              <a:uFillTx/>
+              <a:latin typeface="Tw Cen MT Condensed" panose="020B0606020104020203" pitchFamily="34" charset="0"/>
+              <a:ea typeface="老報宋" pitchFamily="2" charset="-122"/>
+            </a:endParaRPr>
+          </a:p>
+        </p:txBody>
+      </p:sp>
     </p:spTree>
     <p:extLst>
       <p:ext uri="{BB962C8B-B14F-4D97-AF65-F5344CB8AC3E}">
-        <p14:creationId xmlns:p14="http://schemas.microsoft.com/office/powerpoint/2010/main" val="482473528"/>
+        <p14:creationId xmlns:p14="http://schemas.microsoft.com/office/powerpoint/2010/main" val="2248240110"/>
       </p:ext>
     </p:extLst>
   </p:cSld>
@@ -3440,10 +6324,2191 @@
           <a:chExt cx="0" cy="0"/>
         </a:xfrm>
       </p:grpSpPr>
+      <p:pic>
+        <p:nvPicPr>
+          <p:cNvPr id="2" name="Graphic 1">
+            <a:extLst>
+              <a:ext uri="{FF2B5EF4-FFF2-40B4-BE49-F238E27FC236}">
+                <a16:creationId xmlns:a16="http://schemas.microsoft.com/office/drawing/2014/main" id="{4975B59B-3EC9-4750-8894-DCF477A1D948}"/>
+              </a:ext>
+            </a:extLst>
+          </p:cNvPr>
+          <p:cNvPicPr>
+            <a:picLocks noChangeAspect="1"/>
+          </p:cNvPicPr>
+          <p:nvPr/>
+        </p:nvPicPr>
+        <p:blipFill>
+          <a:blip r:embed="rId2">
+            <a:extLst>
+              <a:ext uri="{96DAC541-7B7A-43D3-8B79-37D633B846F1}">
+                <asvg:svgBlip xmlns:asvg="http://schemas.microsoft.com/office/drawing/2016/SVG/main" r:embed="rId3"/>
+              </a:ext>
+            </a:extLst>
+          </a:blip>
+          <a:stretch>
+            <a:fillRect/>
+          </a:stretch>
+        </p:blipFill>
+        <p:spPr>
+          <a:xfrm>
+            <a:off x="2047826" y="2930594"/>
+            <a:ext cx="915265" cy="915265"/>
+          </a:xfrm>
+          <a:prstGeom prst="rect">
+            <a:avLst/>
+          </a:prstGeom>
+        </p:spPr>
+      </p:pic>
+      <p:pic>
+        <p:nvPicPr>
+          <p:cNvPr id="3" name="Graphic 2">
+            <a:extLst>
+              <a:ext uri="{FF2B5EF4-FFF2-40B4-BE49-F238E27FC236}">
+                <a16:creationId xmlns:a16="http://schemas.microsoft.com/office/drawing/2014/main" id="{61F1B444-4A6C-44CD-8028-586D418AA16A}"/>
+              </a:ext>
+            </a:extLst>
+          </p:cNvPr>
+          <p:cNvPicPr>
+            <a:picLocks noChangeAspect="1"/>
+          </p:cNvPicPr>
+          <p:nvPr/>
+        </p:nvPicPr>
+        <p:blipFill>
+          <a:blip r:embed="rId4">
+            <a:extLst>
+              <a:ext uri="{96DAC541-7B7A-43D3-8B79-37D633B846F1}">
+                <asvg:svgBlip xmlns:asvg="http://schemas.microsoft.com/office/drawing/2016/SVG/main" r:embed="rId5"/>
+              </a:ext>
+            </a:extLst>
+          </a:blip>
+          <a:stretch>
+            <a:fillRect/>
+          </a:stretch>
+        </p:blipFill>
+        <p:spPr>
+          <a:xfrm>
+            <a:off x="4090706" y="2760569"/>
+            <a:ext cx="2005294" cy="1336862"/>
+          </a:xfrm>
+          <a:prstGeom prst="rect">
+            <a:avLst/>
+          </a:prstGeom>
+        </p:spPr>
+      </p:pic>
+      <p:sp>
+        <p:nvSpPr>
+          <p:cNvPr id="4" name="文本框 2">
+            <a:extLst>
+              <a:ext uri="{FF2B5EF4-FFF2-40B4-BE49-F238E27FC236}">
+                <a16:creationId xmlns:a16="http://schemas.microsoft.com/office/drawing/2014/main" id="{6017A0FA-A95D-4891-A4A9-BCB72A9D8696}"/>
+              </a:ext>
+            </a:extLst>
+          </p:cNvPr>
+          <p:cNvSpPr txBox="1">
+            <a:spLocks noChangeArrowheads="1"/>
+          </p:cNvSpPr>
+          <p:nvPr/>
+        </p:nvSpPr>
+        <p:spPr bwMode="auto">
+          <a:xfrm>
+            <a:off x="462279" y="5740415"/>
+            <a:ext cx="2127505" cy="769441"/>
+          </a:xfrm>
+          <a:prstGeom prst="rect">
+            <a:avLst/>
+          </a:prstGeom>
+          <a:noFill/>
+          <a:ln>
+            <a:noFill/>
+          </a:ln>
+          <a:extLst>
+            <a:ext uri="{909E8E84-426E-40DD-AFC4-6F175D3DCCD1}">
+              <a14:hiddenFill xmlns:a14="http://schemas.microsoft.com/office/drawing/2010/main">
+                <a:solidFill>
+                  <a:srgbClr val="FFFFFF"/>
+                </a:solidFill>
+              </a14:hiddenFill>
+            </a:ext>
+            <a:ext uri="{91240B29-F687-4F45-9708-019B960494DF}">
+              <a14:hiddenLine xmlns:a14="http://schemas.microsoft.com/office/drawing/2010/main" w="9525">
+                <a:solidFill>
+                  <a:srgbClr val="000000"/>
+                </a:solidFill>
+                <a:miter lim="800000"/>
+                <a:headEnd/>
+                <a:tailEnd/>
+              </a14:hiddenLine>
+            </a:ext>
+          </a:extLst>
+        </p:spPr>
+        <p:txBody>
+          <a:bodyPr wrap="none">
+            <a:spAutoFit/>
+          </a:bodyPr>
+          <a:lstStyle>
+            <a:defPPr>
+              <a:defRPr lang="zh-CN"/>
+            </a:defPPr>
+            <a:lvl1pPr algn="l" rtl="0" eaLnBrk="0" fontAlgn="base" hangingPunct="0">
+              <a:spcBef>
+                <a:spcPct val="0"/>
+              </a:spcBef>
+              <a:spcAft>
+                <a:spcPct val="0"/>
+              </a:spcAft>
+              <a:defRPr kern="1200">
+                <a:solidFill>
+                  <a:schemeClr val="tx1"/>
+                </a:solidFill>
+                <a:latin typeface="Calibri" panose="020F0502020204030204" pitchFamily="34" charset="0"/>
+                <a:ea typeface="宋体" panose="02010600030101010101" pitchFamily="2" charset="-122"/>
+                <a:cs typeface="+mn-cs"/>
+              </a:defRPr>
+            </a:lvl1pPr>
+            <a:lvl2pPr marL="457200" algn="l" rtl="0" eaLnBrk="0" fontAlgn="base" hangingPunct="0">
+              <a:spcBef>
+                <a:spcPct val="0"/>
+              </a:spcBef>
+              <a:spcAft>
+                <a:spcPct val="0"/>
+              </a:spcAft>
+              <a:defRPr kern="1200">
+                <a:solidFill>
+                  <a:schemeClr val="tx1"/>
+                </a:solidFill>
+                <a:latin typeface="Calibri" panose="020F0502020204030204" pitchFamily="34" charset="0"/>
+                <a:ea typeface="宋体" panose="02010600030101010101" pitchFamily="2" charset="-122"/>
+                <a:cs typeface="+mn-cs"/>
+              </a:defRPr>
+            </a:lvl2pPr>
+            <a:lvl3pPr marL="914400" algn="l" rtl="0" eaLnBrk="0" fontAlgn="base" hangingPunct="0">
+              <a:spcBef>
+                <a:spcPct val="0"/>
+              </a:spcBef>
+              <a:spcAft>
+                <a:spcPct val="0"/>
+              </a:spcAft>
+              <a:defRPr kern="1200">
+                <a:solidFill>
+                  <a:schemeClr val="tx1"/>
+                </a:solidFill>
+                <a:latin typeface="Calibri" panose="020F0502020204030204" pitchFamily="34" charset="0"/>
+                <a:ea typeface="宋体" panose="02010600030101010101" pitchFamily="2" charset="-122"/>
+                <a:cs typeface="+mn-cs"/>
+              </a:defRPr>
+            </a:lvl3pPr>
+            <a:lvl4pPr marL="1371600" algn="l" rtl="0" eaLnBrk="0" fontAlgn="base" hangingPunct="0">
+              <a:spcBef>
+                <a:spcPct val="0"/>
+              </a:spcBef>
+              <a:spcAft>
+                <a:spcPct val="0"/>
+              </a:spcAft>
+              <a:defRPr kern="1200">
+                <a:solidFill>
+                  <a:schemeClr val="tx1"/>
+                </a:solidFill>
+                <a:latin typeface="Calibri" panose="020F0502020204030204" pitchFamily="34" charset="0"/>
+                <a:ea typeface="宋体" panose="02010600030101010101" pitchFamily="2" charset="-122"/>
+                <a:cs typeface="+mn-cs"/>
+              </a:defRPr>
+            </a:lvl4pPr>
+            <a:lvl5pPr marL="1828800" algn="l" rtl="0" eaLnBrk="0" fontAlgn="base" hangingPunct="0">
+              <a:spcBef>
+                <a:spcPct val="0"/>
+              </a:spcBef>
+              <a:spcAft>
+                <a:spcPct val="0"/>
+              </a:spcAft>
+              <a:defRPr kern="1200">
+                <a:solidFill>
+                  <a:schemeClr val="tx1"/>
+                </a:solidFill>
+                <a:latin typeface="Calibri" panose="020F0502020204030204" pitchFamily="34" charset="0"/>
+                <a:ea typeface="宋体" panose="02010600030101010101" pitchFamily="2" charset="-122"/>
+                <a:cs typeface="+mn-cs"/>
+              </a:defRPr>
+            </a:lvl5pPr>
+            <a:lvl6pPr marL="2286000" algn="l" defTabSz="914400" rtl="0" eaLnBrk="1" latinLnBrk="0" hangingPunct="1">
+              <a:defRPr kern="1200">
+                <a:solidFill>
+                  <a:schemeClr val="tx1"/>
+                </a:solidFill>
+                <a:latin typeface="Calibri" panose="020F0502020204030204" pitchFamily="34" charset="0"/>
+                <a:ea typeface="宋体" panose="02010600030101010101" pitchFamily="2" charset="-122"/>
+                <a:cs typeface="+mn-cs"/>
+              </a:defRPr>
+            </a:lvl6pPr>
+            <a:lvl7pPr marL="2743200" algn="l" defTabSz="914400" rtl="0" eaLnBrk="1" latinLnBrk="0" hangingPunct="1">
+              <a:defRPr kern="1200">
+                <a:solidFill>
+                  <a:schemeClr val="tx1"/>
+                </a:solidFill>
+                <a:latin typeface="Calibri" panose="020F0502020204030204" pitchFamily="34" charset="0"/>
+                <a:ea typeface="宋体" panose="02010600030101010101" pitchFamily="2" charset="-122"/>
+                <a:cs typeface="+mn-cs"/>
+              </a:defRPr>
+            </a:lvl7pPr>
+            <a:lvl8pPr marL="3200400" algn="l" defTabSz="914400" rtl="0" eaLnBrk="1" latinLnBrk="0" hangingPunct="1">
+              <a:defRPr kern="1200">
+                <a:solidFill>
+                  <a:schemeClr val="tx1"/>
+                </a:solidFill>
+                <a:latin typeface="Calibri" panose="020F0502020204030204" pitchFamily="34" charset="0"/>
+                <a:ea typeface="宋体" panose="02010600030101010101" pitchFamily="2" charset="-122"/>
+                <a:cs typeface="+mn-cs"/>
+              </a:defRPr>
+            </a:lvl8pPr>
+            <a:lvl9pPr marL="3657600" algn="l" defTabSz="914400" rtl="0" eaLnBrk="1" latinLnBrk="0" hangingPunct="1">
+              <a:defRPr kern="1200">
+                <a:solidFill>
+                  <a:schemeClr val="tx1"/>
+                </a:solidFill>
+                <a:latin typeface="Calibri" panose="020F0502020204030204" pitchFamily="34" charset="0"/>
+                <a:ea typeface="宋体" panose="02010600030101010101" pitchFamily="2" charset="-122"/>
+                <a:cs typeface="+mn-cs"/>
+              </a:defRPr>
+            </a:lvl9pPr>
+          </a:lstStyle>
+          <a:p>
+            <a:pPr lvl="0">
+              <a:defRPr/>
+            </a:pPr>
+            <a:r>
+              <a:rPr kumimoji="0" lang="en-US" altLang="zh-CN" sz="4400" b="0" i="0" u="none" strike="noStrike" kern="1200" cap="none" spc="0" normalizeH="0" baseline="0" noProof="0" dirty="0">
+                <a:ln>
+                  <a:noFill/>
+                </a:ln>
+                <a:effectLst/>
+                <a:uLnTx/>
+                <a:uFillTx/>
+                <a:latin typeface="Tw Cen MT Condensed" panose="020B0606020104020203" pitchFamily="34" charset="0"/>
+                <a:ea typeface="老報宋" pitchFamily="2" charset="-122"/>
+              </a:rPr>
+              <a:t>Milestone 1</a:t>
+            </a:r>
+            <a:endParaRPr kumimoji="0" lang="zh-CN" altLang="en-US" sz="4400" b="0" i="0" u="none" strike="noStrike" kern="1200" cap="none" spc="0" normalizeH="0" baseline="0" noProof="0" dirty="0">
+              <a:ln>
+                <a:noFill/>
+              </a:ln>
+              <a:effectLst/>
+              <a:uLnTx/>
+              <a:uFillTx/>
+              <a:latin typeface="Tw Cen MT Condensed" panose="020B0606020104020203" pitchFamily="34" charset="0"/>
+              <a:ea typeface="老報宋" pitchFamily="2" charset="-122"/>
+            </a:endParaRPr>
+          </a:p>
+        </p:txBody>
+      </p:sp>
+      <p:sp>
+        <p:nvSpPr>
+          <p:cNvPr id="5" name="文本框 2">
+            <a:extLst>
+              <a:ext uri="{FF2B5EF4-FFF2-40B4-BE49-F238E27FC236}">
+                <a16:creationId xmlns:a16="http://schemas.microsoft.com/office/drawing/2014/main" id="{3F6B1B0B-C373-4864-A4CE-1C2883C702D3}"/>
+              </a:ext>
+            </a:extLst>
+          </p:cNvPr>
+          <p:cNvSpPr txBox="1">
+            <a:spLocks noChangeArrowheads="1"/>
+          </p:cNvSpPr>
+          <p:nvPr/>
+        </p:nvSpPr>
+        <p:spPr bwMode="auto">
+          <a:xfrm>
+            <a:off x="1747395" y="3845859"/>
+            <a:ext cx="1516125" cy="400110"/>
+          </a:xfrm>
+          <a:prstGeom prst="rect">
+            <a:avLst/>
+          </a:prstGeom>
+          <a:noFill/>
+          <a:ln>
+            <a:noFill/>
+          </a:ln>
+          <a:extLst>
+            <a:ext uri="{909E8E84-426E-40DD-AFC4-6F175D3DCCD1}">
+              <a14:hiddenFill xmlns:a14="http://schemas.microsoft.com/office/drawing/2010/main">
+                <a:solidFill>
+                  <a:srgbClr val="FFFFFF"/>
+                </a:solidFill>
+              </a14:hiddenFill>
+            </a:ext>
+            <a:ext uri="{91240B29-F687-4F45-9708-019B960494DF}">
+              <a14:hiddenLine xmlns:a14="http://schemas.microsoft.com/office/drawing/2010/main" w="9525">
+                <a:solidFill>
+                  <a:srgbClr val="000000"/>
+                </a:solidFill>
+                <a:miter lim="800000"/>
+                <a:headEnd/>
+                <a:tailEnd/>
+              </a14:hiddenLine>
+            </a:ext>
+          </a:extLst>
+        </p:spPr>
+        <p:txBody>
+          <a:bodyPr wrap="square">
+            <a:spAutoFit/>
+          </a:bodyPr>
+          <a:lstStyle>
+            <a:defPPr>
+              <a:defRPr lang="zh-CN"/>
+            </a:defPPr>
+            <a:lvl1pPr algn="l" rtl="0" eaLnBrk="0" fontAlgn="base" hangingPunct="0">
+              <a:spcBef>
+                <a:spcPct val="0"/>
+              </a:spcBef>
+              <a:spcAft>
+                <a:spcPct val="0"/>
+              </a:spcAft>
+              <a:defRPr kern="1200">
+                <a:solidFill>
+                  <a:schemeClr val="tx1"/>
+                </a:solidFill>
+                <a:latin typeface="Calibri" panose="020F0502020204030204" pitchFamily="34" charset="0"/>
+                <a:ea typeface="宋体" panose="02010600030101010101" pitchFamily="2" charset="-122"/>
+                <a:cs typeface="+mn-cs"/>
+              </a:defRPr>
+            </a:lvl1pPr>
+            <a:lvl2pPr marL="457200" algn="l" rtl="0" eaLnBrk="0" fontAlgn="base" hangingPunct="0">
+              <a:spcBef>
+                <a:spcPct val="0"/>
+              </a:spcBef>
+              <a:spcAft>
+                <a:spcPct val="0"/>
+              </a:spcAft>
+              <a:defRPr kern="1200">
+                <a:solidFill>
+                  <a:schemeClr val="tx1"/>
+                </a:solidFill>
+                <a:latin typeface="Calibri" panose="020F0502020204030204" pitchFamily="34" charset="0"/>
+                <a:ea typeface="宋体" panose="02010600030101010101" pitchFamily="2" charset="-122"/>
+                <a:cs typeface="+mn-cs"/>
+              </a:defRPr>
+            </a:lvl2pPr>
+            <a:lvl3pPr marL="914400" algn="l" rtl="0" eaLnBrk="0" fontAlgn="base" hangingPunct="0">
+              <a:spcBef>
+                <a:spcPct val="0"/>
+              </a:spcBef>
+              <a:spcAft>
+                <a:spcPct val="0"/>
+              </a:spcAft>
+              <a:defRPr kern="1200">
+                <a:solidFill>
+                  <a:schemeClr val="tx1"/>
+                </a:solidFill>
+                <a:latin typeface="Calibri" panose="020F0502020204030204" pitchFamily="34" charset="0"/>
+                <a:ea typeface="宋体" panose="02010600030101010101" pitchFamily="2" charset="-122"/>
+                <a:cs typeface="+mn-cs"/>
+              </a:defRPr>
+            </a:lvl3pPr>
+            <a:lvl4pPr marL="1371600" algn="l" rtl="0" eaLnBrk="0" fontAlgn="base" hangingPunct="0">
+              <a:spcBef>
+                <a:spcPct val="0"/>
+              </a:spcBef>
+              <a:spcAft>
+                <a:spcPct val="0"/>
+              </a:spcAft>
+              <a:defRPr kern="1200">
+                <a:solidFill>
+                  <a:schemeClr val="tx1"/>
+                </a:solidFill>
+                <a:latin typeface="Calibri" panose="020F0502020204030204" pitchFamily="34" charset="0"/>
+                <a:ea typeface="宋体" panose="02010600030101010101" pitchFamily="2" charset="-122"/>
+                <a:cs typeface="+mn-cs"/>
+              </a:defRPr>
+            </a:lvl4pPr>
+            <a:lvl5pPr marL="1828800" algn="l" rtl="0" eaLnBrk="0" fontAlgn="base" hangingPunct="0">
+              <a:spcBef>
+                <a:spcPct val="0"/>
+              </a:spcBef>
+              <a:spcAft>
+                <a:spcPct val="0"/>
+              </a:spcAft>
+              <a:defRPr kern="1200">
+                <a:solidFill>
+                  <a:schemeClr val="tx1"/>
+                </a:solidFill>
+                <a:latin typeface="Calibri" panose="020F0502020204030204" pitchFamily="34" charset="0"/>
+                <a:ea typeface="宋体" panose="02010600030101010101" pitchFamily="2" charset="-122"/>
+                <a:cs typeface="+mn-cs"/>
+              </a:defRPr>
+            </a:lvl5pPr>
+            <a:lvl6pPr marL="2286000" algn="l" defTabSz="914400" rtl="0" eaLnBrk="1" latinLnBrk="0" hangingPunct="1">
+              <a:defRPr kern="1200">
+                <a:solidFill>
+                  <a:schemeClr val="tx1"/>
+                </a:solidFill>
+                <a:latin typeface="Calibri" panose="020F0502020204030204" pitchFamily="34" charset="0"/>
+                <a:ea typeface="宋体" panose="02010600030101010101" pitchFamily="2" charset="-122"/>
+                <a:cs typeface="+mn-cs"/>
+              </a:defRPr>
+            </a:lvl6pPr>
+            <a:lvl7pPr marL="2743200" algn="l" defTabSz="914400" rtl="0" eaLnBrk="1" latinLnBrk="0" hangingPunct="1">
+              <a:defRPr kern="1200">
+                <a:solidFill>
+                  <a:schemeClr val="tx1"/>
+                </a:solidFill>
+                <a:latin typeface="Calibri" panose="020F0502020204030204" pitchFamily="34" charset="0"/>
+                <a:ea typeface="宋体" panose="02010600030101010101" pitchFamily="2" charset="-122"/>
+                <a:cs typeface="+mn-cs"/>
+              </a:defRPr>
+            </a:lvl7pPr>
+            <a:lvl8pPr marL="3200400" algn="l" defTabSz="914400" rtl="0" eaLnBrk="1" latinLnBrk="0" hangingPunct="1">
+              <a:defRPr kern="1200">
+                <a:solidFill>
+                  <a:schemeClr val="tx1"/>
+                </a:solidFill>
+                <a:latin typeface="Calibri" panose="020F0502020204030204" pitchFamily="34" charset="0"/>
+                <a:ea typeface="宋体" panose="02010600030101010101" pitchFamily="2" charset="-122"/>
+                <a:cs typeface="+mn-cs"/>
+              </a:defRPr>
+            </a:lvl8pPr>
+            <a:lvl9pPr marL="3657600" algn="l" defTabSz="914400" rtl="0" eaLnBrk="1" latinLnBrk="0" hangingPunct="1">
+              <a:defRPr kern="1200">
+                <a:solidFill>
+                  <a:schemeClr val="tx1"/>
+                </a:solidFill>
+                <a:latin typeface="Calibri" panose="020F0502020204030204" pitchFamily="34" charset="0"/>
+                <a:ea typeface="宋体" panose="02010600030101010101" pitchFamily="2" charset="-122"/>
+                <a:cs typeface="+mn-cs"/>
+              </a:defRPr>
+            </a:lvl9pPr>
+          </a:lstStyle>
+          <a:p>
+            <a:pPr lvl="0" algn="ctr">
+              <a:defRPr/>
+            </a:pPr>
+            <a:r>
+              <a:rPr kumimoji="0" lang="en-US" altLang="zh-CN" sz="2000" b="0" i="0" u="none" strike="noStrike" kern="1200" cap="none" spc="0" normalizeH="0" baseline="0" noProof="0" dirty="0">
+                <a:ln>
+                  <a:noFill/>
+                </a:ln>
+                <a:effectLst/>
+                <a:uLnTx/>
+                <a:uFillTx/>
+                <a:latin typeface="Tw Cen MT Condensed" panose="020B0606020104020203" pitchFamily="34" charset="0"/>
+                <a:ea typeface="老報宋" pitchFamily="2" charset="-122"/>
+              </a:rPr>
+              <a:t>Ansible Script</a:t>
+            </a:r>
+            <a:endParaRPr kumimoji="0" lang="zh-CN" altLang="en-US" sz="2000" b="0" i="0" u="none" strike="noStrike" kern="1200" cap="none" spc="0" normalizeH="0" baseline="0" noProof="0" dirty="0">
+              <a:ln>
+                <a:noFill/>
+              </a:ln>
+              <a:effectLst/>
+              <a:uLnTx/>
+              <a:uFillTx/>
+              <a:latin typeface="Tw Cen MT Condensed" panose="020B0606020104020203" pitchFamily="34" charset="0"/>
+              <a:ea typeface="老報宋" pitchFamily="2" charset="-122"/>
+            </a:endParaRPr>
+          </a:p>
+        </p:txBody>
+      </p:sp>
+      <p:sp>
+        <p:nvSpPr>
+          <p:cNvPr id="6" name="文本框 2">
+            <a:extLst>
+              <a:ext uri="{FF2B5EF4-FFF2-40B4-BE49-F238E27FC236}">
+                <a16:creationId xmlns:a16="http://schemas.microsoft.com/office/drawing/2014/main" id="{EE640D60-44FE-4E25-99B8-D273D14938ED}"/>
+              </a:ext>
+            </a:extLst>
+          </p:cNvPr>
+          <p:cNvSpPr txBox="1">
+            <a:spLocks noChangeArrowheads="1"/>
+          </p:cNvSpPr>
+          <p:nvPr/>
+        </p:nvSpPr>
+        <p:spPr bwMode="auto">
+          <a:xfrm>
+            <a:off x="4286648" y="4151219"/>
+            <a:ext cx="1516125" cy="400110"/>
+          </a:xfrm>
+          <a:prstGeom prst="rect">
+            <a:avLst/>
+          </a:prstGeom>
+          <a:noFill/>
+          <a:ln>
+            <a:noFill/>
+          </a:ln>
+          <a:extLst>
+            <a:ext uri="{909E8E84-426E-40DD-AFC4-6F175D3DCCD1}">
+              <a14:hiddenFill xmlns:a14="http://schemas.microsoft.com/office/drawing/2010/main">
+                <a:solidFill>
+                  <a:srgbClr val="FFFFFF"/>
+                </a:solidFill>
+              </a14:hiddenFill>
+            </a:ext>
+            <a:ext uri="{91240B29-F687-4F45-9708-019B960494DF}">
+              <a14:hiddenLine xmlns:a14="http://schemas.microsoft.com/office/drawing/2010/main" w="9525">
+                <a:solidFill>
+                  <a:srgbClr val="000000"/>
+                </a:solidFill>
+                <a:miter lim="800000"/>
+                <a:headEnd/>
+                <a:tailEnd/>
+              </a14:hiddenLine>
+            </a:ext>
+          </a:extLst>
+        </p:spPr>
+        <p:txBody>
+          <a:bodyPr wrap="square">
+            <a:spAutoFit/>
+          </a:bodyPr>
+          <a:lstStyle>
+            <a:defPPr>
+              <a:defRPr lang="zh-CN"/>
+            </a:defPPr>
+            <a:lvl1pPr algn="l" rtl="0" eaLnBrk="0" fontAlgn="base" hangingPunct="0">
+              <a:spcBef>
+                <a:spcPct val="0"/>
+              </a:spcBef>
+              <a:spcAft>
+                <a:spcPct val="0"/>
+              </a:spcAft>
+              <a:defRPr kern="1200">
+                <a:solidFill>
+                  <a:schemeClr val="tx1"/>
+                </a:solidFill>
+                <a:latin typeface="Calibri" panose="020F0502020204030204" pitchFamily="34" charset="0"/>
+                <a:ea typeface="宋体" panose="02010600030101010101" pitchFamily="2" charset="-122"/>
+                <a:cs typeface="+mn-cs"/>
+              </a:defRPr>
+            </a:lvl1pPr>
+            <a:lvl2pPr marL="457200" algn="l" rtl="0" eaLnBrk="0" fontAlgn="base" hangingPunct="0">
+              <a:spcBef>
+                <a:spcPct val="0"/>
+              </a:spcBef>
+              <a:spcAft>
+                <a:spcPct val="0"/>
+              </a:spcAft>
+              <a:defRPr kern="1200">
+                <a:solidFill>
+                  <a:schemeClr val="tx1"/>
+                </a:solidFill>
+                <a:latin typeface="Calibri" panose="020F0502020204030204" pitchFamily="34" charset="0"/>
+                <a:ea typeface="宋体" panose="02010600030101010101" pitchFamily="2" charset="-122"/>
+                <a:cs typeface="+mn-cs"/>
+              </a:defRPr>
+            </a:lvl2pPr>
+            <a:lvl3pPr marL="914400" algn="l" rtl="0" eaLnBrk="0" fontAlgn="base" hangingPunct="0">
+              <a:spcBef>
+                <a:spcPct val="0"/>
+              </a:spcBef>
+              <a:spcAft>
+                <a:spcPct val="0"/>
+              </a:spcAft>
+              <a:defRPr kern="1200">
+                <a:solidFill>
+                  <a:schemeClr val="tx1"/>
+                </a:solidFill>
+                <a:latin typeface="Calibri" panose="020F0502020204030204" pitchFamily="34" charset="0"/>
+                <a:ea typeface="宋体" panose="02010600030101010101" pitchFamily="2" charset="-122"/>
+                <a:cs typeface="+mn-cs"/>
+              </a:defRPr>
+            </a:lvl3pPr>
+            <a:lvl4pPr marL="1371600" algn="l" rtl="0" eaLnBrk="0" fontAlgn="base" hangingPunct="0">
+              <a:spcBef>
+                <a:spcPct val="0"/>
+              </a:spcBef>
+              <a:spcAft>
+                <a:spcPct val="0"/>
+              </a:spcAft>
+              <a:defRPr kern="1200">
+                <a:solidFill>
+                  <a:schemeClr val="tx1"/>
+                </a:solidFill>
+                <a:latin typeface="Calibri" panose="020F0502020204030204" pitchFamily="34" charset="0"/>
+                <a:ea typeface="宋体" panose="02010600030101010101" pitchFamily="2" charset="-122"/>
+                <a:cs typeface="+mn-cs"/>
+              </a:defRPr>
+            </a:lvl4pPr>
+            <a:lvl5pPr marL="1828800" algn="l" rtl="0" eaLnBrk="0" fontAlgn="base" hangingPunct="0">
+              <a:spcBef>
+                <a:spcPct val="0"/>
+              </a:spcBef>
+              <a:spcAft>
+                <a:spcPct val="0"/>
+              </a:spcAft>
+              <a:defRPr kern="1200">
+                <a:solidFill>
+                  <a:schemeClr val="tx1"/>
+                </a:solidFill>
+                <a:latin typeface="Calibri" panose="020F0502020204030204" pitchFamily="34" charset="0"/>
+                <a:ea typeface="宋体" panose="02010600030101010101" pitchFamily="2" charset="-122"/>
+                <a:cs typeface="+mn-cs"/>
+              </a:defRPr>
+            </a:lvl5pPr>
+            <a:lvl6pPr marL="2286000" algn="l" defTabSz="914400" rtl="0" eaLnBrk="1" latinLnBrk="0" hangingPunct="1">
+              <a:defRPr kern="1200">
+                <a:solidFill>
+                  <a:schemeClr val="tx1"/>
+                </a:solidFill>
+                <a:latin typeface="Calibri" panose="020F0502020204030204" pitchFamily="34" charset="0"/>
+                <a:ea typeface="宋体" panose="02010600030101010101" pitchFamily="2" charset="-122"/>
+                <a:cs typeface="+mn-cs"/>
+              </a:defRPr>
+            </a:lvl6pPr>
+            <a:lvl7pPr marL="2743200" algn="l" defTabSz="914400" rtl="0" eaLnBrk="1" latinLnBrk="0" hangingPunct="1">
+              <a:defRPr kern="1200">
+                <a:solidFill>
+                  <a:schemeClr val="tx1"/>
+                </a:solidFill>
+                <a:latin typeface="Calibri" panose="020F0502020204030204" pitchFamily="34" charset="0"/>
+                <a:ea typeface="宋体" panose="02010600030101010101" pitchFamily="2" charset="-122"/>
+                <a:cs typeface="+mn-cs"/>
+              </a:defRPr>
+            </a:lvl7pPr>
+            <a:lvl8pPr marL="3200400" algn="l" defTabSz="914400" rtl="0" eaLnBrk="1" latinLnBrk="0" hangingPunct="1">
+              <a:defRPr kern="1200">
+                <a:solidFill>
+                  <a:schemeClr val="tx1"/>
+                </a:solidFill>
+                <a:latin typeface="Calibri" panose="020F0502020204030204" pitchFamily="34" charset="0"/>
+                <a:ea typeface="宋体" panose="02010600030101010101" pitchFamily="2" charset="-122"/>
+                <a:cs typeface="+mn-cs"/>
+              </a:defRPr>
+            </a:lvl8pPr>
+            <a:lvl9pPr marL="3657600" algn="l" defTabSz="914400" rtl="0" eaLnBrk="1" latinLnBrk="0" hangingPunct="1">
+              <a:defRPr kern="1200">
+                <a:solidFill>
+                  <a:schemeClr val="tx1"/>
+                </a:solidFill>
+                <a:latin typeface="Calibri" panose="020F0502020204030204" pitchFamily="34" charset="0"/>
+                <a:ea typeface="宋体" panose="02010600030101010101" pitchFamily="2" charset="-122"/>
+                <a:cs typeface="+mn-cs"/>
+              </a:defRPr>
+            </a:lvl9pPr>
+          </a:lstStyle>
+          <a:p>
+            <a:pPr lvl="0" algn="ctr">
+              <a:defRPr/>
+            </a:pPr>
+            <a:r>
+              <a:rPr kumimoji="0" lang="en-US" altLang="zh-CN" sz="2000" b="0" i="0" u="none" strike="noStrike" kern="1200" cap="none" spc="0" normalizeH="0" baseline="0" noProof="0" dirty="0">
+                <a:ln>
+                  <a:noFill/>
+                </a:ln>
+                <a:effectLst/>
+                <a:uLnTx/>
+                <a:uFillTx/>
+                <a:latin typeface="Tw Cen MT Condensed" panose="020B0606020104020203" pitchFamily="34" charset="0"/>
+                <a:ea typeface="老報宋" pitchFamily="2" charset="-122"/>
+              </a:rPr>
+              <a:t>Jenkins Server</a:t>
+            </a:r>
+            <a:endParaRPr kumimoji="0" lang="zh-CN" altLang="en-US" sz="2000" b="0" i="0" u="none" strike="noStrike" kern="1200" cap="none" spc="0" normalizeH="0" baseline="0" noProof="0" dirty="0">
+              <a:ln>
+                <a:noFill/>
+              </a:ln>
+              <a:effectLst/>
+              <a:uLnTx/>
+              <a:uFillTx/>
+              <a:latin typeface="Tw Cen MT Condensed" panose="020B0606020104020203" pitchFamily="34" charset="0"/>
+              <a:ea typeface="老報宋" pitchFamily="2" charset="-122"/>
+            </a:endParaRPr>
+          </a:p>
+        </p:txBody>
+      </p:sp>
+      <p:pic>
+        <p:nvPicPr>
+          <p:cNvPr id="8" name="Graphic 7">
+            <a:extLst>
+              <a:ext uri="{FF2B5EF4-FFF2-40B4-BE49-F238E27FC236}">
+                <a16:creationId xmlns:a16="http://schemas.microsoft.com/office/drawing/2014/main" id="{A860A553-B22B-4FE1-9F3B-21CF333FD923}"/>
+              </a:ext>
+            </a:extLst>
+          </p:cNvPr>
+          <p:cNvPicPr>
+            <a:picLocks noChangeAspect="1"/>
+          </p:cNvPicPr>
+          <p:nvPr/>
+        </p:nvPicPr>
+        <p:blipFill>
+          <a:blip r:embed="rId6">
+            <a:extLst>
+              <a:ext uri="{96DAC541-7B7A-43D3-8B79-37D633B846F1}">
+                <asvg:svgBlip xmlns:asvg="http://schemas.microsoft.com/office/drawing/2016/SVG/main" r:embed="rId7"/>
+              </a:ext>
+            </a:extLst>
+          </a:blip>
+          <a:stretch>
+            <a:fillRect/>
+          </a:stretch>
+        </p:blipFill>
+        <p:spPr>
+          <a:xfrm>
+            <a:off x="8243043" y="854169"/>
+            <a:ext cx="1699933" cy="991628"/>
+          </a:xfrm>
+          <a:prstGeom prst="rect">
+            <a:avLst/>
+          </a:prstGeom>
+        </p:spPr>
+      </p:pic>
+      <p:cxnSp>
+        <p:nvCxnSpPr>
+          <p:cNvPr id="10" name="Straight Arrow Connector 9">
+            <a:extLst>
+              <a:ext uri="{FF2B5EF4-FFF2-40B4-BE49-F238E27FC236}">
+                <a16:creationId xmlns:a16="http://schemas.microsoft.com/office/drawing/2014/main" id="{59B66D70-3994-43C9-9C78-A2000DA23E3C}"/>
+              </a:ext>
+            </a:extLst>
+          </p:cNvPr>
+          <p:cNvCxnSpPr>
+            <a:cxnSpLocks/>
+          </p:cNvCxnSpPr>
+          <p:nvPr/>
+        </p:nvCxnSpPr>
+        <p:spPr>
+          <a:xfrm>
+            <a:off x="3132041" y="3429000"/>
+            <a:ext cx="854178" cy="0"/>
+          </a:xfrm>
+          <a:prstGeom prst="straightConnector1">
+            <a:avLst/>
+          </a:prstGeom>
+          <a:ln w="28575">
+            <a:solidFill>
+              <a:schemeClr val="tx1">
+                <a:lumMod val="95000"/>
+                <a:lumOff val="5000"/>
+              </a:schemeClr>
+            </a:solidFill>
+            <a:prstDash val="sysDash"/>
+            <a:tailEnd type="triangle"/>
+          </a:ln>
+        </p:spPr>
+        <p:style>
+          <a:lnRef idx="1">
+            <a:schemeClr val="accent1"/>
+          </a:lnRef>
+          <a:fillRef idx="0">
+            <a:schemeClr val="accent1"/>
+          </a:fillRef>
+          <a:effectRef idx="0">
+            <a:schemeClr val="accent1"/>
+          </a:effectRef>
+          <a:fontRef idx="minor">
+            <a:schemeClr val="tx1"/>
+          </a:fontRef>
+        </p:style>
+      </p:cxnSp>
+      <p:cxnSp>
+        <p:nvCxnSpPr>
+          <p:cNvPr id="13" name="Straight Arrow Connector 12">
+            <a:extLst>
+              <a:ext uri="{FF2B5EF4-FFF2-40B4-BE49-F238E27FC236}">
+                <a16:creationId xmlns:a16="http://schemas.microsoft.com/office/drawing/2014/main" id="{66FCF3BD-F102-4044-BB48-B494401645B4}"/>
+              </a:ext>
+            </a:extLst>
+          </p:cNvPr>
+          <p:cNvCxnSpPr>
+            <a:cxnSpLocks/>
+          </p:cNvCxnSpPr>
+          <p:nvPr/>
+        </p:nvCxnSpPr>
+        <p:spPr>
+          <a:xfrm flipV="1">
+            <a:off x="6258483" y="1845797"/>
+            <a:ext cx="1775011" cy="1152897"/>
+          </a:xfrm>
+          <a:prstGeom prst="straightConnector1">
+            <a:avLst/>
+          </a:prstGeom>
+          <a:ln w="28575">
+            <a:solidFill>
+              <a:schemeClr val="tx1">
+                <a:lumMod val="95000"/>
+                <a:lumOff val="5000"/>
+              </a:schemeClr>
+            </a:solidFill>
+            <a:prstDash val="sysDash"/>
+            <a:tailEnd type="triangle"/>
+          </a:ln>
+        </p:spPr>
+        <p:style>
+          <a:lnRef idx="1">
+            <a:schemeClr val="accent1"/>
+          </a:lnRef>
+          <a:fillRef idx="0">
+            <a:schemeClr val="accent1"/>
+          </a:fillRef>
+          <a:effectRef idx="0">
+            <a:schemeClr val="accent1"/>
+          </a:effectRef>
+          <a:fontRef idx="minor">
+            <a:schemeClr val="tx1"/>
+          </a:fontRef>
+        </p:style>
+      </p:cxnSp>
+      <p:sp>
+        <p:nvSpPr>
+          <p:cNvPr id="16" name="文本框 2">
+            <a:extLst>
+              <a:ext uri="{FF2B5EF4-FFF2-40B4-BE49-F238E27FC236}">
+                <a16:creationId xmlns:a16="http://schemas.microsoft.com/office/drawing/2014/main" id="{88FE238E-7801-4265-AAB2-BF785F7C8D3D}"/>
+              </a:ext>
+            </a:extLst>
+          </p:cNvPr>
+          <p:cNvSpPr txBox="1">
+            <a:spLocks noChangeArrowheads="1"/>
+          </p:cNvSpPr>
+          <p:nvPr/>
+        </p:nvSpPr>
+        <p:spPr bwMode="auto">
+          <a:xfrm>
+            <a:off x="8334946" y="1923490"/>
+            <a:ext cx="1516125" cy="400110"/>
+          </a:xfrm>
+          <a:prstGeom prst="rect">
+            <a:avLst/>
+          </a:prstGeom>
+          <a:noFill/>
+          <a:ln>
+            <a:noFill/>
+          </a:ln>
+          <a:extLst>
+            <a:ext uri="{909E8E84-426E-40DD-AFC4-6F175D3DCCD1}">
+              <a14:hiddenFill xmlns:a14="http://schemas.microsoft.com/office/drawing/2010/main">
+                <a:solidFill>
+                  <a:srgbClr val="FFFFFF"/>
+                </a:solidFill>
+              </a14:hiddenFill>
+            </a:ext>
+            <a:ext uri="{91240B29-F687-4F45-9708-019B960494DF}">
+              <a14:hiddenLine xmlns:a14="http://schemas.microsoft.com/office/drawing/2010/main" w="9525">
+                <a:solidFill>
+                  <a:srgbClr val="000000"/>
+                </a:solidFill>
+                <a:miter lim="800000"/>
+                <a:headEnd/>
+                <a:tailEnd/>
+              </a14:hiddenLine>
+            </a:ext>
+          </a:extLst>
+        </p:spPr>
+        <p:txBody>
+          <a:bodyPr wrap="square">
+            <a:spAutoFit/>
+          </a:bodyPr>
+          <a:lstStyle>
+            <a:defPPr>
+              <a:defRPr lang="zh-CN"/>
+            </a:defPPr>
+            <a:lvl1pPr algn="l" rtl="0" eaLnBrk="0" fontAlgn="base" hangingPunct="0">
+              <a:spcBef>
+                <a:spcPct val="0"/>
+              </a:spcBef>
+              <a:spcAft>
+                <a:spcPct val="0"/>
+              </a:spcAft>
+              <a:defRPr kern="1200">
+                <a:solidFill>
+                  <a:schemeClr val="tx1"/>
+                </a:solidFill>
+                <a:latin typeface="Calibri" panose="020F0502020204030204" pitchFamily="34" charset="0"/>
+                <a:ea typeface="宋体" panose="02010600030101010101" pitchFamily="2" charset="-122"/>
+                <a:cs typeface="+mn-cs"/>
+              </a:defRPr>
+            </a:lvl1pPr>
+            <a:lvl2pPr marL="457200" algn="l" rtl="0" eaLnBrk="0" fontAlgn="base" hangingPunct="0">
+              <a:spcBef>
+                <a:spcPct val="0"/>
+              </a:spcBef>
+              <a:spcAft>
+                <a:spcPct val="0"/>
+              </a:spcAft>
+              <a:defRPr kern="1200">
+                <a:solidFill>
+                  <a:schemeClr val="tx1"/>
+                </a:solidFill>
+                <a:latin typeface="Calibri" panose="020F0502020204030204" pitchFamily="34" charset="0"/>
+                <a:ea typeface="宋体" panose="02010600030101010101" pitchFamily="2" charset="-122"/>
+                <a:cs typeface="+mn-cs"/>
+              </a:defRPr>
+            </a:lvl2pPr>
+            <a:lvl3pPr marL="914400" algn="l" rtl="0" eaLnBrk="0" fontAlgn="base" hangingPunct="0">
+              <a:spcBef>
+                <a:spcPct val="0"/>
+              </a:spcBef>
+              <a:spcAft>
+                <a:spcPct val="0"/>
+              </a:spcAft>
+              <a:defRPr kern="1200">
+                <a:solidFill>
+                  <a:schemeClr val="tx1"/>
+                </a:solidFill>
+                <a:latin typeface="Calibri" panose="020F0502020204030204" pitchFamily="34" charset="0"/>
+                <a:ea typeface="宋体" panose="02010600030101010101" pitchFamily="2" charset="-122"/>
+                <a:cs typeface="+mn-cs"/>
+              </a:defRPr>
+            </a:lvl3pPr>
+            <a:lvl4pPr marL="1371600" algn="l" rtl="0" eaLnBrk="0" fontAlgn="base" hangingPunct="0">
+              <a:spcBef>
+                <a:spcPct val="0"/>
+              </a:spcBef>
+              <a:spcAft>
+                <a:spcPct val="0"/>
+              </a:spcAft>
+              <a:defRPr kern="1200">
+                <a:solidFill>
+                  <a:schemeClr val="tx1"/>
+                </a:solidFill>
+                <a:latin typeface="Calibri" panose="020F0502020204030204" pitchFamily="34" charset="0"/>
+                <a:ea typeface="宋体" panose="02010600030101010101" pitchFamily="2" charset="-122"/>
+                <a:cs typeface="+mn-cs"/>
+              </a:defRPr>
+            </a:lvl4pPr>
+            <a:lvl5pPr marL="1828800" algn="l" rtl="0" eaLnBrk="0" fontAlgn="base" hangingPunct="0">
+              <a:spcBef>
+                <a:spcPct val="0"/>
+              </a:spcBef>
+              <a:spcAft>
+                <a:spcPct val="0"/>
+              </a:spcAft>
+              <a:defRPr kern="1200">
+                <a:solidFill>
+                  <a:schemeClr val="tx1"/>
+                </a:solidFill>
+                <a:latin typeface="Calibri" panose="020F0502020204030204" pitchFamily="34" charset="0"/>
+                <a:ea typeface="宋体" panose="02010600030101010101" pitchFamily="2" charset="-122"/>
+                <a:cs typeface="+mn-cs"/>
+              </a:defRPr>
+            </a:lvl5pPr>
+            <a:lvl6pPr marL="2286000" algn="l" defTabSz="914400" rtl="0" eaLnBrk="1" latinLnBrk="0" hangingPunct="1">
+              <a:defRPr kern="1200">
+                <a:solidFill>
+                  <a:schemeClr val="tx1"/>
+                </a:solidFill>
+                <a:latin typeface="Calibri" panose="020F0502020204030204" pitchFamily="34" charset="0"/>
+                <a:ea typeface="宋体" panose="02010600030101010101" pitchFamily="2" charset="-122"/>
+                <a:cs typeface="+mn-cs"/>
+              </a:defRPr>
+            </a:lvl6pPr>
+            <a:lvl7pPr marL="2743200" algn="l" defTabSz="914400" rtl="0" eaLnBrk="1" latinLnBrk="0" hangingPunct="1">
+              <a:defRPr kern="1200">
+                <a:solidFill>
+                  <a:schemeClr val="tx1"/>
+                </a:solidFill>
+                <a:latin typeface="Calibri" panose="020F0502020204030204" pitchFamily="34" charset="0"/>
+                <a:ea typeface="宋体" panose="02010600030101010101" pitchFamily="2" charset="-122"/>
+                <a:cs typeface="+mn-cs"/>
+              </a:defRPr>
+            </a:lvl7pPr>
+            <a:lvl8pPr marL="3200400" algn="l" defTabSz="914400" rtl="0" eaLnBrk="1" latinLnBrk="0" hangingPunct="1">
+              <a:defRPr kern="1200">
+                <a:solidFill>
+                  <a:schemeClr val="tx1"/>
+                </a:solidFill>
+                <a:latin typeface="Calibri" panose="020F0502020204030204" pitchFamily="34" charset="0"/>
+                <a:ea typeface="宋体" panose="02010600030101010101" pitchFamily="2" charset="-122"/>
+                <a:cs typeface="+mn-cs"/>
+              </a:defRPr>
+            </a:lvl8pPr>
+            <a:lvl9pPr marL="3657600" algn="l" defTabSz="914400" rtl="0" eaLnBrk="1" latinLnBrk="0" hangingPunct="1">
+              <a:defRPr kern="1200">
+                <a:solidFill>
+                  <a:schemeClr val="tx1"/>
+                </a:solidFill>
+                <a:latin typeface="Calibri" panose="020F0502020204030204" pitchFamily="34" charset="0"/>
+                <a:ea typeface="宋体" panose="02010600030101010101" pitchFamily="2" charset="-122"/>
+                <a:cs typeface="+mn-cs"/>
+              </a:defRPr>
+            </a:lvl9pPr>
+          </a:lstStyle>
+          <a:p>
+            <a:pPr lvl="0" algn="ctr">
+              <a:defRPr/>
+            </a:pPr>
+            <a:r>
+              <a:rPr kumimoji="0" lang="en-US" altLang="zh-CN" sz="2000" b="0" i="0" u="none" strike="noStrike" kern="1200" cap="none" spc="0" normalizeH="0" baseline="0" noProof="0" dirty="0">
+                <a:ln>
+                  <a:noFill/>
+                </a:ln>
+                <a:effectLst/>
+                <a:uLnTx/>
+                <a:uFillTx/>
+                <a:latin typeface="Tw Cen MT Condensed" panose="020B0606020104020203" pitchFamily="34" charset="0"/>
+                <a:ea typeface="老報宋" pitchFamily="2" charset="-122"/>
+              </a:rPr>
+              <a:t>AWS</a:t>
+            </a:r>
+            <a:endParaRPr kumimoji="0" lang="zh-CN" altLang="en-US" sz="2000" b="0" i="0" u="none" strike="noStrike" kern="1200" cap="none" spc="0" normalizeH="0" baseline="0" noProof="0" dirty="0">
+              <a:ln>
+                <a:noFill/>
+              </a:ln>
+              <a:effectLst/>
+              <a:uLnTx/>
+              <a:uFillTx/>
+              <a:latin typeface="Tw Cen MT Condensed" panose="020B0606020104020203" pitchFamily="34" charset="0"/>
+              <a:ea typeface="老報宋" pitchFamily="2" charset="-122"/>
+            </a:endParaRPr>
+          </a:p>
+        </p:txBody>
+      </p:sp>
+      <p:sp>
+        <p:nvSpPr>
+          <p:cNvPr id="17" name="文本框 2">
+            <a:extLst>
+              <a:ext uri="{FF2B5EF4-FFF2-40B4-BE49-F238E27FC236}">
+                <a16:creationId xmlns:a16="http://schemas.microsoft.com/office/drawing/2014/main" id="{0BF7AA1D-9DED-4591-9A4B-92E47CA9F29A}"/>
+              </a:ext>
+            </a:extLst>
+          </p:cNvPr>
+          <p:cNvSpPr txBox="1">
+            <a:spLocks noChangeArrowheads="1"/>
+          </p:cNvSpPr>
+          <p:nvPr/>
+        </p:nvSpPr>
+        <p:spPr bwMode="auto">
+          <a:xfrm rot="19603972">
+            <a:off x="6165123" y="2126286"/>
+            <a:ext cx="1516125" cy="400110"/>
+          </a:xfrm>
+          <a:prstGeom prst="rect">
+            <a:avLst/>
+          </a:prstGeom>
+          <a:noFill/>
+          <a:ln>
+            <a:noFill/>
+          </a:ln>
+          <a:extLst>
+            <a:ext uri="{909E8E84-426E-40DD-AFC4-6F175D3DCCD1}">
+              <a14:hiddenFill xmlns:a14="http://schemas.microsoft.com/office/drawing/2010/main">
+                <a:solidFill>
+                  <a:srgbClr val="FFFFFF"/>
+                </a:solidFill>
+              </a14:hiddenFill>
+            </a:ext>
+            <a:ext uri="{91240B29-F687-4F45-9708-019B960494DF}">
+              <a14:hiddenLine xmlns:a14="http://schemas.microsoft.com/office/drawing/2010/main" w="9525">
+                <a:solidFill>
+                  <a:srgbClr val="000000"/>
+                </a:solidFill>
+                <a:miter lim="800000"/>
+                <a:headEnd/>
+                <a:tailEnd/>
+              </a14:hiddenLine>
+            </a:ext>
+          </a:extLst>
+        </p:spPr>
+        <p:txBody>
+          <a:bodyPr wrap="square">
+            <a:spAutoFit/>
+          </a:bodyPr>
+          <a:lstStyle>
+            <a:defPPr>
+              <a:defRPr lang="zh-CN"/>
+            </a:defPPr>
+            <a:lvl1pPr algn="l" rtl="0" eaLnBrk="0" fontAlgn="base" hangingPunct="0">
+              <a:spcBef>
+                <a:spcPct val="0"/>
+              </a:spcBef>
+              <a:spcAft>
+                <a:spcPct val="0"/>
+              </a:spcAft>
+              <a:defRPr kern="1200">
+                <a:solidFill>
+                  <a:schemeClr val="tx1"/>
+                </a:solidFill>
+                <a:latin typeface="Calibri" panose="020F0502020204030204" pitchFamily="34" charset="0"/>
+                <a:ea typeface="宋体" panose="02010600030101010101" pitchFamily="2" charset="-122"/>
+                <a:cs typeface="+mn-cs"/>
+              </a:defRPr>
+            </a:lvl1pPr>
+            <a:lvl2pPr marL="457200" algn="l" rtl="0" eaLnBrk="0" fontAlgn="base" hangingPunct="0">
+              <a:spcBef>
+                <a:spcPct val="0"/>
+              </a:spcBef>
+              <a:spcAft>
+                <a:spcPct val="0"/>
+              </a:spcAft>
+              <a:defRPr kern="1200">
+                <a:solidFill>
+                  <a:schemeClr val="tx1"/>
+                </a:solidFill>
+                <a:latin typeface="Calibri" panose="020F0502020204030204" pitchFamily="34" charset="0"/>
+                <a:ea typeface="宋体" panose="02010600030101010101" pitchFamily="2" charset="-122"/>
+                <a:cs typeface="+mn-cs"/>
+              </a:defRPr>
+            </a:lvl2pPr>
+            <a:lvl3pPr marL="914400" algn="l" rtl="0" eaLnBrk="0" fontAlgn="base" hangingPunct="0">
+              <a:spcBef>
+                <a:spcPct val="0"/>
+              </a:spcBef>
+              <a:spcAft>
+                <a:spcPct val="0"/>
+              </a:spcAft>
+              <a:defRPr kern="1200">
+                <a:solidFill>
+                  <a:schemeClr val="tx1"/>
+                </a:solidFill>
+                <a:latin typeface="Calibri" panose="020F0502020204030204" pitchFamily="34" charset="0"/>
+                <a:ea typeface="宋体" panose="02010600030101010101" pitchFamily="2" charset="-122"/>
+                <a:cs typeface="+mn-cs"/>
+              </a:defRPr>
+            </a:lvl3pPr>
+            <a:lvl4pPr marL="1371600" algn="l" rtl="0" eaLnBrk="0" fontAlgn="base" hangingPunct="0">
+              <a:spcBef>
+                <a:spcPct val="0"/>
+              </a:spcBef>
+              <a:spcAft>
+                <a:spcPct val="0"/>
+              </a:spcAft>
+              <a:defRPr kern="1200">
+                <a:solidFill>
+                  <a:schemeClr val="tx1"/>
+                </a:solidFill>
+                <a:latin typeface="Calibri" panose="020F0502020204030204" pitchFamily="34" charset="0"/>
+                <a:ea typeface="宋体" panose="02010600030101010101" pitchFamily="2" charset="-122"/>
+                <a:cs typeface="+mn-cs"/>
+              </a:defRPr>
+            </a:lvl4pPr>
+            <a:lvl5pPr marL="1828800" algn="l" rtl="0" eaLnBrk="0" fontAlgn="base" hangingPunct="0">
+              <a:spcBef>
+                <a:spcPct val="0"/>
+              </a:spcBef>
+              <a:spcAft>
+                <a:spcPct val="0"/>
+              </a:spcAft>
+              <a:defRPr kern="1200">
+                <a:solidFill>
+                  <a:schemeClr val="tx1"/>
+                </a:solidFill>
+                <a:latin typeface="Calibri" panose="020F0502020204030204" pitchFamily="34" charset="0"/>
+                <a:ea typeface="宋体" panose="02010600030101010101" pitchFamily="2" charset="-122"/>
+                <a:cs typeface="+mn-cs"/>
+              </a:defRPr>
+            </a:lvl5pPr>
+            <a:lvl6pPr marL="2286000" algn="l" defTabSz="914400" rtl="0" eaLnBrk="1" latinLnBrk="0" hangingPunct="1">
+              <a:defRPr kern="1200">
+                <a:solidFill>
+                  <a:schemeClr val="tx1"/>
+                </a:solidFill>
+                <a:latin typeface="Calibri" panose="020F0502020204030204" pitchFamily="34" charset="0"/>
+                <a:ea typeface="宋体" panose="02010600030101010101" pitchFamily="2" charset="-122"/>
+                <a:cs typeface="+mn-cs"/>
+              </a:defRPr>
+            </a:lvl6pPr>
+            <a:lvl7pPr marL="2743200" algn="l" defTabSz="914400" rtl="0" eaLnBrk="1" latinLnBrk="0" hangingPunct="1">
+              <a:defRPr kern="1200">
+                <a:solidFill>
+                  <a:schemeClr val="tx1"/>
+                </a:solidFill>
+                <a:latin typeface="Calibri" panose="020F0502020204030204" pitchFamily="34" charset="0"/>
+                <a:ea typeface="宋体" panose="02010600030101010101" pitchFamily="2" charset="-122"/>
+                <a:cs typeface="+mn-cs"/>
+              </a:defRPr>
+            </a:lvl7pPr>
+            <a:lvl8pPr marL="3200400" algn="l" defTabSz="914400" rtl="0" eaLnBrk="1" latinLnBrk="0" hangingPunct="1">
+              <a:defRPr kern="1200">
+                <a:solidFill>
+                  <a:schemeClr val="tx1"/>
+                </a:solidFill>
+                <a:latin typeface="Calibri" panose="020F0502020204030204" pitchFamily="34" charset="0"/>
+                <a:ea typeface="宋体" panose="02010600030101010101" pitchFamily="2" charset="-122"/>
+                <a:cs typeface="+mn-cs"/>
+              </a:defRPr>
+            </a:lvl8pPr>
+            <a:lvl9pPr marL="3657600" algn="l" defTabSz="914400" rtl="0" eaLnBrk="1" latinLnBrk="0" hangingPunct="1">
+              <a:defRPr kern="1200">
+                <a:solidFill>
+                  <a:schemeClr val="tx1"/>
+                </a:solidFill>
+                <a:latin typeface="Calibri" panose="020F0502020204030204" pitchFamily="34" charset="0"/>
+                <a:ea typeface="宋体" panose="02010600030101010101" pitchFamily="2" charset="-122"/>
+                <a:cs typeface="+mn-cs"/>
+              </a:defRPr>
+            </a:lvl9pPr>
+          </a:lstStyle>
+          <a:p>
+            <a:pPr lvl="0" algn="ctr">
+              <a:defRPr/>
+            </a:pPr>
+            <a:r>
+              <a:rPr kumimoji="0" lang="en-US" altLang="zh-CN" sz="2000" b="0" i="0" u="none" strike="noStrike" kern="1200" cap="none" spc="0" normalizeH="0" baseline="0" noProof="0" dirty="0">
+                <a:ln>
+                  <a:noFill/>
+                </a:ln>
+                <a:effectLst/>
+                <a:uLnTx/>
+                <a:uFillTx/>
+                <a:latin typeface="Tw Cen MT Condensed" panose="020B0606020104020203" pitchFamily="34" charset="0"/>
+                <a:ea typeface="老報宋" pitchFamily="2" charset="-122"/>
+              </a:rPr>
+              <a:t>Post-Build</a:t>
+            </a:r>
+            <a:endParaRPr kumimoji="0" lang="zh-CN" altLang="en-US" sz="2000" b="0" i="0" u="none" strike="noStrike" kern="1200" cap="none" spc="0" normalizeH="0" baseline="0" noProof="0" dirty="0">
+              <a:ln>
+                <a:noFill/>
+              </a:ln>
+              <a:effectLst/>
+              <a:uLnTx/>
+              <a:uFillTx/>
+              <a:latin typeface="Tw Cen MT Condensed" panose="020B0606020104020203" pitchFamily="34" charset="0"/>
+              <a:ea typeface="老報宋" pitchFamily="2" charset="-122"/>
+            </a:endParaRPr>
+          </a:p>
+        </p:txBody>
+      </p:sp>
+      <p:cxnSp>
+        <p:nvCxnSpPr>
+          <p:cNvPr id="18" name="Straight Arrow Connector 17">
+            <a:extLst>
+              <a:ext uri="{FF2B5EF4-FFF2-40B4-BE49-F238E27FC236}">
+                <a16:creationId xmlns:a16="http://schemas.microsoft.com/office/drawing/2014/main" id="{40D4B272-3BE9-42EC-8500-D6DBA1D4F0DD}"/>
+              </a:ext>
+            </a:extLst>
+          </p:cNvPr>
+          <p:cNvCxnSpPr>
+            <a:cxnSpLocks/>
+          </p:cNvCxnSpPr>
+          <p:nvPr/>
+        </p:nvCxnSpPr>
+        <p:spPr>
+          <a:xfrm flipV="1">
+            <a:off x="6258484" y="3388226"/>
+            <a:ext cx="1775009" cy="2058"/>
+          </a:xfrm>
+          <a:prstGeom prst="straightConnector1">
+            <a:avLst/>
+          </a:prstGeom>
+          <a:ln w="28575">
+            <a:solidFill>
+              <a:schemeClr val="tx1">
+                <a:lumMod val="95000"/>
+                <a:lumOff val="5000"/>
+              </a:schemeClr>
+            </a:solidFill>
+            <a:prstDash val="sysDash"/>
+            <a:tailEnd type="triangle"/>
+          </a:ln>
+        </p:spPr>
+        <p:style>
+          <a:lnRef idx="1">
+            <a:schemeClr val="accent1"/>
+          </a:lnRef>
+          <a:fillRef idx="0">
+            <a:schemeClr val="accent1"/>
+          </a:fillRef>
+          <a:effectRef idx="0">
+            <a:schemeClr val="accent1"/>
+          </a:effectRef>
+          <a:fontRef idx="minor">
+            <a:schemeClr val="tx1"/>
+          </a:fontRef>
+        </p:style>
+      </p:cxnSp>
+      <p:sp>
+        <p:nvSpPr>
+          <p:cNvPr id="19" name="文本框 2">
+            <a:extLst>
+              <a:ext uri="{FF2B5EF4-FFF2-40B4-BE49-F238E27FC236}">
+                <a16:creationId xmlns:a16="http://schemas.microsoft.com/office/drawing/2014/main" id="{80CA8583-269D-40D4-B54F-8C5E93357989}"/>
+              </a:ext>
+            </a:extLst>
+          </p:cNvPr>
+          <p:cNvSpPr txBox="1">
+            <a:spLocks noChangeArrowheads="1"/>
+          </p:cNvSpPr>
+          <p:nvPr/>
+        </p:nvSpPr>
+        <p:spPr bwMode="auto">
+          <a:xfrm rot="21556831">
+            <a:off x="6387925" y="3019387"/>
+            <a:ext cx="1516125" cy="400110"/>
+          </a:xfrm>
+          <a:prstGeom prst="rect">
+            <a:avLst/>
+          </a:prstGeom>
+          <a:noFill/>
+          <a:ln>
+            <a:noFill/>
+          </a:ln>
+          <a:extLst>
+            <a:ext uri="{909E8E84-426E-40DD-AFC4-6F175D3DCCD1}">
+              <a14:hiddenFill xmlns:a14="http://schemas.microsoft.com/office/drawing/2010/main">
+                <a:solidFill>
+                  <a:srgbClr val="FFFFFF"/>
+                </a:solidFill>
+              </a14:hiddenFill>
+            </a:ext>
+            <a:ext uri="{91240B29-F687-4F45-9708-019B960494DF}">
+              <a14:hiddenLine xmlns:a14="http://schemas.microsoft.com/office/drawing/2010/main" w="9525">
+                <a:solidFill>
+                  <a:srgbClr val="000000"/>
+                </a:solidFill>
+                <a:miter lim="800000"/>
+                <a:headEnd/>
+                <a:tailEnd/>
+              </a14:hiddenLine>
+            </a:ext>
+          </a:extLst>
+        </p:spPr>
+        <p:txBody>
+          <a:bodyPr wrap="square">
+            <a:spAutoFit/>
+          </a:bodyPr>
+          <a:lstStyle>
+            <a:defPPr>
+              <a:defRPr lang="zh-CN"/>
+            </a:defPPr>
+            <a:lvl1pPr algn="l" rtl="0" eaLnBrk="0" fontAlgn="base" hangingPunct="0">
+              <a:spcBef>
+                <a:spcPct val="0"/>
+              </a:spcBef>
+              <a:spcAft>
+                <a:spcPct val="0"/>
+              </a:spcAft>
+              <a:defRPr kern="1200">
+                <a:solidFill>
+                  <a:schemeClr val="tx1"/>
+                </a:solidFill>
+                <a:latin typeface="Calibri" panose="020F0502020204030204" pitchFamily="34" charset="0"/>
+                <a:ea typeface="宋体" panose="02010600030101010101" pitchFamily="2" charset="-122"/>
+                <a:cs typeface="+mn-cs"/>
+              </a:defRPr>
+            </a:lvl1pPr>
+            <a:lvl2pPr marL="457200" algn="l" rtl="0" eaLnBrk="0" fontAlgn="base" hangingPunct="0">
+              <a:spcBef>
+                <a:spcPct val="0"/>
+              </a:spcBef>
+              <a:spcAft>
+                <a:spcPct val="0"/>
+              </a:spcAft>
+              <a:defRPr kern="1200">
+                <a:solidFill>
+                  <a:schemeClr val="tx1"/>
+                </a:solidFill>
+                <a:latin typeface="Calibri" panose="020F0502020204030204" pitchFamily="34" charset="0"/>
+                <a:ea typeface="宋体" panose="02010600030101010101" pitchFamily="2" charset="-122"/>
+                <a:cs typeface="+mn-cs"/>
+              </a:defRPr>
+            </a:lvl2pPr>
+            <a:lvl3pPr marL="914400" algn="l" rtl="0" eaLnBrk="0" fontAlgn="base" hangingPunct="0">
+              <a:spcBef>
+                <a:spcPct val="0"/>
+              </a:spcBef>
+              <a:spcAft>
+                <a:spcPct val="0"/>
+              </a:spcAft>
+              <a:defRPr kern="1200">
+                <a:solidFill>
+                  <a:schemeClr val="tx1"/>
+                </a:solidFill>
+                <a:latin typeface="Calibri" panose="020F0502020204030204" pitchFamily="34" charset="0"/>
+                <a:ea typeface="宋体" panose="02010600030101010101" pitchFamily="2" charset="-122"/>
+                <a:cs typeface="+mn-cs"/>
+              </a:defRPr>
+            </a:lvl3pPr>
+            <a:lvl4pPr marL="1371600" algn="l" rtl="0" eaLnBrk="0" fontAlgn="base" hangingPunct="0">
+              <a:spcBef>
+                <a:spcPct val="0"/>
+              </a:spcBef>
+              <a:spcAft>
+                <a:spcPct val="0"/>
+              </a:spcAft>
+              <a:defRPr kern="1200">
+                <a:solidFill>
+                  <a:schemeClr val="tx1"/>
+                </a:solidFill>
+                <a:latin typeface="Calibri" panose="020F0502020204030204" pitchFamily="34" charset="0"/>
+                <a:ea typeface="宋体" panose="02010600030101010101" pitchFamily="2" charset="-122"/>
+                <a:cs typeface="+mn-cs"/>
+              </a:defRPr>
+            </a:lvl4pPr>
+            <a:lvl5pPr marL="1828800" algn="l" rtl="0" eaLnBrk="0" fontAlgn="base" hangingPunct="0">
+              <a:spcBef>
+                <a:spcPct val="0"/>
+              </a:spcBef>
+              <a:spcAft>
+                <a:spcPct val="0"/>
+              </a:spcAft>
+              <a:defRPr kern="1200">
+                <a:solidFill>
+                  <a:schemeClr val="tx1"/>
+                </a:solidFill>
+                <a:latin typeface="Calibri" panose="020F0502020204030204" pitchFamily="34" charset="0"/>
+                <a:ea typeface="宋体" panose="02010600030101010101" pitchFamily="2" charset="-122"/>
+                <a:cs typeface="+mn-cs"/>
+              </a:defRPr>
+            </a:lvl5pPr>
+            <a:lvl6pPr marL="2286000" algn="l" defTabSz="914400" rtl="0" eaLnBrk="1" latinLnBrk="0" hangingPunct="1">
+              <a:defRPr kern="1200">
+                <a:solidFill>
+                  <a:schemeClr val="tx1"/>
+                </a:solidFill>
+                <a:latin typeface="Calibri" panose="020F0502020204030204" pitchFamily="34" charset="0"/>
+                <a:ea typeface="宋体" panose="02010600030101010101" pitchFamily="2" charset="-122"/>
+                <a:cs typeface="+mn-cs"/>
+              </a:defRPr>
+            </a:lvl6pPr>
+            <a:lvl7pPr marL="2743200" algn="l" defTabSz="914400" rtl="0" eaLnBrk="1" latinLnBrk="0" hangingPunct="1">
+              <a:defRPr kern="1200">
+                <a:solidFill>
+                  <a:schemeClr val="tx1"/>
+                </a:solidFill>
+                <a:latin typeface="Calibri" panose="020F0502020204030204" pitchFamily="34" charset="0"/>
+                <a:ea typeface="宋体" panose="02010600030101010101" pitchFamily="2" charset="-122"/>
+                <a:cs typeface="+mn-cs"/>
+              </a:defRPr>
+            </a:lvl7pPr>
+            <a:lvl8pPr marL="3200400" algn="l" defTabSz="914400" rtl="0" eaLnBrk="1" latinLnBrk="0" hangingPunct="1">
+              <a:defRPr kern="1200">
+                <a:solidFill>
+                  <a:schemeClr val="tx1"/>
+                </a:solidFill>
+                <a:latin typeface="Calibri" panose="020F0502020204030204" pitchFamily="34" charset="0"/>
+                <a:ea typeface="宋体" panose="02010600030101010101" pitchFamily="2" charset="-122"/>
+                <a:cs typeface="+mn-cs"/>
+              </a:defRPr>
+            </a:lvl8pPr>
+            <a:lvl9pPr marL="3657600" algn="l" defTabSz="914400" rtl="0" eaLnBrk="1" latinLnBrk="0" hangingPunct="1">
+              <a:defRPr kern="1200">
+                <a:solidFill>
+                  <a:schemeClr val="tx1"/>
+                </a:solidFill>
+                <a:latin typeface="Calibri" panose="020F0502020204030204" pitchFamily="34" charset="0"/>
+                <a:ea typeface="宋体" panose="02010600030101010101" pitchFamily="2" charset="-122"/>
+                <a:cs typeface="+mn-cs"/>
+              </a:defRPr>
+            </a:lvl9pPr>
+          </a:lstStyle>
+          <a:p>
+            <a:pPr lvl="0" algn="ctr">
+              <a:defRPr/>
+            </a:pPr>
+            <a:r>
+              <a:rPr kumimoji="0" lang="en-US" altLang="zh-CN" sz="2000" b="0" i="0" u="none" strike="noStrike" kern="1200" cap="none" spc="0" normalizeH="0" baseline="0" noProof="0" dirty="0">
+                <a:ln>
+                  <a:noFill/>
+                </a:ln>
+                <a:effectLst/>
+                <a:uLnTx/>
+                <a:uFillTx/>
+                <a:latin typeface="Tw Cen MT Condensed" panose="020B0606020104020203" pitchFamily="34" charset="0"/>
+                <a:ea typeface="老報宋" pitchFamily="2" charset="-122"/>
+              </a:rPr>
+              <a:t>Post-Build</a:t>
+            </a:r>
+            <a:endParaRPr kumimoji="0" lang="zh-CN" altLang="en-US" sz="2000" b="0" i="0" u="none" strike="noStrike" kern="1200" cap="none" spc="0" normalizeH="0" baseline="0" noProof="0" dirty="0">
+              <a:ln>
+                <a:noFill/>
+              </a:ln>
+              <a:effectLst/>
+              <a:uLnTx/>
+              <a:uFillTx/>
+              <a:latin typeface="Tw Cen MT Condensed" panose="020B0606020104020203" pitchFamily="34" charset="0"/>
+              <a:ea typeface="老報宋" pitchFamily="2" charset="-122"/>
+            </a:endParaRPr>
+          </a:p>
+        </p:txBody>
+      </p:sp>
+      <p:pic>
+        <p:nvPicPr>
+          <p:cNvPr id="25" name="Graphic 24">
+            <a:extLst>
+              <a:ext uri="{FF2B5EF4-FFF2-40B4-BE49-F238E27FC236}">
+                <a16:creationId xmlns:a16="http://schemas.microsoft.com/office/drawing/2014/main" id="{D1BB2AC3-23BF-4739-9F78-1F75D3080399}"/>
+              </a:ext>
+            </a:extLst>
+          </p:cNvPr>
+          <p:cNvPicPr>
+            <a:picLocks noChangeAspect="1"/>
+          </p:cNvPicPr>
+          <p:nvPr/>
+        </p:nvPicPr>
+        <p:blipFill>
+          <a:blip r:embed="rId6">
+            <a:extLst>
+              <a:ext uri="{96DAC541-7B7A-43D3-8B79-37D633B846F1}">
+                <asvg:svgBlip xmlns:asvg="http://schemas.microsoft.com/office/drawing/2016/SVG/main" r:embed="rId7"/>
+              </a:ext>
+            </a:extLst>
+          </a:blip>
+          <a:stretch>
+            <a:fillRect/>
+          </a:stretch>
+        </p:blipFill>
+        <p:spPr>
+          <a:xfrm>
+            <a:off x="8243043" y="2681788"/>
+            <a:ext cx="1699933" cy="991628"/>
+          </a:xfrm>
+          <a:prstGeom prst="rect">
+            <a:avLst/>
+          </a:prstGeom>
+        </p:spPr>
+      </p:pic>
+      <p:sp>
+        <p:nvSpPr>
+          <p:cNvPr id="26" name="文本框 2">
+            <a:extLst>
+              <a:ext uri="{FF2B5EF4-FFF2-40B4-BE49-F238E27FC236}">
+                <a16:creationId xmlns:a16="http://schemas.microsoft.com/office/drawing/2014/main" id="{D3A84899-C2C1-4CDC-9F3E-C60C3059795C}"/>
+              </a:ext>
+            </a:extLst>
+          </p:cNvPr>
+          <p:cNvSpPr txBox="1">
+            <a:spLocks noChangeArrowheads="1"/>
+          </p:cNvSpPr>
+          <p:nvPr/>
+        </p:nvSpPr>
+        <p:spPr bwMode="auto">
+          <a:xfrm>
+            <a:off x="8334946" y="3751109"/>
+            <a:ext cx="1516125" cy="400110"/>
+          </a:xfrm>
+          <a:prstGeom prst="rect">
+            <a:avLst/>
+          </a:prstGeom>
+          <a:noFill/>
+          <a:ln>
+            <a:noFill/>
+          </a:ln>
+          <a:extLst>
+            <a:ext uri="{909E8E84-426E-40DD-AFC4-6F175D3DCCD1}">
+              <a14:hiddenFill xmlns:a14="http://schemas.microsoft.com/office/drawing/2010/main">
+                <a:solidFill>
+                  <a:srgbClr val="FFFFFF"/>
+                </a:solidFill>
+              </a14:hiddenFill>
+            </a:ext>
+            <a:ext uri="{91240B29-F687-4F45-9708-019B960494DF}">
+              <a14:hiddenLine xmlns:a14="http://schemas.microsoft.com/office/drawing/2010/main" w="9525">
+                <a:solidFill>
+                  <a:srgbClr val="000000"/>
+                </a:solidFill>
+                <a:miter lim="800000"/>
+                <a:headEnd/>
+                <a:tailEnd/>
+              </a14:hiddenLine>
+            </a:ext>
+          </a:extLst>
+        </p:spPr>
+        <p:txBody>
+          <a:bodyPr wrap="square">
+            <a:spAutoFit/>
+          </a:bodyPr>
+          <a:lstStyle>
+            <a:defPPr>
+              <a:defRPr lang="zh-CN"/>
+            </a:defPPr>
+            <a:lvl1pPr algn="l" rtl="0" eaLnBrk="0" fontAlgn="base" hangingPunct="0">
+              <a:spcBef>
+                <a:spcPct val="0"/>
+              </a:spcBef>
+              <a:spcAft>
+                <a:spcPct val="0"/>
+              </a:spcAft>
+              <a:defRPr kern="1200">
+                <a:solidFill>
+                  <a:schemeClr val="tx1"/>
+                </a:solidFill>
+                <a:latin typeface="Calibri" panose="020F0502020204030204" pitchFamily="34" charset="0"/>
+                <a:ea typeface="宋体" panose="02010600030101010101" pitchFamily="2" charset="-122"/>
+                <a:cs typeface="+mn-cs"/>
+              </a:defRPr>
+            </a:lvl1pPr>
+            <a:lvl2pPr marL="457200" algn="l" rtl="0" eaLnBrk="0" fontAlgn="base" hangingPunct="0">
+              <a:spcBef>
+                <a:spcPct val="0"/>
+              </a:spcBef>
+              <a:spcAft>
+                <a:spcPct val="0"/>
+              </a:spcAft>
+              <a:defRPr kern="1200">
+                <a:solidFill>
+                  <a:schemeClr val="tx1"/>
+                </a:solidFill>
+                <a:latin typeface="Calibri" panose="020F0502020204030204" pitchFamily="34" charset="0"/>
+                <a:ea typeface="宋体" panose="02010600030101010101" pitchFamily="2" charset="-122"/>
+                <a:cs typeface="+mn-cs"/>
+              </a:defRPr>
+            </a:lvl2pPr>
+            <a:lvl3pPr marL="914400" algn="l" rtl="0" eaLnBrk="0" fontAlgn="base" hangingPunct="0">
+              <a:spcBef>
+                <a:spcPct val="0"/>
+              </a:spcBef>
+              <a:spcAft>
+                <a:spcPct val="0"/>
+              </a:spcAft>
+              <a:defRPr kern="1200">
+                <a:solidFill>
+                  <a:schemeClr val="tx1"/>
+                </a:solidFill>
+                <a:latin typeface="Calibri" panose="020F0502020204030204" pitchFamily="34" charset="0"/>
+                <a:ea typeface="宋体" panose="02010600030101010101" pitchFamily="2" charset="-122"/>
+                <a:cs typeface="+mn-cs"/>
+              </a:defRPr>
+            </a:lvl3pPr>
+            <a:lvl4pPr marL="1371600" algn="l" rtl="0" eaLnBrk="0" fontAlgn="base" hangingPunct="0">
+              <a:spcBef>
+                <a:spcPct val="0"/>
+              </a:spcBef>
+              <a:spcAft>
+                <a:spcPct val="0"/>
+              </a:spcAft>
+              <a:defRPr kern="1200">
+                <a:solidFill>
+                  <a:schemeClr val="tx1"/>
+                </a:solidFill>
+                <a:latin typeface="Calibri" panose="020F0502020204030204" pitchFamily="34" charset="0"/>
+                <a:ea typeface="宋体" panose="02010600030101010101" pitchFamily="2" charset="-122"/>
+                <a:cs typeface="+mn-cs"/>
+              </a:defRPr>
+            </a:lvl4pPr>
+            <a:lvl5pPr marL="1828800" algn="l" rtl="0" eaLnBrk="0" fontAlgn="base" hangingPunct="0">
+              <a:spcBef>
+                <a:spcPct val="0"/>
+              </a:spcBef>
+              <a:spcAft>
+                <a:spcPct val="0"/>
+              </a:spcAft>
+              <a:defRPr kern="1200">
+                <a:solidFill>
+                  <a:schemeClr val="tx1"/>
+                </a:solidFill>
+                <a:latin typeface="Calibri" panose="020F0502020204030204" pitchFamily="34" charset="0"/>
+                <a:ea typeface="宋体" panose="02010600030101010101" pitchFamily="2" charset="-122"/>
+                <a:cs typeface="+mn-cs"/>
+              </a:defRPr>
+            </a:lvl5pPr>
+            <a:lvl6pPr marL="2286000" algn="l" defTabSz="914400" rtl="0" eaLnBrk="1" latinLnBrk="0" hangingPunct="1">
+              <a:defRPr kern="1200">
+                <a:solidFill>
+                  <a:schemeClr val="tx1"/>
+                </a:solidFill>
+                <a:latin typeface="Calibri" panose="020F0502020204030204" pitchFamily="34" charset="0"/>
+                <a:ea typeface="宋体" panose="02010600030101010101" pitchFamily="2" charset="-122"/>
+                <a:cs typeface="+mn-cs"/>
+              </a:defRPr>
+            </a:lvl6pPr>
+            <a:lvl7pPr marL="2743200" algn="l" defTabSz="914400" rtl="0" eaLnBrk="1" latinLnBrk="0" hangingPunct="1">
+              <a:defRPr kern="1200">
+                <a:solidFill>
+                  <a:schemeClr val="tx1"/>
+                </a:solidFill>
+                <a:latin typeface="Calibri" panose="020F0502020204030204" pitchFamily="34" charset="0"/>
+                <a:ea typeface="宋体" panose="02010600030101010101" pitchFamily="2" charset="-122"/>
+                <a:cs typeface="+mn-cs"/>
+              </a:defRPr>
+            </a:lvl7pPr>
+            <a:lvl8pPr marL="3200400" algn="l" defTabSz="914400" rtl="0" eaLnBrk="1" latinLnBrk="0" hangingPunct="1">
+              <a:defRPr kern="1200">
+                <a:solidFill>
+                  <a:schemeClr val="tx1"/>
+                </a:solidFill>
+                <a:latin typeface="Calibri" panose="020F0502020204030204" pitchFamily="34" charset="0"/>
+                <a:ea typeface="宋体" panose="02010600030101010101" pitchFamily="2" charset="-122"/>
+                <a:cs typeface="+mn-cs"/>
+              </a:defRPr>
+            </a:lvl8pPr>
+            <a:lvl9pPr marL="3657600" algn="l" defTabSz="914400" rtl="0" eaLnBrk="1" latinLnBrk="0" hangingPunct="1">
+              <a:defRPr kern="1200">
+                <a:solidFill>
+                  <a:schemeClr val="tx1"/>
+                </a:solidFill>
+                <a:latin typeface="Calibri" panose="020F0502020204030204" pitchFamily="34" charset="0"/>
+                <a:ea typeface="宋体" panose="02010600030101010101" pitchFamily="2" charset="-122"/>
+                <a:cs typeface="+mn-cs"/>
+              </a:defRPr>
+            </a:lvl9pPr>
+          </a:lstStyle>
+          <a:p>
+            <a:pPr lvl="0" algn="ctr">
+              <a:defRPr/>
+            </a:pPr>
+            <a:r>
+              <a:rPr kumimoji="0" lang="en-US" altLang="zh-CN" sz="2000" b="0" i="0" u="none" strike="noStrike" kern="1200" cap="none" spc="0" normalizeH="0" baseline="0" noProof="0" dirty="0">
+                <a:ln>
+                  <a:noFill/>
+                </a:ln>
+                <a:effectLst/>
+                <a:uLnTx/>
+                <a:uFillTx/>
+                <a:latin typeface="Tw Cen MT Condensed" panose="020B0606020104020203" pitchFamily="34" charset="0"/>
+                <a:ea typeface="老報宋" pitchFamily="2" charset="-122"/>
+              </a:rPr>
+              <a:t>AWS</a:t>
+            </a:r>
+            <a:endParaRPr kumimoji="0" lang="zh-CN" altLang="en-US" sz="2000" b="0" i="0" u="none" strike="noStrike" kern="1200" cap="none" spc="0" normalizeH="0" baseline="0" noProof="0" dirty="0">
+              <a:ln>
+                <a:noFill/>
+              </a:ln>
+              <a:effectLst/>
+              <a:uLnTx/>
+              <a:uFillTx/>
+              <a:latin typeface="Tw Cen MT Condensed" panose="020B0606020104020203" pitchFamily="34" charset="0"/>
+              <a:ea typeface="老報宋" pitchFamily="2" charset="-122"/>
+            </a:endParaRPr>
+          </a:p>
+        </p:txBody>
+      </p:sp>
+      <p:cxnSp>
+        <p:nvCxnSpPr>
+          <p:cNvPr id="27" name="Straight Arrow Connector 26">
+            <a:extLst>
+              <a:ext uri="{FF2B5EF4-FFF2-40B4-BE49-F238E27FC236}">
+                <a16:creationId xmlns:a16="http://schemas.microsoft.com/office/drawing/2014/main" id="{4C8D7A91-5826-4856-BDBC-F992532CF43A}"/>
+              </a:ext>
+            </a:extLst>
+          </p:cNvPr>
+          <p:cNvCxnSpPr>
+            <a:cxnSpLocks/>
+          </p:cNvCxnSpPr>
+          <p:nvPr/>
+        </p:nvCxnSpPr>
+        <p:spPr>
+          <a:xfrm>
+            <a:off x="6258483" y="3845859"/>
+            <a:ext cx="1721223" cy="1270747"/>
+          </a:xfrm>
+          <a:prstGeom prst="straightConnector1">
+            <a:avLst/>
+          </a:prstGeom>
+          <a:ln w="28575">
+            <a:solidFill>
+              <a:schemeClr val="tx1">
+                <a:lumMod val="95000"/>
+                <a:lumOff val="5000"/>
+              </a:schemeClr>
+            </a:solidFill>
+            <a:prstDash val="sysDash"/>
+            <a:tailEnd type="triangle"/>
+          </a:ln>
+        </p:spPr>
+        <p:style>
+          <a:lnRef idx="1">
+            <a:schemeClr val="accent1"/>
+          </a:lnRef>
+          <a:fillRef idx="0">
+            <a:schemeClr val="accent1"/>
+          </a:fillRef>
+          <a:effectRef idx="0">
+            <a:schemeClr val="accent1"/>
+          </a:effectRef>
+          <a:fontRef idx="minor">
+            <a:schemeClr val="tx1"/>
+          </a:fontRef>
+        </p:style>
+      </p:cxnSp>
+      <p:sp>
+        <p:nvSpPr>
+          <p:cNvPr id="28" name="文本框 2">
+            <a:extLst>
+              <a:ext uri="{FF2B5EF4-FFF2-40B4-BE49-F238E27FC236}">
+                <a16:creationId xmlns:a16="http://schemas.microsoft.com/office/drawing/2014/main" id="{750D2B74-066B-4CBB-BC58-62DEF9F1DADB}"/>
+              </a:ext>
+            </a:extLst>
+          </p:cNvPr>
+          <p:cNvSpPr txBox="1">
+            <a:spLocks noChangeArrowheads="1"/>
+          </p:cNvSpPr>
+          <p:nvPr/>
+        </p:nvSpPr>
+        <p:spPr bwMode="auto">
+          <a:xfrm rot="2314195">
+            <a:off x="6442655" y="4124198"/>
+            <a:ext cx="1516125" cy="400110"/>
+          </a:xfrm>
+          <a:prstGeom prst="rect">
+            <a:avLst/>
+          </a:prstGeom>
+          <a:noFill/>
+          <a:ln>
+            <a:noFill/>
+          </a:ln>
+          <a:extLst>
+            <a:ext uri="{909E8E84-426E-40DD-AFC4-6F175D3DCCD1}">
+              <a14:hiddenFill xmlns:a14="http://schemas.microsoft.com/office/drawing/2010/main">
+                <a:solidFill>
+                  <a:srgbClr val="FFFFFF"/>
+                </a:solidFill>
+              </a14:hiddenFill>
+            </a:ext>
+            <a:ext uri="{91240B29-F687-4F45-9708-019B960494DF}">
+              <a14:hiddenLine xmlns:a14="http://schemas.microsoft.com/office/drawing/2010/main" w="9525">
+                <a:solidFill>
+                  <a:srgbClr val="000000"/>
+                </a:solidFill>
+                <a:miter lim="800000"/>
+                <a:headEnd/>
+                <a:tailEnd/>
+              </a14:hiddenLine>
+            </a:ext>
+          </a:extLst>
+        </p:spPr>
+        <p:txBody>
+          <a:bodyPr wrap="square">
+            <a:spAutoFit/>
+          </a:bodyPr>
+          <a:lstStyle>
+            <a:defPPr>
+              <a:defRPr lang="zh-CN"/>
+            </a:defPPr>
+            <a:lvl1pPr algn="l" rtl="0" eaLnBrk="0" fontAlgn="base" hangingPunct="0">
+              <a:spcBef>
+                <a:spcPct val="0"/>
+              </a:spcBef>
+              <a:spcAft>
+                <a:spcPct val="0"/>
+              </a:spcAft>
+              <a:defRPr kern="1200">
+                <a:solidFill>
+                  <a:schemeClr val="tx1"/>
+                </a:solidFill>
+                <a:latin typeface="Calibri" panose="020F0502020204030204" pitchFamily="34" charset="0"/>
+                <a:ea typeface="宋体" panose="02010600030101010101" pitchFamily="2" charset="-122"/>
+                <a:cs typeface="+mn-cs"/>
+              </a:defRPr>
+            </a:lvl1pPr>
+            <a:lvl2pPr marL="457200" algn="l" rtl="0" eaLnBrk="0" fontAlgn="base" hangingPunct="0">
+              <a:spcBef>
+                <a:spcPct val="0"/>
+              </a:spcBef>
+              <a:spcAft>
+                <a:spcPct val="0"/>
+              </a:spcAft>
+              <a:defRPr kern="1200">
+                <a:solidFill>
+                  <a:schemeClr val="tx1"/>
+                </a:solidFill>
+                <a:latin typeface="Calibri" panose="020F0502020204030204" pitchFamily="34" charset="0"/>
+                <a:ea typeface="宋体" panose="02010600030101010101" pitchFamily="2" charset="-122"/>
+                <a:cs typeface="+mn-cs"/>
+              </a:defRPr>
+            </a:lvl2pPr>
+            <a:lvl3pPr marL="914400" algn="l" rtl="0" eaLnBrk="0" fontAlgn="base" hangingPunct="0">
+              <a:spcBef>
+                <a:spcPct val="0"/>
+              </a:spcBef>
+              <a:spcAft>
+                <a:spcPct val="0"/>
+              </a:spcAft>
+              <a:defRPr kern="1200">
+                <a:solidFill>
+                  <a:schemeClr val="tx1"/>
+                </a:solidFill>
+                <a:latin typeface="Calibri" panose="020F0502020204030204" pitchFamily="34" charset="0"/>
+                <a:ea typeface="宋体" panose="02010600030101010101" pitchFamily="2" charset="-122"/>
+                <a:cs typeface="+mn-cs"/>
+              </a:defRPr>
+            </a:lvl3pPr>
+            <a:lvl4pPr marL="1371600" algn="l" rtl="0" eaLnBrk="0" fontAlgn="base" hangingPunct="0">
+              <a:spcBef>
+                <a:spcPct val="0"/>
+              </a:spcBef>
+              <a:spcAft>
+                <a:spcPct val="0"/>
+              </a:spcAft>
+              <a:defRPr kern="1200">
+                <a:solidFill>
+                  <a:schemeClr val="tx1"/>
+                </a:solidFill>
+                <a:latin typeface="Calibri" panose="020F0502020204030204" pitchFamily="34" charset="0"/>
+                <a:ea typeface="宋体" panose="02010600030101010101" pitchFamily="2" charset="-122"/>
+                <a:cs typeface="+mn-cs"/>
+              </a:defRPr>
+            </a:lvl4pPr>
+            <a:lvl5pPr marL="1828800" algn="l" rtl="0" eaLnBrk="0" fontAlgn="base" hangingPunct="0">
+              <a:spcBef>
+                <a:spcPct val="0"/>
+              </a:spcBef>
+              <a:spcAft>
+                <a:spcPct val="0"/>
+              </a:spcAft>
+              <a:defRPr kern="1200">
+                <a:solidFill>
+                  <a:schemeClr val="tx1"/>
+                </a:solidFill>
+                <a:latin typeface="Calibri" panose="020F0502020204030204" pitchFamily="34" charset="0"/>
+                <a:ea typeface="宋体" panose="02010600030101010101" pitchFamily="2" charset="-122"/>
+                <a:cs typeface="+mn-cs"/>
+              </a:defRPr>
+            </a:lvl5pPr>
+            <a:lvl6pPr marL="2286000" algn="l" defTabSz="914400" rtl="0" eaLnBrk="1" latinLnBrk="0" hangingPunct="1">
+              <a:defRPr kern="1200">
+                <a:solidFill>
+                  <a:schemeClr val="tx1"/>
+                </a:solidFill>
+                <a:latin typeface="Calibri" panose="020F0502020204030204" pitchFamily="34" charset="0"/>
+                <a:ea typeface="宋体" panose="02010600030101010101" pitchFamily="2" charset="-122"/>
+                <a:cs typeface="+mn-cs"/>
+              </a:defRPr>
+            </a:lvl6pPr>
+            <a:lvl7pPr marL="2743200" algn="l" defTabSz="914400" rtl="0" eaLnBrk="1" latinLnBrk="0" hangingPunct="1">
+              <a:defRPr kern="1200">
+                <a:solidFill>
+                  <a:schemeClr val="tx1"/>
+                </a:solidFill>
+                <a:latin typeface="Calibri" panose="020F0502020204030204" pitchFamily="34" charset="0"/>
+                <a:ea typeface="宋体" panose="02010600030101010101" pitchFamily="2" charset="-122"/>
+                <a:cs typeface="+mn-cs"/>
+              </a:defRPr>
+            </a:lvl7pPr>
+            <a:lvl8pPr marL="3200400" algn="l" defTabSz="914400" rtl="0" eaLnBrk="1" latinLnBrk="0" hangingPunct="1">
+              <a:defRPr kern="1200">
+                <a:solidFill>
+                  <a:schemeClr val="tx1"/>
+                </a:solidFill>
+                <a:latin typeface="Calibri" panose="020F0502020204030204" pitchFamily="34" charset="0"/>
+                <a:ea typeface="宋体" panose="02010600030101010101" pitchFamily="2" charset="-122"/>
+                <a:cs typeface="+mn-cs"/>
+              </a:defRPr>
+            </a:lvl8pPr>
+            <a:lvl9pPr marL="3657600" algn="l" defTabSz="914400" rtl="0" eaLnBrk="1" latinLnBrk="0" hangingPunct="1">
+              <a:defRPr kern="1200">
+                <a:solidFill>
+                  <a:schemeClr val="tx1"/>
+                </a:solidFill>
+                <a:latin typeface="Calibri" panose="020F0502020204030204" pitchFamily="34" charset="0"/>
+                <a:ea typeface="宋体" panose="02010600030101010101" pitchFamily="2" charset="-122"/>
+                <a:cs typeface="+mn-cs"/>
+              </a:defRPr>
+            </a:lvl9pPr>
+          </a:lstStyle>
+          <a:p>
+            <a:pPr lvl="0" algn="ctr">
+              <a:defRPr/>
+            </a:pPr>
+            <a:r>
+              <a:rPr kumimoji="0" lang="en-US" altLang="zh-CN" sz="2000" b="0" i="0" u="none" strike="noStrike" kern="1200" cap="none" spc="0" normalizeH="0" baseline="0" noProof="0" dirty="0">
+                <a:ln>
+                  <a:noFill/>
+                </a:ln>
+                <a:effectLst/>
+                <a:uLnTx/>
+                <a:uFillTx/>
+                <a:latin typeface="Tw Cen MT Condensed" panose="020B0606020104020203" pitchFamily="34" charset="0"/>
+                <a:ea typeface="老報宋" pitchFamily="2" charset="-122"/>
+              </a:rPr>
+              <a:t>Post-Build</a:t>
+            </a:r>
+            <a:endParaRPr kumimoji="0" lang="zh-CN" altLang="en-US" sz="2000" b="0" i="0" u="none" strike="noStrike" kern="1200" cap="none" spc="0" normalizeH="0" baseline="0" noProof="0" dirty="0">
+              <a:ln>
+                <a:noFill/>
+              </a:ln>
+              <a:effectLst/>
+              <a:uLnTx/>
+              <a:uFillTx/>
+              <a:latin typeface="Tw Cen MT Condensed" panose="020B0606020104020203" pitchFamily="34" charset="0"/>
+              <a:ea typeface="老報宋" pitchFamily="2" charset="-122"/>
+            </a:endParaRPr>
+          </a:p>
+        </p:txBody>
+      </p:sp>
+      <p:sp>
+        <p:nvSpPr>
+          <p:cNvPr id="32" name="文本框 2">
+            <a:extLst>
+              <a:ext uri="{FF2B5EF4-FFF2-40B4-BE49-F238E27FC236}">
+                <a16:creationId xmlns:a16="http://schemas.microsoft.com/office/drawing/2014/main" id="{4C11EA6A-73FE-44ED-AFC1-CD8A8E438910}"/>
+              </a:ext>
+            </a:extLst>
+          </p:cNvPr>
+          <p:cNvSpPr txBox="1">
+            <a:spLocks noChangeArrowheads="1"/>
+          </p:cNvSpPr>
+          <p:nvPr/>
+        </p:nvSpPr>
+        <p:spPr bwMode="auto">
+          <a:xfrm>
+            <a:off x="8293802" y="4859292"/>
+            <a:ext cx="1516125" cy="400110"/>
+          </a:xfrm>
+          <a:prstGeom prst="rect">
+            <a:avLst/>
+          </a:prstGeom>
+          <a:noFill/>
+          <a:ln>
+            <a:noFill/>
+          </a:ln>
+          <a:extLst>
+            <a:ext uri="{909E8E84-426E-40DD-AFC4-6F175D3DCCD1}">
+              <a14:hiddenFill xmlns:a14="http://schemas.microsoft.com/office/drawing/2010/main">
+                <a:solidFill>
+                  <a:srgbClr val="FFFFFF"/>
+                </a:solidFill>
+              </a14:hiddenFill>
+            </a:ext>
+            <a:ext uri="{91240B29-F687-4F45-9708-019B960494DF}">
+              <a14:hiddenLine xmlns:a14="http://schemas.microsoft.com/office/drawing/2010/main" w="9525">
+                <a:solidFill>
+                  <a:srgbClr val="000000"/>
+                </a:solidFill>
+                <a:miter lim="800000"/>
+                <a:headEnd/>
+                <a:tailEnd/>
+              </a14:hiddenLine>
+            </a:ext>
+          </a:extLst>
+        </p:spPr>
+        <p:txBody>
+          <a:bodyPr wrap="square">
+            <a:spAutoFit/>
+          </a:bodyPr>
+          <a:lstStyle>
+            <a:defPPr>
+              <a:defRPr lang="zh-CN"/>
+            </a:defPPr>
+            <a:lvl1pPr algn="l" rtl="0" eaLnBrk="0" fontAlgn="base" hangingPunct="0">
+              <a:spcBef>
+                <a:spcPct val="0"/>
+              </a:spcBef>
+              <a:spcAft>
+                <a:spcPct val="0"/>
+              </a:spcAft>
+              <a:defRPr kern="1200">
+                <a:solidFill>
+                  <a:schemeClr val="tx1"/>
+                </a:solidFill>
+                <a:latin typeface="Calibri" panose="020F0502020204030204" pitchFamily="34" charset="0"/>
+                <a:ea typeface="宋体" panose="02010600030101010101" pitchFamily="2" charset="-122"/>
+                <a:cs typeface="+mn-cs"/>
+              </a:defRPr>
+            </a:lvl1pPr>
+            <a:lvl2pPr marL="457200" algn="l" rtl="0" eaLnBrk="0" fontAlgn="base" hangingPunct="0">
+              <a:spcBef>
+                <a:spcPct val="0"/>
+              </a:spcBef>
+              <a:spcAft>
+                <a:spcPct val="0"/>
+              </a:spcAft>
+              <a:defRPr kern="1200">
+                <a:solidFill>
+                  <a:schemeClr val="tx1"/>
+                </a:solidFill>
+                <a:latin typeface="Calibri" panose="020F0502020204030204" pitchFamily="34" charset="0"/>
+                <a:ea typeface="宋体" panose="02010600030101010101" pitchFamily="2" charset="-122"/>
+                <a:cs typeface="+mn-cs"/>
+              </a:defRPr>
+            </a:lvl2pPr>
+            <a:lvl3pPr marL="914400" algn="l" rtl="0" eaLnBrk="0" fontAlgn="base" hangingPunct="0">
+              <a:spcBef>
+                <a:spcPct val="0"/>
+              </a:spcBef>
+              <a:spcAft>
+                <a:spcPct val="0"/>
+              </a:spcAft>
+              <a:defRPr kern="1200">
+                <a:solidFill>
+                  <a:schemeClr val="tx1"/>
+                </a:solidFill>
+                <a:latin typeface="Calibri" panose="020F0502020204030204" pitchFamily="34" charset="0"/>
+                <a:ea typeface="宋体" panose="02010600030101010101" pitchFamily="2" charset="-122"/>
+                <a:cs typeface="+mn-cs"/>
+              </a:defRPr>
+            </a:lvl3pPr>
+            <a:lvl4pPr marL="1371600" algn="l" rtl="0" eaLnBrk="0" fontAlgn="base" hangingPunct="0">
+              <a:spcBef>
+                <a:spcPct val="0"/>
+              </a:spcBef>
+              <a:spcAft>
+                <a:spcPct val="0"/>
+              </a:spcAft>
+              <a:defRPr kern="1200">
+                <a:solidFill>
+                  <a:schemeClr val="tx1"/>
+                </a:solidFill>
+                <a:latin typeface="Calibri" panose="020F0502020204030204" pitchFamily="34" charset="0"/>
+                <a:ea typeface="宋体" panose="02010600030101010101" pitchFamily="2" charset="-122"/>
+                <a:cs typeface="+mn-cs"/>
+              </a:defRPr>
+            </a:lvl4pPr>
+            <a:lvl5pPr marL="1828800" algn="l" rtl="0" eaLnBrk="0" fontAlgn="base" hangingPunct="0">
+              <a:spcBef>
+                <a:spcPct val="0"/>
+              </a:spcBef>
+              <a:spcAft>
+                <a:spcPct val="0"/>
+              </a:spcAft>
+              <a:defRPr kern="1200">
+                <a:solidFill>
+                  <a:schemeClr val="tx1"/>
+                </a:solidFill>
+                <a:latin typeface="Calibri" panose="020F0502020204030204" pitchFamily="34" charset="0"/>
+                <a:ea typeface="宋体" panose="02010600030101010101" pitchFamily="2" charset="-122"/>
+                <a:cs typeface="+mn-cs"/>
+              </a:defRPr>
+            </a:lvl5pPr>
+            <a:lvl6pPr marL="2286000" algn="l" defTabSz="914400" rtl="0" eaLnBrk="1" latinLnBrk="0" hangingPunct="1">
+              <a:defRPr kern="1200">
+                <a:solidFill>
+                  <a:schemeClr val="tx1"/>
+                </a:solidFill>
+                <a:latin typeface="Calibri" panose="020F0502020204030204" pitchFamily="34" charset="0"/>
+                <a:ea typeface="宋体" panose="02010600030101010101" pitchFamily="2" charset="-122"/>
+                <a:cs typeface="+mn-cs"/>
+              </a:defRPr>
+            </a:lvl6pPr>
+            <a:lvl7pPr marL="2743200" algn="l" defTabSz="914400" rtl="0" eaLnBrk="1" latinLnBrk="0" hangingPunct="1">
+              <a:defRPr kern="1200">
+                <a:solidFill>
+                  <a:schemeClr val="tx1"/>
+                </a:solidFill>
+                <a:latin typeface="Calibri" panose="020F0502020204030204" pitchFamily="34" charset="0"/>
+                <a:ea typeface="宋体" panose="02010600030101010101" pitchFamily="2" charset="-122"/>
+                <a:cs typeface="+mn-cs"/>
+              </a:defRPr>
+            </a:lvl7pPr>
+            <a:lvl8pPr marL="3200400" algn="l" defTabSz="914400" rtl="0" eaLnBrk="1" latinLnBrk="0" hangingPunct="1">
+              <a:defRPr kern="1200">
+                <a:solidFill>
+                  <a:schemeClr val="tx1"/>
+                </a:solidFill>
+                <a:latin typeface="Calibri" panose="020F0502020204030204" pitchFamily="34" charset="0"/>
+                <a:ea typeface="宋体" panose="02010600030101010101" pitchFamily="2" charset="-122"/>
+                <a:cs typeface="+mn-cs"/>
+              </a:defRPr>
+            </a:lvl8pPr>
+            <a:lvl9pPr marL="3657600" algn="l" defTabSz="914400" rtl="0" eaLnBrk="1" latinLnBrk="0" hangingPunct="1">
+              <a:defRPr kern="1200">
+                <a:solidFill>
+                  <a:schemeClr val="tx1"/>
+                </a:solidFill>
+                <a:latin typeface="Calibri" panose="020F0502020204030204" pitchFamily="34" charset="0"/>
+                <a:ea typeface="宋体" panose="02010600030101010101" pitchFamily="2" charset="-122"/>
+                <a:cs typeface="+mn-cs"/>
+              </a:defRPr>
+            </a:lvl9pPr>
+          </a:lstStyle>
+          <a:p>
+            <a:pPr lvl="0" algn="ctr">
+              <a:defRPr/>
+            </a:pPr>
+            <a:r>
+              <a:rPr kumimoji="0" lang="en-US" altLang="zh-CN" sz="2000" b="0" i="0" u="none" strike="noStrike" kern="1200" cap="none" spc="0" normalizeH="0" baseline="0" noProof="0" dirty="0">
+                <a:ln>
+                  <a:noFill/>
+                </a:ln>
+                <a:effectLst/>
+                <a:uLnTx/>
+                <a:uFillTx/>
+                <a:latin typeface="Tw Cen MT Condensed" panose="020B0606020104020203" pitchFamily="34" charset="0"/>
+                <a:ea typeface="老報宋" pitchFamily="2" charset="-122"/>
+              </a:rPr>
+              <a:t>…</a:t>
+            </a:r>
+            <a:endParaRPr kumimoji="0" lang="zh-CN" altLang="en-US" sz="2000" b="0" i="0" u="none" strike="noStrike" kern="1200" cap="none" spc="0" normalizeH="0" baseline="0" noProof="0" dirty="0">
+              <a:ln>
+                <a:noFill/>
+              </a:ln>
+              <a:effectLst/>
+              <a:uLnTx/>
+              <a:uFillTx/>
+              <a:latin typeface="Tw Cen MT Condensed" panose="020B0606020104020203" pitchFamily="34" charset="0"/>
+              <a:ea typeface="老報宋" pitchFamily="2" charset="-122"/>
+            </a:endParaRPr>
+          </a:p>
+        </p:txBody>
+      </p:sp>
     </p:spTree>
     <p:extLst>
       <p:ext uri="{BB962C8B-B14F-4D97-AF65-F5344CB8AC3E}">
-        <p14:creationId xmlns:p14="http://schemas.microsoft.com/office/powerpoint/2010/main" val="2248240110"/>
+        <p14:creationId xmlns:p14="http://schemas.microsoft.com/office/powerpoint/2010/main" val="55363550"/>
       </p:ext>
     </p:extLst>
   </p:cSld>
@@ -3473,7 +8538,7 @@
     </p:spTree>
     <p:extLst>
       <p:ext uri="{BB962C8B-B14F-4D97-AF65-F5344CB8AC3E}">
-        <p14:creationId xmlns:p14="http://schemas.microsoft.com/office/powerpoint/2010/main" val="1207720169"/>
+        <p14:creationId xmlns:p14="http://schemas.microsoft.com/office/powerpoint/2010/main" val="974740745"/>
       </p:ext>
     </p:extLst>
   </p:cSld>
@@ -3503,7 +8568,7 @@
     </p:spTree>
     <p:extLst>
       <p:ext uri="{BB962C8B-B14F-4D97-AF65-F5344CB8AC3E}">
-        <p14:creationId xmlns:p14="http://schemas.microsoft.com/office/powerpoint/2010/main" val="1741181988"/>
+        <p14:creationId xmlns:p14="http://schemas.microsoft.com/office/powerpoint/2010/main" val="3096430660"/>
       </p:ext>
     </p:extLst>
   </p:cSld>
@@ -3533,7 +8598,7 @@
     </p:spTree>
     <p:extLst>
       <p:ext uri="{BB962C8B-B14F-4D97-AF65-F5344CB8AC3E}">
-        <p14:creationId xmlns:p14="http://schemas.microsoft.com/office/powerpoint/2010/main" val="430690897"/>
+        <p14:creationId xmlns:p14="http://schemas.microsoft.com/office/powerpoint/2010/main" val="4202123340"/>
       </p:ext>
     </p:extLst>
   </p:cSld>
@@ -3563,67 +8628,7 @@
     </p:spTree>
     <p:extLst>
       <p:ext uri="{BB962C8B-B14F-4D97-AF65-F5344CB8AC3E}">
-        <p14:creationId xmlns:p14="http://schemas.microsoft.com/office/powerpoint/2010/main" val="974740745"/>
-      </p:ext>
-    </p:extLst>
-  </p:cSld>
-  <p:clrMapOvr>
-    <a:masterClrMapping/>
-  </p:clrMapOvr>
-</p:sld>
-</file>
-
-<file path=ppt/slides/slide8.xml><?xml version="1.0" encoding="utf-8"?>
-<p:sld xmlns:a="http://schemas.openxmlformats.org/drawingml/2006/main" xmlns:r="http://schemas.openxmlformats.org/officeDocument/2006/relationships" xmlns:p="http://schemas.openxmlformats.org/presentationml/2006/main">
-  <p:cSld>
-    <p:spTree>
-      <p:nvGrpSpPr>
-        <p:cNvPr id="1" name=""/>
-        <p:cNvGrpSpPr/>
-        <p:nvPr/>
-      </p:nvGrpSpPr>
-      <p:grpSpPr>
-        <a:xfrm>
-          <a:off x="0" y="0"/>
-          <a:ext cx="0" cy="0"/>
-          <a:chOff x="0" y="0"/>
-          <a:chExt cx="0" cy="0"/>
-        </a:xfrm>
-      </p:grpSpPr>
-    </p:spTree>
-    <p:extLst>
-      <p:ext uri="{BB962C8B-B14F-4D97-AF65-F5344CB8AC3E}">
-        <p14:creationId xmlns:p14="http://schemas.microsoft.com/office/powerpoint/2010/main" val="3096430660"/>
-      </p:ext>
-    </p:extLst>
-  </p:cSld>
-  <p:clrMapOvr>
-    <a:masterClrMapping/>
-  </p:clrMapOvr>
-</p:sld>
-</file>
-
-<file path=ppt/slides/slide9.xml><?xml version="1.0" encoding="utf-8"?>
-<p:sld xmlns:a="http://schemas.openxmlformats.org/drawingml/2006/main" xmlns:r="http://schemas.openxmlformats.org/officeDocument/2006/relationships" xmlns:p="http://schemas.openxmlformats.org/presentationml/2006/main">
-  <p:cSld>
-    <p:spTree>
-      <p:nvGrpSpPr>
-        <p:cNvPr id="1" name=""/>
-        <p:cNvGrpSpPr/>
-        <p:nvPr/>
-      </p:nvGrpSpPr>
-      <p:grpSpPr>
-        <a:xfrm>
-          <a:off x="0" y="0"/>
-          <a:ext cx="0" cy="0"/>
-          <a:chOff x="0" y="0"/>
-          <a:chExt cx="0" cy="0"/>
-        </a:xfrm>
-      </p:grpSpPr>
-    </p:spTree>
-    <p:extLst>
-      <p:ext uri="{BB962C8B-B14F-4D97-AF65-F5344CB8AC3E}">
-        <p14:creationId xmlns:p14="http://schemas.microsoft.com/office/powerpoint/2010/main" val="4202123340"/>
+        <p14:creationId xmlns:p14="http://schemas.microsoft.com/office/powerpoint/2010/main" val="1936639752"/>
       </p:ext>
     </p:extLst>
   </p:cSld>
@@ -3926,4 +8931,299 @@
     </a:ext>
   </a:extLst>
 </a:theme>
+</file>
+
+<file path=ppt/theme/theme2.xml><?xml version="1.0" encoding="utf-8"?>
+<a:theme xmlns:a="http://schemas.openxmlformats.org/drawingml/2006/main" name="Office Theme">
+  <a:themeElements>
+    <a:clrScheme name="Office">
+      <a:dk1>
+        <a:sysClr val="windowText" lastClr="000000"/>
+      </a:dk1>
+      <a:lt1>
+        <a:sysClr val="window" lastClr="FFFFFF"/>
+      </a:lt1>
+      <a:dk2>
+        <a:srgbClr val="44546A"/>
+      </a:dk2>
+      <a:lt2>
+        <a:srgbClr val="E7E6E6"/>
+      </a:lt2>
+      <a:accent1>
+        <a:srgbClr val="4472C4"/>
+      </a:accent1>
+      <a:accent2>
+        <a:srgbClr val="ED7D31"/>
+      </a:accent2>
+      <a:accent3>
+        <a:srgbClr val="A5A5A5"/>
+      </a:accent3>
+      <a:accent4>
+        <a:srgbClr val="FFC000"/>
+      </a:accent4>
+      <a:accent5>
+        <a:srgbClr val="5B9BD5"/>
+      </a:accent5>
+      <a:accent6>
+        <a:srgbClr val="70AD47"/>
+      </a:accent6>
+      <a:hlink>
+        <a:srgbClr val="0563C1"/>
+      </a:hlink>
+      <a:folHlink>
+        <a:srgbClr val="954F72"/>
+      </a:folHlink>
+    </a:clrScheme>
+    <a:fontScheme name="Office">
+      <a:majorFont>
+        <a:latin typeface="Calibri Light" panose="020F0302020204030204"/>
+        <a:ea typeface=""/>
+        <a:cs typeface=""/>
+        <a:font script="Jpan" typeface="游ゴシック Light"/>
+        <a:font script="Hang" typeface="맑은 고딕"/>
+        <a:font script="Hans" typeface="等线 Light"/>
+        <a:font script="Hant" typeface="新細明體"/>
+        <a:font script="Arab" typeface="Times New Roman"/>
+        <a:font script="Hebr" typeface="Times New Roman"/>
+        <a:font script="Thai" typeface="Angsana New"/>
+        <a:font script="Ethi" typeface="Nyala"/>
+        <a:font script="Beng" typeface="Vrinda"/>
+        <a:font script="Gujr" typeface="Shruti"/>
+        <a:font script="Khmr" typeface="MoolBoran"/>
+        <a:font script="Knda" typeface="Tunga"/>
+        <a:font script="Guru" typeface="Raavi"/>
+        <a:font script="Cans" typeface="Euphemia"/>
+        <a:font script="Cher" typeface="Plantagenet Cherokee"/>
+        <a:font script="Yiii" typeface="Microsoft Yi Baiti"/>
+        <a:font script="Tibt" typeface="Microsoft Himalaya"/>
+        <a:font script="Thaa" typeface="MV Boli"/>
+        <a:font script="Deva" typeface="Mangal"/>
+        <a:font script="Telu" typeface="Gautami"/>
+        <a:font script="Taml" typeface="Latha"/>
+        <a:font script="Syrc" typeface="Estrangelo Edessa"/>
+        <a:font script="Orya" typeface="Kalinga"/>
+        <a:font script="Mlym" typeface="Kartika"/>
+        <a:font script="Laoo" typeface="DokChampa"/>
+        <a:font script="Sinh" typeface="Iskoola Pota"/>
+        <a:font script="Mong" typeface="Mongolian Baiti"/>
+        <a:font script="Viet" typeface="Times New Roman"/>
+        <a:font script="Uigh" typeface="Microsoft Uighur"/>
+        <a:font script="Geor" typeface="Sylfaen"/>
+        <a:font script="Armn" typeface="Arial"/>
+        <a:font script="Bugi" typeface="Leelawadee UI"/>
+        <a:font script="Bopo" typeface="Microsoft JhengHei"/>
+        <a:font script="Java" typeface="Javanese Text"/>
+        <a:font script="Lisu" typeface="Segoe UI"/>
+        <a:font script="Mymr" typeface="Myanmar Text"/>
+        <a:font script="Nkoo" typeface="Ebrima"/>
+        <a:font script="Olck" typeface="Nirmala UI"/>
+        <a:font script="Osma" typeface="Ebrima"/>
+        <a:font script="Phag" typeface="Phagspa"/>
+        <a:font script="Syrn" typeface="Estrangelo Edessa"/>
+        <a:font script="Syrj" typeface="Estrangelo Edessa"/>
+        <a:font script="Syre" typeface="Estrangelo Edessa"/>
+        <a:font script="Sora" typeface="Nirmala UI"/>
+        <a:font script="Tale" typeface="Microsoft Tai Le"/>
+        <a:font script="Talu" typeface="Microsoft New Tai Lue"/>
+        <a:font script="Tfng" typeface="Ebrima"/>
+      </a:majorFont>
+      <a:minorFont>
+        <a:latin typeface="Calibri" panose="020F0502020204030204"/>
+        <a:ea typeface=""/>
+        <a:cs typeface=""/>
+        <a:font script="Jpan" typeface="游ゴシック"/>
+        <a:font script="Hang" typeface="맑은 고딕"/>
+        <a:font script="Hans" typeface="等线"/>
+        <a:font script="Hant" typeface="新細明體"/>
+        <a:font script="Arab" typeface="Arial"/>
+        <a:font script="Hebr" typeface="Arial"/>
+        <a:font script="Thai" typeface="Cordia New"/>
+        <a:font script="Ethi" typeface="Nyala"/>
+        <a:font script="Beng" typeface="Vrinda"/>
+        <a:font script="Gujr" typeface="Shruti"/>
+        <a:font script="Khmr" typeface="DaunPenh"/>
+        <a:font script="Knda" typeface="Tunga"/>
+        <a:font script="Guru" typeface="Raavi"/>
+        <a:font script="Cans" typeface="Euphemia"/>
+        <a:font script="Cher" typeface="Plantagenet Cherokee"/>
+        <a:font script="Yiii" typeface="Microsoft Yi Baiti"/>
+        <a:font script="Tibt" typeface="Microsoft Himalaya"/>
+        <a:font script="Thaa" typeface="MV Boli"/>
+        <a:font script="Deva" typeface="Mangal"/>
+        <a:font script="Telu" typeface="Gautami"/>
+        <a:font script="Taml" typeface="Latha"/>
+        <a:font script="Syrc" typeface="Estrangelo Edessa"/>
+        <a:font script="Orya" typeface="Kalinga"/>
+        <a:font script="Mlym" typeface="Kartika"/>
+        <a:font script="Laoo" typeface="DokChampa"/>
+        <a:font script="Sinh" typeface="Iskoola Pota"/>
+        <a:font script="Mong" typeface="Mongolian Baiti"/>
+        <a:font script="Viet" typeface="Arial"/>
+        <a:font script="Uigh" typeface="Microsoft Uighur"/>
+        <a:font script="Geor" typeface="Sylfaen"/>
+        <a:font script="Armn" typeface="Arial"/>
+        <a:font script="Bugi" typeface="Leelawadee UI"/>
+        <a:font script="Bopo" typeface="Microsoft JhengHei"/>
+        <a:font script="Java" typeface="Javanese Text"/>
+        <a:font script="Lisu" typeface="Segoe UI"/>
+        <a:font script="Mymr" typeface="Myanmar Text"/>
+        <a:font script="Nkoo" typeface="Ebrima"/>
+        <a:font script="Olck" typeface="Nirmala UI"/>
+        <a:font script="Osma" typeface="Ebrima"/>
+        <a:font script="Phag" typeface="Phagspa"/>
+        <a:font script="Syrn" typeface="Estrangelo Edessa"/>
+        <a:font script="Syrj" typeface="Estrangelo Edessa"/>
+        <a:font script="Syre" typeface="Estrangelo Edessa"/>
+        <a:font script="Sora" typeface="Nirmala UI"/>
+        <a:font script="Tale" typeface="Microsoft Tai Le"/>
+        <a:font script="Talu" typeface="Microsoft New Tai Lue"/>
+        <a:font script="Tfng" typeface="Ebrima"/>
+      </a:minorFont>
+    </a:fontScheme>
+    <a:fmtScheme name="Office">
+      <a:fillStyleLst>
+        <a:solidFill>
+          <a:schemeClr val="phClr"/>
+        </a:solidFill>
+        <a:gradFill rotWithShape="1">
+          <a:gsLst>
+            <a:gs pos="0">
+              <a:schemeClr val="phClr">
+                <a:lumMod val="110000"/>
+                <a:satMod val="105000"/>
+                <a:tint val="67000"/>
+              </a:schemeClr>
+            </a:gs>
+            <a:gs pos="50000">
+              <a:schemeClr val="phClr">
+                <a:lumMod val="105000"/>
+                <a:satMod val="103000"/>
+                <a:tint val="73000"/>
+              </a:schemeClr>
+            </a:gs>
+            <a:gs pos="100000">
+              <a:schemeClr val="phClr">
+                <a:lumMod val="105000"/>
+                <a:satMod val="109000"/>
+                <a:tint val="81000"/>
+              </a:schemeClr>
+            </a:gs>
+          </a:gsLst>
+          <a:lin ang="5400000" scaled="0"/>
+        </a:gradFill>
+        <a:gradFill rotWithShape="1">
+          <a:gsLst>
+            <a:gs pos="0">
+              <a:schemeClr val="phClr">
+                <a:satMod val="103000"/>
+                <a:lumMod val="102000"/>
+                <a:tint val="94000"/>
+              </a:schemeClr>
+            </a:gs>
+            <a:gs pos="50000">
+              <a:schemeClr val="phClr">
+                <a:satMod val="110000"/>
+                <a:lumMod val="100000"/>
+                <a:shade val="100000"/>
+              </a:schemeClr>
+            </a:gs>
+            <a:gs pos="100000">
+              <a:schemeClr val="phClr">
+                <a:lumMod val="99000"/>
+                <a:satMod val="120000"/>
+                <a:shade val="78000"/>
+              </a:schemeClr>
+            </a:gs>
+          </a:gsLst>
+          <a:lin ang="5400000" scaled="0"/>
+        </a:gradFill>
+      </a:fillStyleLst>
+      <a:lnStyleLst>
+        <a:ln w="6350" cap="flat" cmpd="sng" algn="ctr">
+          <a:solidFill>
+            <a:schemeClr val="phClr"/>
+          </a:solidFill>
+          <a:prstDash val="solid"/>
+          <a:miter lim="800000"/>
+        </a:ln>
+        <a:ln w="12700" cap="flat" cmpd="sng" algn="ctr">
+          <a:solidFill>
+            <a:schemeClr val="phClr"/>
+          </a:solidFill>
+          <a:prstDash val="solid"/>
+          <a:miter lim="800000"/>
+        </a:ln>
+        <a:ln w="19050" cap="flat" cmpd="sng" algn="ctr">
+          <a:solidFill>
+            <a:schemeClr val="phClr"/>
+          </a:solidFill>
+          <a:prstDash val="solid"/>
+          <a:miter lim="800000"/>
+        </a:ln>
+      </a:lnStyleLst>
+      <a:effectStyleLst>
+        <a:effectStyle>
+          <a:effectLst/>
+        </a:effectStyle>
+        <a:effectStyle>
+          <a:effectLst/>
+        </a:effectStyle>
+        <a:effectStyle>
+          <a:effectLst>
+            <a:outerShdw blurRad="57150" dist="19050" dir="5400000" algn="ctr" rotWithShape="0">
+              <a:srgbClr val="000000">
+                <a:alpha val="63000"/>
+              </a:srgbClr>
+            </a:outerShdw>
+          </a:effectLst>
+        </a:effectStyle>
+      </a:effectStyleLst>
+      <a:bgFillStyleLst>
+        <a:solidFill>
+          <a:schemeClr val="phClr"/>
+        </a:solidFill>
+        <a:solidFill>
+          <a:schemeClr val="phClr">
+            <a:tint val="95000"/>
+            <a:satMod val="170000"/>
+          </a:schemeClr>
+        </a:solidFill>
+        <a:gradFill rotWithShape="1">
+          <a:gsLst>
+            <a:gs pos="0">
+              <a:schemeClr val="phClr">
+                <a:tint val="93000"/>
+                <a:satMod val="150000"/>
+                <a:shade val="98000"/>
+                <a:lumMod val="102000"/>
+              </a:schemeClr>
+            </a:gs>
+            <a:gs pos="50000">
+              <a:schemeClr val="phClr">
+                <a:tint val="98000"/>
+                <a:satMod val="130000"/>
+                <a:shade val="90000"/>
+                <a:lumMod val="103000"/>
+              </a:schemeClr>
+            </a:gs>
+            <a:gs pos="100000">
+              <a:schemeClr val="phClr">
+                <a:shade val="63000"/>
+                <a:satMod val="120000"/>
+              </a:schemeClr>
+            </a:gs>
+          </a:gsLst>
+          <a:lin ang="5400000" scaled="0"/>
+        </a:gradFill>
+      </a:bgFillStyleLst>
+    </a:fmtScheme>
+  </a:themeElements>
+  <a:objectDefaults/>
+  <a:extraClrSchemeLst/>
+  <a:extLst>
+    <a:ext uri="{05A4C25C-085E-4340-85A3-A5531E510DB2}">
+      <thm15:themeFamily xmlns:thm15="http://schemas.microsoft.com/office/thememl/2012/main" name="Office Theme" id="{62F939B6-93AF-4DB8-9C6B-D6C7DFDC589F}" vid="{4A3C46E8-61CC-4603-A589-7422A47A8E4A}"/>
+    </a:ext>
+  </a:extLst>
+</a:theme>
 </file>